--- a/Lessons/材料的表面与界面/group_presentation/slices/第四小组_0529_16.pptx
+++ b/Lessons/材料的表面与界面/group_presentation/slices/第四小组_0529_16.pptx
@@ -278,7 +278,7 @@
           <a:p>
             <a:fld id="{2524E34A-29B5-46B9-A0E9-B9E060C64B5C}" type="datetimeFigureOut">
               <a:rPr lang="zh-CN" altLang="en-US" smtClean="0"/>
-              <a:t>2018/5/30</a:t>
+              <a:t>2018/6/1 Friday</a:t>
             </a:fld>
             <a:endParaRPr lang="zh-CN" altLang="en-US"/>
           </a:p>
@@ -995,7 +995,7 @@
           <a:p>
             <a:fld id="{2E216367-23C3-44EE-94DC-EFDDEFA8621F}" type="datetimeFigureOut">
               <a:rPr lang="zh-CN" altLang="en-US" smtClean="0"/>
-              <a:t>2018/5/30</a:t>
+              <a:t>2018/6/1 Friday</a:t>
             </a:fld>
             <a:endParaRPr lang="zh-CN" altLang="en-US"/>
           </a:p>
@@ -1193,7 +1193,7 @@
           <a:p>
             <a:fld id="{2E216367-23C3-44EE-94DC-EFDDEFA8621F}" type="datetimeFigureOut">
               <a:rPr lang="zh-CN" altLang="en-US" smtClean="0"/>
-              <a:t>2018/5/30</a:t>
+              <a:t>2018/6/1 Friday</a:t>
             </a:fld>
             <a:endParaRPr lang="zh-CN" altLang="en-US"/>
           </a:p>
@@ -1401,7 +1401,7 @@
           <a:p>
             <a:fld id="{2E216367-23C3-44EE-94DC-EFDDEFA8621F}" type="datetimeFigureOut">
               <a:rPr lang="zh-CN" altLang="en-US" smtClean="0"/>
-              <a:t>2018/5/30</a:t>
+              <a:t>2018/6/1 Friday</a:t>
             </a:fld>
             <a:endParaRPr lang="zh-CN" altLang="en-US"/>
           </a:p>
@@ -1599,7 +1599,7 @@
           <a:p>
             <a:fld id="{2E216367-23C3-44EE-94DC-EFDDEFA8621F}" type="datetimeFigureOut">
               <a:rPr lang="zh-CN" altLang="en-US" smtClean="0"/>
-              <a:t>2018/5/30</a:t>
+              <a:t>2018/6/1 Friday</a:t>
             </a:fld>
             <a:endParaRPr lang="zh-CN" altLang="en-US"/>
           </a:p>
@@ -1874,7 +1874,7 @@
           <a:p>
             <a:fld id="{2E216367-23C3-44EE-94DC-EFDDEFA8621F}" type="datetimeFigureOut">
               <a:rPr lang="zh-CN" altLang="en-US" smtClean="0"/>
-              <a:t>2018/5/30</a:t>
+              <a:t>2018/6/1 Friday</a:t>
             </a:fld>
             <a:endParaRPr lang="zh-CN" altLang="en-US"/>
           </a:p>
@@ -2139,7 +2139,7 @@
           <a:p>
             <a:fld id="{2E216367-23C3-44EE-94DC-EFDDEFA8621F}" type="datetimeFigureOut">
               <a:rPr lang="zh-CN" altLang="en-US" smtClean="0"/>
-              <a:t>2018/5/30</a:t>
+              <a:t>2018/6/1 Friday</a:t>
             </a:fld>
             <a:endParaRPr lang="zh-CN" altLang="en-US"/>
           </a:p>
@@ -2551,7 +2551,7 @@
           <a:p>
             <a:fld id="{2E216367-23C3-44EE-94DC-EFDDEFA8621F}" type="datetimeFigureOut">
               <a:rPr lang="zh-CN" altLang="en-US" smtClean="0"/>
-              <a:t>2018/5/30</a:t>
+              <a:t>2018/6/1 Friday</a:t>
             </a:fld>
             <a:endParaRPr lang="zh-CN" altLang="en-US"/>
           </a:p>
@@ -2692,7 +2692,7 @@
           <a:p>
             <a:fld id="{2E216367-23C3-44EE-94DC-EFDDEFA8621F}" type="datetimeFigureOut">
               <a:rPr lang="zh-CN" altLang="en-US" smtClean="0"/>
-              <a:t>2018/5/30</a:t>
+              <a:t>2018/6/1 Friday</a:t>
             </a:fld>
             <a:endParaRPr lang="zh-CN" altLang="en-US"/>
           </a:p>
@@ -2805,7 +2805,7 @@
           <a:p>
             <a:fld id="{2E216367-23C3-44EE-94DC-EFDDEFA8621F}" type="datetimeFigureOut">
               <a:rPr lang="zh-CN" altLang="en-US" smtClean="0"/>
-              <a:t>2018/5/30</a:t>
+              <a:t>2018/6/1 Friday</a:t>
             </a:fld>
             <a:endParaRPr lang="zh-CN" altLang="en-US"/>
           </a:p>
@@ -3116,7 +3116,7 @@
           <a:p>
             <a:fld id="{2E216367-23C3-44EE-94DC-EFDDEFA8621F}" type="datetimeFigureOut">
               <a:rPr lang="zh-CN" altLang="en-US" smtClean="0"/>
-              <a:t>2018/5/30</a:t>
+              <a:t>2018/6/1 Friday</a:t>
             </a:fld>
             <a:endParaRPr lang="zh-CN" altLang="en-US"/>
           </a:p>
@@ -3404,7 +3404,7 @@
           <a:p>
             <a:fld id="{2E216367-23C3-44EE-94DC-EFDDEFA8621F}" type="datetimeFigureOut">
               <a:rPr lang="zh-CN" altLang="en-US" smtClean="0"/>
-              <a:t>2018/5/30</a:t>
+              <a:t>2018/6/1 Friday</a:t>
             </a:fld>
             <a:endParaRPr lang="zh-CN" altLang="en-US"/>
           </a:p>
@@ -3645,7 +3645,7 @@
           <a:p>
             <a:fld id="{2E216367-23C3-44EE-94DC-EFDDEFA8621F}" type="datetimeFigureOut">
               <a:rPr lang="zh-CN" altLang="en-US" smtClean="0"/>
-              <a:t>2018/5/30</a:t>
+              <a:t>2018/6/1 Friday</a:t>
             </a:fld>
             <a:endParaRPr lang="zh-CN" altLang="en-US"/>
           </a:p>
@@ -4766,8 +4766,8 @@
           </a:prstGeom>
         </p:spPr>
       </p:pic>
-      <mc:AlternateContent xmlns:mc="http://schemas.openxmlformats.org/markup-compatibility/2006">
-        <mc:Choice xmlns:a14="http://schemas.microsoft.com/office/drawing/2010/main" Requires="a14">
+      <mc:AlternateContent xmlns:mc="http://schemas.openxmlformats.org/markup-compatibility/2006" xmlns:a14="http://schemas.microsoft.com/office/drawing/2010/main">
+        <mc:Choice Requires="a14">
           <p:sp>
             <p:nvSpPr>
               <p:cNvPr id="2" name="文本框 1">
@@ -4782,8 +4782,8 @@
             </p:nvSpPr>
             <p:spPr>
               <a:xfrm>
-                <a:off x="1695450" y="816746"/>
-                <a:ext cx="9008009" cy="6538136"/>
+                <a:off x="2130347" y="419100"/>
+                <a:ext cx="9008009" cy="5846537"/>
               </a:xfrm>
               <a:prstGeom prst="rect">
                 <a:avLst/>
@@ -5746,17 +5746,6 @@
                   </a:rPr>
                   <a:t>垂直表面的单位矢量</a:t>
                 </a:r>
-                <a:endParaRPr lang="en-US" altLang="zh-CN" b="1" dirty="0">
-                  <a:latin typeface="宋体" panose="02010600030101010101" pitchFamily="2" charset="-122"/>
-                  <a:ea typeface="宋体" panose="02010600030101010101" pitchFamily="2" charset="-122"/>
-                </a:endParaRPr>
-              </a:p>
-              <a:p>
-                <a:pPr algn="just">
-                  <a:lnSpc>
-                    <a:spcPct val="150000"/>
-                  </a:lnSpc>
-                </a:pPr>
                 <a:endParaRPr lang="zh-CN" altLang="en-US" sz="2400" dirty="0">
                   <a:latin typeface="宋体" panose="02010600030101010101" pitchFamily="2" charset="-122"/>
                   <a:ea typeface="宋体" panose="02010600030101010101" pitchFamily="2" charset="-122"/>
@@ -5765,7 +5754,7 @@
             </p:txBody>
           </p:sp>
         </mc:Choice>
-        <mc:Fallback>
+        <mc:Fallback xmlns="">
           <p:sp>
             <p:nvSpPr>
               <p:cNvPr id="2" name="文本框 1">
@@ -5782,8 +5771,8 @@
             </p:nvSpPr>
             <p:spPr>
               <a:xfrm>
-                <a:off x="1695450" y="816746"/>
-                <a:ext cx="9008009" cy="6538136"/>
+                <a:off x="2130347" y="419100"/>
+                <a:ext cx="9008009" cy="5846537"/>
               </a:xfrm>
               <a:prstGeom prst="rect">
                 <a:avLst/>
@@ -5791,7 +5780,7 @@
               <a:blipFill>
                 <a:blip r:embed="rId3"/>
                 <a:stretch>
-                  <a:fillRect l="-1015"/>
+                  <a:fillRect l="-1015" b="-626"/>
                 </a:stretch>
               </a:blipFill>
             </p:spPr>
@@ -5935,8 +5924,8 @@
             </p:nvSpPr>
             <p:spPr>
               <a:xfrm>
-                <a:off x="1695450" y="816746"/>
-                <a:ext cx="9008009" cy="6466578"/>
+                <a:off x="1907323" y="741783"/>
+                <a:ext cx="9008009" cy="5499134"/>
               </a:xfrm>
               <a:prstGeom prst="rect">
                 <a:avLst/>
@@ -7245,34 +7234,12 @@
                   </a:rPr>
                   <a:t>）</a:t>
                 </a:r>
-                <a:endParaRPr lang="en-US" altLang="zh-CN" sz="2400" b="1" dirty="0">
-                  <a:latin typeface="宋体" panose="02010600030101010101" pitchFamily="2" charset="-122"/>
-                  <a:ea typeface="宋体" panose="02010600030101010101" pitchFamily="2" charset="-122"/>
-                </a:endParaRPr>
-              </a:p>
-              <a:p>
-                <a:pPr algn="just">
-                  <a:lnSpc>
-                    <a:spcPct val="150000"/>
-                  </a:lnSpc>
-                </a:pPr>
-                <a:endParaRPr lang="en-US" altLang="zh-CN" sz="2400" dirty="0">
-                  <a:latin typeface="宋体" panose="02010600030101010101" pitchFamily="2" charset="-122"/>
-                  <a:ea typeface="宋体" panose="02010600030101010101" pitchFamily="2" charset="-122"/>
-                </a:endParaRPr>
-              </a:p>
-              <a:p>
-                <a:pPr algn="just">
-                  <a:lnSpc>
-                    <a:spcPct val="150000"/>
-                  </a:lnSpc>
-                </a:pPr>
                 <a:r>
                   <a:rPr lang="en-US" altLang="zh-CN" b="1" dirty="0">
                     <a:latin typeface="宋体" panose="02010600030101010101" pitchFamily="2" charset="-122"/>
                     <a:ea typeface="宋体" panose="02010600030101010101" pitchFamily="2" charset="-122"/>
                   </a:rPr>
-                  <a:t>    </a:t>
+                  <a:t>  </a:t>
                 </a:r>
                 <a:endParaRPr lang="zh-CN" altLang="en-US" sz="2400" dirty="0">
                   <a:latin typeface="宋体" panose="02010600030101010101" pitchFamily="2" charset="-122"/>
@@ -7299,8 +7266,8 @@
             </p:nvSpPr>
             <p:spPr>
               <a:xfrm>
-                <a:off x="1695450" y="816746"/>
-                <a:ext cx="9008009" cy="6466578"/>
+                <a:off x="1907323" y="741783"/>
+                <a:ext cx="9008009" cy="5499134"/>
               </a:xfrm>
               <a:prstGeom prst="rect">
                 <a:avLst/>
@@ -7308,7 +7275,7 @@
               <a:blipFill>
                 <a:blip r:embed="rId3"/>
                 <a:stretch>
-                  <a:fillRect l="-1015"/>
+                  <a:fillRect l="-1083" b="-1220"/>
                 </a:stretch>
               </a:blipFill>
             </p:spPr>
@@ -10573,7 +10540,7 @@
         </p:blipFill>
         <p:spPr>
           <a:xfrm>
-            <a:off x="3130042" y="1040921"/>
+            <a:off x="3130042" y="631847"/>
             <a:ext cx="5534414" cy="5594305"/>
           </a:xfrm>
           <a:prstGeom prst="rect">
@@ -16270,7 +16237,19 @@
               <a:rPr lang="zh-CN" altLang="en-US" dirty="0">
                 <a:latin typeface="+mn-ea"/>
               </a:rPr>
-              <a:t>测得的倒易空间衍射斑点，通过变换得到实空间的表面实际结构。这就是衍射方程的物理意义。即遵守傅里叶变化。</a:t>
+              <a:t>测得的倒易空间衍射斑点，通过变换得到实空间的表面实际结构。这就是衍射方程的</a:t>
+            </a:r>
+            <a:r>
+              <a:rPr lang="zh-CN" altLang="en-US" b="1" dirty="0">
+                <a:latin typeface="+mn-ea"/>
+              </a:rPr>
+              <a:t>物理意义</a:t>
+            </a:r>
+            <a:r>
+              <a:rPr lang="zh-CN" altLang="en-US" dirty="0">
+                <a:latin typeface="+mn-ea"/>
+              </a:rPr>
+              <a:t>。即遵守傅里叶变化。</a:t>
             </a:r>
           </a:p>
         </p:txBody>
@@ -16534,66 +16513,6 @@
           </a:p>
         </p:txBody>
       </p:sp>
-      <p:pic>
-        <p:nvPicPr>
-          <p:cNvPr id="16387" name="图片 1">
-            <a:extLst>
-              <a:ext uri="{FF2B5EF4-FFF2-40B4-BE49-F238E27FC236}">
-                <a16:creationId xmlns:a16="http://schemas.microsoft.com/office/drawing/2014/main" id="{B1F7510E-9C4C-4DA6-8296-D22D91AD3C0E}"/>
-              </a:ext>
-            </a:extLst>
-          </p:cNvPr>
-          <p:cNvPicPr>
-            <a:picLocks noChangeAspect="1"/>
-          </p:cNvPicPr>
-          <p:nvPr/>
-        </p:nvPicPr>
-        <p:blipFill>
-          <a:blip r:embed="rId2">
-            <a:extLst>
-              <a:ext uri="{28A0092B-C50C-407E-A947-70E740481C1C}">
-                <a14:useLocalDpi xmlns:a14="http://schemas.microsoft.com/office/drawing/2010/main" val="0"/>
-              </a:ext>
-            </a:extLst>
-          </a:blip>
-          <a:srcRect/>
-          <a:stretch>
-            <a:fillRect/>
-          </a:stretch>
-        </p:blipFill>
-        <p:spPr bwMode="auto">
-          <a:xfrm>
-            <a:off x="3495675" y="2339975"/>
-            <a:ext cx="5200650" cy="3302000"/>
-          </a:xfrm>
-          <a:prstGeom prst="rect">
-            <a:avLst/>
-          </a:prstGeom>
-          <a:noFill/>
-          <a:ln>
-            <a:noFill/>
-          </a:ln>
-          <a:extLst>
-            <a:ext uri="{909E8E84-426E-40DD-AFC4-6F175D3DCCD1}">
-              <a14:hiddenFill xmlns:a14="http://schemas.microsoft.com/office/drawing/2010/main">
-                <a:solidFill>
-                  <a:srgbClr val="FFFFFF"/>
-                </a:solidFill>
-              </a14:hiddenFill>
-            </a:ext>
-            <a:ext uri="{91240B29-F687-4F45-9708-019B960494DF}">
-              <a14:hiddenLine xmlns:a14="http://schemas.microsoft.com/office/drawing/2010/main" w="9525">
-                <a:solidFill>
-                  <a:srgbClr val="000000"/>
-                </a:solidFill>
-                <a:miter lim="800000"/>
-                <a:headEnd/>
-                <a:tailEnd/>
-              </a14:hiddenLine>
-            </a:ext>
-          </a:extLst>
-        </p:spPr>
-      </p:pic>
       <p:sp>
         <p:nvSpPr>
           <p:cNvPr id="16388" name="文本框 2">
@@ -16610,8 +16529,8 @@
         </p:nvSpPr>
         <p:spPr bwMode="auto">
           <a:xfrm>
-            <a:off x="4471989" y="5561012"/>
-            <a:ext cx="4886325" cy="523875"/>
+            <a:off x="7075042" y="4055597"/>
+            <a:ext cx="3634948" cy="523875"/>
           </a:xfrm>
           <a:prstGeom prst="rect">
             <a:avLst/>
@@ -16641,7 +16560,7 @@
           </a:extLst>
         </p:spPr>
         <p:txBody>
-          <a:bodyPr>
+          <a:bodyPr wrap="square">
             <a:spAutoFit/>
           </a:bodyPr>
           <a:lstStyle>
@@ -16783,8 +16702,12 @@
               <a:t>h</a:t>
             </a:r>
             <a:r>
+              <a:rPr lang="en-US" altLang="zh-CN" sz="1100" dirty="0"/>
+              <a:t> </a:t>
+            </a:r>
+            <a:r>
               <a:rPr lang="en-US" altLang="zh-CN" dirty="0"/>
-              <a:t>=μ</a:t>
+              <a:t>= μ</a:t>
             </a:r>
             <a:endParaRPr lang="zh-CN" altLang="en-US" dirty="0"/>
           </a:p>
@@ -16805,7 +16728,7 @@
           <p:nvPr/>
         </p:nvPicPr>
         <p:blipFill>
-          <a:blip r:embed="rId3">
+          <a:blip r:embed="rId2">
             <a:extLst>
               <a:ext uri="{28A0092B-C50C-407E-A947-70E740481C1C}">
                 <a14:useLocalDpi xmlns:a14="http://schemas.microsoft.com/office/drawing/2010/main" val="0"/>
@@ -16820,6 +16743,36 @@
           <a:xfrm>
             <a:off x="0" y="0"/>
             <a:ext cx="1695450" cy="1190624"/>
+          </a:xfrm>
+          <a:prstGeom prst="rect">
+            <a:avLst/>
+          </a:prstGeom>
+        </p:spPr>
+      </p:pic>
+      <p:pic>
+        <p:nvPicPr>
+          <p:cNvPr id="2" name="图片 1">
+            <a:extLst>
+              <a:ext uri="{FF2B5EF4-FFF2-40B4-BE49-F238E27FC236}">
+                <a16:creationId xmlns:a16="http://schemas.microsoft.com/office/drawing/2014/main" id="{4A1349BC-CD7D-473B-B43D-74E089BC3CFB}"/>
+              </a:ext>
+            </a:extLst>
+          </p:cNvPr>
+          <p:cNvPicPr>
+            <a:picLocks noChangeAspect="1"/>
+          </p:cNvPicPr>
+          <p:nvPr/>
+        </p:nvPicPr>
+        <p:blipFill>
+          <a:blip r:embed="rId3"/>
+          <a:stretch>
+            <a:fillRect/>
+          </a:stretch>
+        </p:blipFill>
+        <p:spPr>
+          <a:xfrm>
+            <a:off x="2396699" y="2354402"/>
+            <a:ext cx="4249428" cy="4087324"/>
           </a:xfrm>
           <a:prstGeom prst="rect">
             <a:avLst/>
@@ -16874,26 +16827,26 @@
         </p:nvSpPr>
         <p:spPr>
           <a:xfrm>
-            <a:off x="1695450" y="0"/>
-            <a:ext cx="2019300" cy="407986"/>
+            <a:off x="1695449" y="-1"/>
+            <a:ext cx="2508561" cy="769687"/>
           </a:xfrm>
         </p:spPr>
         <p:txBody>
           <a:bodyPr>
-            <a:normAutofit fontScale="90000"/>
+            <a:normAutofit/>
           </a:bodyPr>
           <a:lstStyle/>
           <a:p>
             <a:r>
-              <a:rPr lang="en-US" altLang="zh-CN" sz="2400" b="1" dirty="0"/>
+              <a:rPr lang="en-US" altLang="zh-CN" sz="2800" b="1" dirty="0"/>
               <a:t>4.3.3  </a:t>
             </a:r>
             <a:r>
-              <a:rPr lang="en-US" altLang="zh-CN" sz="2400" b="1" dirty="0" err="1"/>
+              <a:rPr lang="en-US" altLang="zh-CN" sz="2800" b="1" dirty="0" err="1"/>
               <a:t>Eward</a:t>
             </a:r>
             <a:r>
-              <a:rPr lang="zh-CN" altLang="en-US" sz="2400" b="1" dirty="0"/>
+              <a:rPr lang="zh-CN" altLang="en-US" sz="2800" b="1" dirty="0"/>
               <a:t>球</a:t>
             </a:r>
           </a:p>
@@ -16917,13 +16870,13 @@
         </p:nvSpPr>
         <p:spPr>
           <a:xfrm>
-            <a:off x="2133810" y="1190624"/>
-            <a:ext cx="8419890" cy="1014664"/>
+            <a:off x="1695448" y="595312"/>
+            <a:ext cx="7300121" cy="1014664"/>
           </a:xfrm>
         </p:spPr>
         <p:txBody>
           <a:bodyPr>
-            <a:normAutofit/>
+            <a:normAutofit fontScale="85000" lnSpcReduction="20000"/>
           </a:bodyPr>
           <a:lstStyle/>
           <a:p>
@@ -16935,46 +16888,48 @@
               <a:buNone/>
             </a:pPr>
             <a:r>
-              <a:rPr lang="en-US" altLang="zh-CN" sz="2000" dirty="0" err="1">
+              <a:rPr lang="en-US" altLang="zh-CN" sz="2400" dirty="0" err="1">
                 <a:latin typeface="+mn-ea"/>
               </a:rPr>
               <a:t>Eward</a:t>
             </a:r>
             <a:r>
-              <a:rPr lang="zh-CN" altLang="en-US" sz="2000" dirty="0">
+              <a:rPr lang="zh-CN" altLang="en-US" sz="2400" dirty="0">
                 <a:latin typeface="+mn-ea"/>
               </a:rPr>
-              <a:t>球是在倒易空间中表达确定晶体衍射方向的重要要概念。利用空间结合结构表示衍射方程就得到</a:t>
-            </a:r>
-            <a:r>
-              <a:rPr lang="en-US" altLang="zh-CN" sz="2000" dirty="0" err="1">
-                <a:latin typeface="+mn-ea"/>
-              </a:rPr>
-              <a:t>Eward</a:t>
-            </a:r>
-            <a:r>
-              <a:rPr lang="zh-CN" altLang="en-US" sz="2000" dirty="0">
-                <a:latin typeface="+mn-ea"/>
-              </a:rPr>
-              <a:t>球</a:t>
-            </a:r>
-            <a:endParaRPr lang="zh-CN" altLang="en-US" dirty="0">
-              <a:solidFill>
-                <a:srgbClr val="000099"/>
-              </a:solidFill>
-              <a:latin typeface="微软雅黑" panose="020B0503020204020204" pitchFamily="34" charset="-122"/>
-              <a:ea typeface="微软雅黑" panose="020B0503020204020204" pitchFamily="34" charset="-122"/>
+              <a:t>球是在倒易空间中表达确定晶体衍射方向的重要概念。</a:t>
+            </a:r>
+            <a:endParaRPr lang="en-US" altLang="zh-CN" sz="2400" dirty="0">
+              <a:latin typeface="+mn-ea"/>
             </a:endParaRPr>
           </a:p>
           <a:p>
             <a:pPr>
               <a:lnSpc>
-                <a:spcPct val="80000"/>
+                <a:spcPct val="150000"/>
               </a:lnSpc>
-              <a:buFontTx/>
+              <a:buFont typeface="Arial" panose="020B0604020202020204" pitchFamily="34" charset="0"/>
               <a:buNone/>
             </a:pPr>
-            <a:endParaRPr lang="zh-CN" altLang="en-US" dirty="0">
+            <a:r>
+              <a:rPr lang="zh-CN" altLang="en-US" sz="2400" dirty="0">
+                <a:latin typeface="+mn-ea"/>
+              </a:rPr>
+              <a:t>利用空间结合结构表示衍射方程就得到</a:t>
+            </a:r>
+            <a:r>
+              <a:rPr lang="en-US" altLang="zh-CN" sz="2400" b="1" dirty="0" err="1">
+                <a:latin typeface="+mn-ea"/>
+              </a:rPr>
+              <a:t>Eward</a:t>
+            </a:r>
+            <a:r>
+              <a:rPr lang="zh-CN" altLang="en-US" sz="2400" b="1" dirty="0">
+                <a:latin typeface="+mn-ea"/>
+              </a:rPr>
+              <a:t>球</a:t>
+            </a:r>
+            <a:endParaRPr lang="zh-CN" altLang="en-US" sz="3200" b="1" dirty="0">
               <a:latin typeface="微软雅黑" panose="020B0503020204020204" pitchFamily="34" charset="-122"/>
               <a:ea typeface="微软雅黑" panose="020B0503020204020204" pitchFamily="34" charset="-122"/>
             </a:endParaRPr>
@@ -16983,10 +16938,10 @@
       </p:sp>
       <p:pic>
         <p:nvPicPr>
-          <p:cNvPr id="17412" name="图片 1">
+          <p:cNvPr id="5" name="图片 4">
             <a:extLst>
               <a:ext uri="{FF2B5EF4-FFF2-40B4-BE49-F238E27FC236}">
-                <a16:creationId xmlns:a16="http://schemas.microsoft.com/office/drawing/2014/main" id="{EE95D776-8E2B-4BDE-A62B-9099441D36C4}"/>
+                <a16:creationId xmlns:a16="http://schemas.microsoft.com/office/drawing/2014/main" id="{0668FCC5-42E9-4066-B090-1DB190837A29}"/>
               </a:ext>
             </a:extLst>
           </p:cNvPr>
@@ -17003,50 +16958,26 @@
               </a:ext>
             </a:extLst>
           </a:blip>
-          <a:srcRect/>
           <a:stretch>
             <a:fillRect/>
           </a:stretch>
         </p:blipFill>
-        <p:spPr bwMode="auto">
+        <p:spPr>
           <a:xfrm>
-            <a:off x="2873375" y="2205288"/>
-            <a:ext cx="6445250" cy="3883025"/>
+            <a:off x="0" y="0"/>
+            <a:ext cx="1695450" cy="1190624"/>
           </a:xfrm>
           <a:prstGeom prst="rect">
             <a:avLst/>
           </a:prstGeom>
-          <a:noFill/>
-          <a:ln>
-            <a:noFill/>
-          </a:ln>
-          <a:extLst>
-            <a:ext uri="{909E8E84-426E-40DD-AFC4-6F175D3DCCD1}">
-              <a14:hiddenFill xmlns:a14="http://schemas.microsoft.com/office/drawing/2010/main">
-                <a:solidFill>
-                  <a:srgbClr val="FFFFFF"/>
-                </a:solidFill>
-              </a14:hiddenFill>
-            </a:ext>
-            <a:ext uri="{91240B29-F687-4F45-9708-019B960494DF}">
-              <a14:hiddenLine xmlns:a14="http://schemas.microsoft.com/office/drawing/2010/main" w="9525">
-                <a:solidFill>
-                  <a:srgbClr val="000000"/>
-                </a:solidFill>
-                <a:miter lim="800000"/>
-                <a:headEnd/>
-                <a:tailEnd/>
-              </a14:hiddenLine>
-            </a:ext>
-          </a:extLst>
         </p:spPr>
       </p:pic>
       <p:pic>
         <p:nvPicPr>
-          <p:cNvPr id="5" name="图片 4">
+          <p:cNvPr id="2" name="图片 1">
             <a:extLst>
               <a:ext uri="{FF2B5EF4-FFF2-40B4-BE49-F238E27FC236}">
-                <a16:creationId xmlns:a16="http://schemas.microsoft.com/office/drawing/2014/main" id="{0668FCC5-42E9-4066-B090-1DB190837A29}"/>
+                <a16:creationId xmlns:a16="http://schemas.microsoft.com/office/drawing/2014/main" id="{D0B67894-73CB-415E-9422-35774916CA9B}"/>
               </a:ext>
             </a:extLst>
           </p:cNvPr>
@@ -17056,21 +16987,15 @@
           <p:nvPr/>
         </p:nvPicPr>
         <p:blipFill>
-          <a:blip r:embed="rId3">
-            <a:extLst>
-              <a:ext uri="{28A0092B-C50C-407E-A947-70E740481C1C}">
-                <a14:useLocalDpi xmlns:a14="http://schemas.microsoft.com/office/drawing/2010/main" val="0"/>
-              </a:ext>
-            </a:extLst>
-          </a:blip>
+          <a:blip r:embed="rId3"/>
           <a:stretch>
             <a:fillRect/>
           </a:stretch>
         </p:blipFill>
         <p:spPr>
           <a:xfrm>
-            <a:off x="0" y="0"/>
-            <a:ext cx="1695450" cy="1190624"/>
+            <a:off x="2572213" y="1609976"/>
+            <a:ext cx="7207405" cy="5019443"/>
           </a:xfrm>
           <a:prstGeom prst="rect">
             <a:avLst/>
@@ -17125,13 +17050,13 @@
         </p:nvSpPr>
         <p:spPr>
           <a:xfrm>
-            <a:off x="1828801" y="0"/>
-            <a:ext cx="5149851" cy="421772"/>
+            <a:off x="1828801" y="-1"/>
+            <a:ext cx="5843238" cy="501805"/>
           </a:xfrm>
         </p:spPr>
         <p:txBody>
           <a:bodyPr rtlCol="0">
-            <a:normAutofit fontScale="90000"/>
+            <a:noAutofit/>
           </a:bodyPr>
           <a:lstStyle/>
           <a:p>
@@ -17139,11 +17064,11 @@
               <a:defRPr/>
             </a:pPr>
             <a:r>
-              <a:rPr lang="en-US" altLang="zh-CN" sz="2700" b="1" dirty="0"/>
+              <a:rPr lang="en-US" altLang="zh-CN" sz="2800" b="1" dirty="0"/>
               <a:t>4.3.4 </a:t>
             </a:r>
             <a:r>
-              <a:rPr lang="zh-CN" altLang="en-US" sz="2700" b="1" dirty="0"/>
+              <a:rPr lang="zh-CN" altLang="en-US" sz="2800" b="1" dirty="0"/>
               <a:t>正格子和二维倒格子互相表示</a:t>
             </a:r>
             <a:endParaRPr lang="zh-CN" altLang="en-US" b="1" dirty="0">
@@ -17169,7 +17094,7 @@
         </p:nvCxnSpPr>
         <p:spPr bwMode="auto">
           <a:xfrm flipH="1">
-            <a:off x="5543550" y="4051300"/>
+            <a:off x="5350320" y="3426832"/>
             <a:ext cx="1062038" cy="768350"/>
           </a:xfrm>
           <a:prstGeom prst="line">
@@ -17209,7 +17134,7 @@
         </p:nvCxnSpPr>
         <p:spPr bwMode="auto">
           <a:xfrm>
-            <a:off x="5556250" y="2525714"/>
+            <a:off x="5363020" y="1901246"/>
             <a:ext cx="1049338" cy="784225"/>
           </a:xfrm>
           <a:prstGeom prst="line">
@@ -17249,7 +17174,7 @@
         </p:nvSpPr>
         <p:spPr bwMode="auto">
           <a:xfrm>
-            <a:off x="5922963" y="1695451"/>
+            <a:off x="5729733" y="1070983"/>
             <a:ext cx="3884612" cy="1190625"/>
           </a:xfrm>
           <a:custGeom>
@@ -17581,7 +17506,7 @@
         </p:nvSpPr>
         <p:spPr bwMode="auto">
           <a:xfrm rot="5400000">
-            <a:off x="5024438" y="2043113"/>
+            <a:off x="4831208" y="1418645"/>
             <a:ext cx="815975" cy="965200"/>
           </a:xfrm>
           <a:custGeom>
@@ -17743,7 +17668,7 @@
         </p:nvSpPr>
         <p:spPr bwMode="auto">
           <a:xfrm>
-            <a:off x="5087939" y="2238375"/>
+            <a:off x="4894709" y="1613907"/>
             <a:ext cx="515937" cy="647700"/>
           </a:xfrm>
           <a:prstGeom prst="ellipse">
@@ -17923,7 +17848,7 @@
         </p:nvSpPr>
         <p:spPr bwMode="auto">
           <a:xfrm flipH="1">
-            <a:off x="2654300" y="3309939"/>
+            <a:off x="2461070" y="2685471"/>
             <a:ext cx="3551238" cy="1335087"/>
           </a:xfrm>
           <a:custGeom>
@@ -18255,7 +18180,7 @@
         </p:nvSpPr>
         <p:spPr bwMode="auto">
           <a:xfrm flipH="1">
-            <a:off x="6205538" y="3368676"/>
+            <a:off x="6012308" y="2744208"/>
             <a:ext cx="957262" cy="815975"/>
           </a:xfrm>
           <a:custGeom>
@@ -18417,7 +18342,7 @@
         </p:nvSpPr>
         <p:spPr bwMode="auto">
           <a:xfrm flipH="1">
-            <a:off x="6438901" y="3536951"/>
+            <a:off x="6245671" y="2912483"/>
             <a:ext cx="544513" cy="519113"/>
           </a:xfrm>
           <a:prstGeom prst="ellipse">
@@ -18597,7 +18522,7 @@
         </p:nvSpPr>
         <p:spPr bwMode="auto">
           <a:xfrm>
-            <a:off x="5918200" y="4821239"/>
+            <a:off x="5724970" y="4196771"/>
             <a:ext cx="4122738" cy="1228725"/>
           </a:xfrm>
           <a:custGeom>
@@ -18929,7 +18854,7 @@
         </p:nvSpPr>
         <p:spPr bwMode="auto">
           <a:xfrm rot="5400000">
-            <a:off x="5024438" y="4745038"/>
+            <a:off x="4831208" y="4120570"/>
             <a:ext cx="815975" cy="965200"/>
           </a:xfrm>
           <a:custGeom>
@@ -19091,7 +19016,7 @@
         </p:nvSpPr>
         <p:spPr bwMode="auto">
           <a:xfrm>
-            <a:off x="5087939" y="5005388"/>
+            <a:off x="4894709" y="4380920"/>
             <a:ext cx="522287" cy="442912"/>
           </a:xfrm>
           <a:prstGeom prst="ellipse">
@@ -19337,7 +19262,7 @@
         </p:nvSpPr>
         <p:spPr bwMode="auto">
           <a:xfrm>
-            <a:off x="7116764" y="1692276"/>
+            <a:off x="7072160" y="878237"/>
             <a:ext cx="2922587" cy="3108543"/>
           </a:xfrm>
           <a:prstGeom prst="rect">
@@ -19553,7 +19478,7 @@
         </p:nvSpPr>
         <p:spPr bwMode="auto">
           <a:xfrm>
-            <a:off x="2587626" y="2682876"/>
+            <a:off x="2543022" y="1868837"/>
             <a:ext cx="3021013" cy="4144963"/>
           </a:xfrm>
           <a:prstGeom prst="rect">
@@ -19757,16 +19682,18 @@
         </p:nvSpPr>
         <p:spPr>
           <a:xfrm>
-            <a:off x="1987550" y="-198438"/>
-            <a:ext cx="7886700" cy="1327151"/>
+            <a:off x="1965247" y="-3022"/>
+            <a:ext cx="5639884" cy="577850"/>
           </a:xfrm>
         </p:spPr>
         <p:txBody>
-          <a:bodyPr/>
+          <a:bodyPr>
+            <a:normAutofit/>
+          </a:bodyPr>
           <a:lstStyle/>
           <a:p>
             <a:r>
-              <a:rPr lang="zh-CN" altLang="en-US" b="1" dirty="0">
+              <a:rPr lang="zh-CN" altLang="en-US" sz="3200" dirty="0">
                 <a:ln>
                   <a:noFill/>
                 </a:ln>
@@ -19794,8 +19721,8 @@
         </p:nvSpPr>
         <p:spPr bwMode="auto">
           <a:xfrm>
-            <a:off x="5378450" y="5137150"/>
-            <a:ext cx="4662488" cy="1341438"/>
+            <a:off x="7151495" y="4479228"/>
+            <a:ext cx="4662488" cy="1077218"/>
           </a:xfrm>
           <a:prstGeom prst="rect">
             <a:avLst/>
@@ -19947,98 +19874,89 @@
           <a:p>
             <a:pPr algn="ctr" eaLnBrk="1" hangingPunct="1"/>
             <a:r>
-              <a:rPr lang="zh-CN" altLang="en-US" sz="2800">
+              <a:rPr lang="zh-CN" altLang="en-US" sz="2800" dirty="0">
                 <a:latin typeface="楷体" panose="02010609060101010101" pitchFamily="49" charset="-122"/>
               </a:rPr>
               <a:t>二维点阵中任一格点的格矢：</a:t>
             </a:r>
             <a:r>
-              <a:rPr lang="zh-CN" altLang="en-US" sz="2800">
+              <a:rPr lang="zh-CN" altLang="en-US" sz="2800" dirty="0">
                 <a:ea typeface="宋体" panose="02010600030101010101" pitchFamily="2" charset="-122"/>
               </a:rPr>
               <a:t>             </a:t>
             </a:r>
             <a:r>
-              <a:rPr lang="zh-CN" altLang="en-US" sz="3600">
-                <a:solidFill>
-                  <a:srgbClr val="FFFF00"/>
+              <a:rPr lang="zh-CN" altLang="en-US" sz="3600" dirty="0">
+                <a:solidFill>
+                  <a:srgbClr val="FF0000"/>
                 </a:solidFill>
                 <a:ea typeface="宋体" panose="02010600030101010101" pitchFamily="2" charset="-122"/>
               </a:rPr>
               <a:t>T=n</a:t>
             </a:r>
             <a:r>
-              <a:rPr lang="zh-CN" altLang="en-US">
-                <a:solidFill>
-                  <a:srgbClr val="FFFF00"/>
+              <a:rPr lang="zh-CN" altLang="en-US" dirty="0">
+                <a:solidFill>
+                  <a:srgbClr val="FF0000"/>
                 </a:solidFill>
                 <a:ea typeface="宋体" panose="02010600030101010101" pitchFamily="2" charset="-122"/>
               </a:rPr>
               <a:t>1</a:t>
             </a:r>
             <a:r>
-              <a:rPr lang="zh-CN" altLang="en-US" sz="3600">
-                <a:solidFill>
-                  <a:srgbClr val="FFFF00"/>
+              <a:rPr lang="zh-CN" altLang="en-US" sz="3600" dirty="0">
+                <a:solidFill>
+                  <a:srgbClr val="FF0000"/>
                 </a:solidFill>
                 <a:ea typeface="宋体" panose="02010600030101010101" pitchFamily="2" charset="-122"/>
               </a:rPr>
               <a:t>a</a:t>
             </a:r>
             <a:r>
-              <a:rPr lang="zh-CN" altLang="en-US">
-                <a:solidFill>
-                  <a:srgbClr val="FFFF00"/>
+              <a:rPr lang="zh-CN" altLang="en-US" dirty="0">
+                <a:solidFill>
+                  <a:srgbClr val="FF0000"/>
                 </a:solidFill>
                 <a:ea typeface="宋体" panose="02010600030101010101" pitchFamily="2" charset="-122"/>
               </a:rPr>
               <a:t>1</a:t>
             </a:r>
             <a:r>
-              <a:rPr lang="zh-CN" altLang="en-US" sz="3600">
-                <a:solidFill>
-                  <a:srgbClr val="FFFF00"/>
+              <a:rPr lang="zh-CN" altLang="en-US" sz="3600" dirty="0">
+                <a:solidFill>
+                  <a:srgbClr val="FF0000"/>
                 </a:solidFill>
                 <a:ea typeface="宋体" panose="02010600030101010101" pitchFamily="2" charset="-122"/>
               </a:rPr>
               <a:t>+n</a:t>
             </a:r>
             <a:r>
-              <a:rPr lang="zh-CN" altLang="en-US">
-                <a:solidFill>
-                  <a:srgbClr val="FFFF00"/>
+              <a:rPr lang="zh-CN" altLang="en-US" dirty="0">
+                <a:solidFill>
+                  <a:srgbClr val="FF0000"/>
                 </a:solidFill>
                 <a:ea typeface="宋体" panose="02010600030101010101" pitchFamily="2" charset="-122"/>
               </a:rPr>
               <a:t>2</a:t>
             </a:r>
             <a:r>
-              <a:rPr lang="zh-CN" altLang="en-US" sz="3600">
-                <a:solidFill>
-                  <a:srgbClr val="FFFF00"/>
+              <a:rPr lang="zh-CN" altLang="en-US" sz="3600" dirty="0">
+                <a:solidFill>
+                  <a:srgbClr val="FF0000"/>
                 </a:solidFill>
                 <a:ea typeface="宋体" panose="02010600030101010101" pitchFamily="2" charset="-122"/>
               </a:rPr>
               <a:t>a</a:t>
             </a:r>
             <a:r>
-              <a:rPr lang="zh-CN" altLang="en-US">
-                <a:solidFill>
-                  <a:srgbClr val="FFFF00"/>
+              <a:rPr lang="zh-CN" altLang="en-US" dirty="0">
+                <a:solidFill>
+                  <a:srgbClr val="FF0000"/>
                 </a:solidFill>
                 <a:ea typeface="宋体" panose="02010600030101010101" pitchFamily="2" charset="-122"/>
               </a:rPr>
               <a:t>2</a:t>
             </a:r>
-          </a:p>
-          <a:p>
-            <a:pPr eaLnBrk="1" hangingPunct="1"/>
-            <a:endParaRPr lang="zh-CN" altLang="en-US">
-              <a:solidFill>
-                <a:srgbClr val="FFFF00"/>
-              </a:solidFill>
-              <a:ea typeface="宋体" panose="02010600030101010101" pitchFamily="2" charset="-122"/>
-            </a:endParaRPr>
           </a:p>
         </p:txBody>
       </p:sp>
@@ -20058,7 +19976,7 @@
         </p:nvSpPr>
         <p:spPr bwMode="auto">
           <a:xfrm flipV="1">
-            <a:off x="5608639" y="3203576"/>
+            <a:off x="5564035" y="2389537"/>
             <a:ext cx="1222375" cy="555625"/>
           </a:xfrm>
           <a:prstGeom prst="leftRightArrow">
@@ -27701,7 +27619,7 @@
         <p:spPr bwMode="auto">
           <a:xfrm>
             <a:off x="1191127" y="1438275"/>
-            <a:ext cx="10267448" cy="1284006"/>
+            <a:ext cx="10267448" cy="1930337"/>
           </a:xfrm>
           <a:prstGeom prst="rect">
             <a:avLst/>
@@ -27922,6 +27840,25 @@
                 <a:latin typeface="楷体" panose="02010609060101010101" pitchFamily="49" charset="-122"/>
               </a:rPr>
               <a:t>ai与bj满足</a:t>
+            </a:r>
+            <a:endParaRPr lang="en-US" altLang="zh-CN" sz="2800" dirty="0">
+              <a:latin typeface="楷体" panose="02010609060101010101" pitchFamily="49" charset="-122"/>
+            </a:endParaRPr>
+          </a:p>
+          <a:p>
+            <a:pPr eaLnBrk="1" hangingPunct="1">
+              <a:lnSpc>
+                <a:spcPct val="150000"/>
+              </a:lnSpc>
+            </a:pPr>
+            <a:r>
+              <a:rPr lang="en-US" altLang="zh-CN" sz="2800" dirty="0">
+                <a:solidFill>
+                  <a:srgbClr val="FF0066"/>
+                </a:solidFill>
+                <a:latin typeface="楷体" panose="02010609060101010101" pitchFamily="49" charset="-122"/>
+              </a:rPr>
+              <a:t>			</a:t>
             </a:r>
             <a:r>
               <a:rPr lang="zh-CN" altLang="en-US" sz="2800" dirty="0">
@@ -28313,7 +28250,7 @@
         </p:nvSpPr>
         <p:spPr>
           <a:xfrm>
-            <a:off x="1488541" y="1172558"/>
+            <a:off x="1695450" y="656125"/>
             <a:ext cx="9008009" cy="5545749"/>
           </a:xfrm>
           <a:prstGeom prst="rect">
@@ -28815,7 +28752,7 @@
           <a:graphicData uri="http://schemas.openxmlformats.org/presentationml/2006/ole">
             <mc:AlternateContent xmlns:mc="http://schemas.openxmlformats.org/markup-compatibility/2006">
               <mc:Choice xmlns:v="urn:schemas-microsoft-com:vml" Requires="v">
-                <p:oleObj spid="_x0000_s1290" r:id="rId4" imgW="57302400" imgH="10363200" progId="Equation.DSMT4">
+                <p:oleObj spid="_x0000_s1410" r:id="rId4" imgW="57302400" imgH="10363200" progId="Equation.DSMT4">
                   <p:embed/>
                 </p:oleObj>
               </mc:Choice>
@@ -28920,7 +28857,7 @@
           <a:graphicData uri="http://schemas.openxmlformats.org/presentationml/2006/ole">
             <mc:AlternateContent xmlns:mc="http://schemas.openxmlformats.org/markup-compatibility/2006">
               <mc:Choice xmlns:v="urn:schemas-microsoft-com:vml" Requires="v">
-                <p:oleObj spid="_x0000_s1291" r:id="rId6" imgW="43586400" imgH="10972800" progId="Equation.DSMT4">
+                <p:oleObj spid="_x0000_s1411" r:id="rId6" imgW="43586400" imgH="10972800" progId="Equation.DSMT4">
                   <p:embed/>
                 </p:oleObj>
               </mc:Choice>
@@ -29193,7 +29130,7 @@
           <a:graphicData uri="http://schemas.openxmlformats.org/presentationml/2006/ole">
             <mc:AlternateContent xmlns:mc="http://schemas.openxmlformats.org/markup-compatibility/2006">
               <mc:Choice xmlns:v="urn:schemas-microsoft-com:vml" Requires="v">
-                <p:oleObj spid="_x0000_s1292" r:id="rId8" imgW="15240000" imgH="5181600" progId="Equation.DSMT4">
+                <p:oleObj spid="_x0000_s1412" r:id="rId8" imgW="15240000" imgH="5181600" progId="Equation.DSMT4">
                   <p:embed/>
                 </p:oleObj>
               </mc:Choice>
@@ -29298,7 +29235,7 @@
           <a:graphicData uri="http://schemas.openxmlformats.org/presentationml/2006/ole">
             <mc:AlternateContent xmlns:mc="http://schemas.openxmlformats.org/markup-compatibility/2006">
               <mc:Choice xmlns:v="urn:schemas-microsoft-com:vml" Requires="v">
-                <p:oleObj spid="_x0000_s1293" r:id="rId10" imgW="36880800" imgH="12192000" progId="Equation.DSMT4">
+                <p:oleObj spid="_x0000_s1413" r:id="rId10" imgW="36880800" imgH="12192000" progId="Equation.DSMT4">
                   <p:embed/>
                 </p:oleObj>
               </mc:Choice>
@@ -29642,13 +29579,13 @@
         </p:nvSpPr>
         <p:spPr>
           <a:xfrm>
-            <a:off x="1701574" y="17418"/>
-            <a:ext cx="4289651" cy="296908"/>
+            <a:off x="1695450" y="52915"/>
+            <a:ext cx="5251760" cy="538100"/>
           </a:xfrm>
         </p:spPr>
         <p:txBody>
           <a:bodyPr rtlCol="0">
-            <a:normAutofit fontScale="90000"/>
+            <a:noAutofit/>
           </a:bodyPr>
           <a:lstStyle/>
           <a:p>
@@ -29656,14 +29593,14 @@
               <a:defRPr/>
             </a:pPr>
             <a:r>
-              <a:rPr lang="en-US" altLang="zh-CN" sz="2800" b="1" dirty="0"/>
+              <a:rPr lang="en-US" altLang="zh-CN" sz="3200" b="1" dirty="0"/>
               <a:t>4.3.5 </a:t>
             </a:r>
             <a:r>
-              <a:rPr lang="zh-CN" altLang="en-US" sz="2800" b="1" dirty="0"/>
+              <a:rPr lang="zh-CN" altLang="en-US" sz="3200" b="1" dirty="0"/>
               <a:t>吸附层结构测定及分析</a:t>
             </a:r>
-            <a:endParaRPr lang="zh-CN" altLang="en-US" b="1" dirty="0">
+            <a:endParaRPr lang="zh-CN" altLang="en-US" sz="4800" b="1" dirty="0">
               <a:latin typeface="微软雅黑" panose="020B0503020204020204" pitchFamily="34" charset="-122"/>
               <a:ea typeface="微软雅黑" panose="020B0503020204020204" pitchFamily="34" charset="-122"/>
             </a:endParaRPr>
@@ -29762,10 +29699,10 @@
       </p:sp>
       <p:pic>
         <p:nvPicPr>
-          <p:cNvPr id="24580" name="图片 1">
+          <p:cNvPr id="5" name="图片 4">
             <a:extLst>
               <a:ext uri="{FF2B5EF4-FFF2-40B4-BE49-F238E27FC236}">
-                <a16:creationId xmlns:a16="http://schemas.microsoft.com/office/drawing/2014/main" id="{6A7FA9EF-B5DF-4000-866A-665327393370}"/>
+                <a16:creationId xmlns:a16="http://schemas.microsoft.com/office/drawing/2014/main" id="{E6D663BF-0CC4-4F17-A06A-50E1EE25633F}"/>
               </a:ext>
             </a:extLst>
           </p:cNvPr>
@@ -29782,50 +29719,26 @@
               </a:ext>
             </a:extLst>
           </a:blip>
-          <a:srcRect l="22186" t="35320" r="11043"/>
           <a:stretch>
             <a:fillRect/>
           </a:stretch>
         </p:blipFill>
-        <p:spPr bwMode="auto">
+        <p:spPr>
           <a:xfrm>
-            <a:off x="2867025" y="2091135"/>
-            <a:ext cx="6457950" cy="3770312"/>
+            <a:off x="0" y="0"/>
+            <a:ext cx="1695450" cy="1190624"/>
           </a:xfrm>
           <a:prstGeom prst="rect">
             <a:avLst/>
           </a:prstGeom>
-          <a:noFill/>
-          <a:ln>
-            <a:noFill/>
-          </a:ln>
-          <a:extLst>
-            <a:ext uri="{909E8E84-426E-40DD-AFC4-6F175D3DCCD1}">
-              <a14:hiddenFill xmlns:a14="http://schemas.microsoft.com/office/drawing/2010/main">
-                <a:solidFill>
-                  <a:srgbClr val="FFFFFF"/>
-                </a:solidFill>
-              </a14:hiddenFill>
-            </a:ext>
-            <a:ext uri="{91240B29-F687-4F45-9708-019B960494DF}">
-              <a14:hiddenLine xmlns:a14="http://schemas.microsoft.com/office/drawing/2010/main" w="9525">
-                <a:solidFill>
-                  <a:srgbClr val="000000"/>
-                </a:solidFill>
-                <a:miter lim="800000"/>
-                <a:headEnd/>
-                <a:tailEnd/>
-              </a14:hiddenLine>
-            </a:ext>
-          </a:extLst>
         </p:spPr>
       </p:pic>
       <p:pic>
         <p:nvPicPr>
-          <p:cNvPr id="5" name="图片 4">
+          <p:cNvPr id="2" name="图片 1">
             <a:extLst>
               <a:ext uri="{FF2B5EF4-FFF2-40B4-BE49-F238E27FC236}">
-                <a16:creationId xmlns:a16="http://schemas.microsoft.com/office/drawing/2014/main" id="{E6D663BF-0CC4-4F17-A06A-50E1EE25633F}"/>
+                <a16:creationId xmlns:a16="http://schemas.microsoft.com/office/drawing/2014/main" id="{F514C9B2-759B-437C-92A1-5DFC9F426CEB}"/>
               </a:ext>
             </a:extLst>
           </p:cNvPr>
@@ -29835,21 +29748,15 @@
           <p:nvPr/>
         </p:nvPicPr>
         <p:blipFill>
-          <a:blip r:embed="rId3">
-            <a:extLst>
-              <a:ext uri="{28A0092B-C50C-407E-A947-70E740481C1C}">
-                <a14:useLocalDpi xmlns:a14="http://schemas.microsoft.com/office/drawing/2010/main" val="0"/>
-              </a:ext>
-            </a:extLst>
-          </a:blip>
+          <a:blip r:embed="rId3"/>
           <a:stretch>
             <a:fillRect/>
           </a:stretch>
         </p:blipFill>
         <p:spPr>
           <a:xfrm>
-            <a:off x="0" y="0"/>
-            <a:ext cx="1695450" cy="1190624"/>
+            <a:off x="1855119" y="2187177"/>
+            <a:ext cx="7783124" cy="4617908"/>
           </a:xfrm>
           <a:prstGeom prst="rect">
             <a:avLst/>
@@ -30019,10 +29926,10 @@
       </p:sp>
       <p:pic>
         <p:nvPicPr>
-          <p:cNvPr id="25604" name="图片 2">
+          <p:cNvPr id="5" name="图片 4">
             <a:extLst>
               <a:ext uri="{FF2B5EF4-FFF2-40B4-BE49-F238E27FC236}">
-                <a16:creationId xmlns:a16="http://schemas.microsoft.com/office/drawing/2014/main" id="{7B2D6BCE-757D-4FAD-B3A0-4845300ACD51}"/>
+                <a16:creationId xmlns:a16="http://schemas.microsoft.com/office/drawing/2014/main" id="{B053D78C-499D-40BB-A43C-6999FBF97706}"/>
               </a:ext>
             </a:extLst>
           </p:cNvPr>
@@ -30039,50 +29946,26 @@
               </a:ext>
             </a:extLst>
           </a:blip>
-          <a:srcRect/>
           <a:stretch>
             <a:fillRect/>
           </a:stretch>
         </p:blipFill>
-        <p:spPr bwMode="auto">
+        <p:spPr>
           <a:xfrm>
-            <a:off x="3006725" y="2161381"/>
-            <a:ext cx="6464300" cy="3814763"/>
+            <a:off x="0" y="0"/>
+            <a:ext cx="1695450" cy="1190624"/>
           </a:xfrm>
           <a:prstGeom prst="rect">
             <a:avLst/>
           </a:prstGeom>
-          <a:noFill/>
-          <a:ln>
-            <a:noFill/>
-          </a:ln>
-          <a:extLst>
-            <a:ext uri="{909E8E84-426E-40DD-AFC4-6F175D3DCCD1}">
-              <a14:hiddenFill xmlns:a14="http://schemas.microsoft.com/office/drawing/2010/main">
-                <a:solidFill>
-                  <a:srgbClr val="FFFFFF"/>
-                </a:solidFill>
-              </a14:hiddenFill>
-            </a:ext>
-            <a:ext uri="{91240B29-F687-4F45-9708-019B960494DF}">
-              <a14:hiddenLine xmlns:a14="http://schemas.microsoft.com/office/drawing/2010/main" w="9525">
-                <a:solidFill>
-                  <a:srgbClr val="000000"/>
-                </a:solidFill>
-                <a:miter lim="800000"/>
-                <a:headEnd/>
-                <a:tailEnd/>
-              </a14:hiddenLine>
-            </a:ext>
-          </a:extLst>
         </p:spPr>
       </p:pic>
       <p:pic>
         <p:nvPicPr>
-          <p:cNvPr id="5" name="图片 4">
+          <p:cNvPr id="2" name="图片 1">
             <a:extLst>
               <a:ext uri="{FF2B5EF4-FFF2-40B4-BE49-F238E27FC236}">
-                <a16:creationId xmlns:a16="http://schemas.microsoft.com/office/drawing/2014/main" id="{B053D78C-499D-40BB-A43C-6999FBF97706}"/>
+                <a16:creationId xmlns:a16="http://schemas.microsoft.com/office/drawing/2014/main" id="{1F0C6BCC-BF19-404C-BFAE-12B84F02FEFB}"/>
               </a:ext>
             </a:extLst>
           </p:cNvPr>
@@ -30092,21 +29975,15 @@
           <p:nvPr/>
         </p:nvPicPr>
         <p:blipFill>
-          <a:blip r:embed="rId3">
-            <a:extLst>
-              <a:ext uri="{28A0092B-C50C-407E-A947-70E740481C1C}">
-                <a14:useLocalDpi xmlns:a14="http://schemas.microsoft.com/office/drawing/2010/main" val="0"/>
-              </a:ext>
-            </a:extLst>
-          </a:blip>
+          <a:blip r:embed="rId3"/>
           <a:stretch>
             <a:fillRect/>
           </a:stretch>
         </p:blipFill>
         <p:spPr>
           <a:xfrm>
-            <a:off x="0" y="0"/>
-            <a:ext cx="1695450" cy="1190624"/>
+            <a:off x="2573558" y="1879212"/>
+            <a:ext cx="7044883" cy="4978787"/>
           </a:xfrm>
           <a:prstGeom prst="rect">
             <a:avLst/>
@@ -30161,8 +30038,8 @@
         </p:nvSpPr>
         <p:spPr>
           <a:xfrm>
-            <a:off x="1771242" y="0"/>
-            <a:ext cx="8229601" cy="1192213"/>
+            <a:off x="1771243" y="1"/>
+            <a:ext cx="5198270" cy="546410"/>
           </a:xfrm>
         </p:spPr>
         <p:txBody>
@@ -30175,11 +30052,11 @@
               <a:defRPr/>
             </a:pPr>
             <a:r>
-              <a:rPr lang="en-US" altLang="zh-CN" sz="2400" b="1" dirty="0"/>
-              <a:t>4.3.5</a:t>
-            </a:r>
-            <a:r>
-              <a:rPr lang="zh-CN" altLang="en-US" sz="2400" b="1" dirty="0"/>
+              <a:rPr lang="en-US" altLang="zh-CN" sz="3200" b="1" dirty="0"/>
+              <a:t>4.3.5 </a:t>
+            </a:r>
+            <a:r>
+              <a:rPr lang="zh-CN" altLang="en-US" sz="3200" b="1" dirty="0"/>
               <a:t>吸附层结构测定及分析</a:t>
             </a:r>
           </a:p>
@@ -30550,10 +30427,10 @@
         </p:nvGrpSpPr>
         <p:grpSpPr bwMode="auto">
           <a:xfrm>
-            <a:off x="3178306" y="1551783"/>
-            <a:ext cx="7587988" cy="4380291"/>
-            <a:chOff x="0" y="0"/>
-            <a:chExt cx="11261" cy="6496"/>
+            <a:off x="2498082" y="1977038"/>
+            <a:ext cx="9206526" cy="3989868"/>
+            <a:chOff x="0" y="118"/>
+            <a:chExt cx="13663" cy="5917"/>
           </a:xfrm>
         </p:grpSpPr>
         <p:grpSp>
@@ -30572,10 +30449,10 @@
           </p:nvGrpSpPr>
           <p:grpSpPr bwMode="auto">
             <a:xfrm>
-              <a:off x="15" y="0"/>
-              <a:ext cx="8189" cy="1278"/>
-              <a:chOff x="0" y="0"/>
-              <a:chExt cx="5200931" cy="811215"/>
+              <a:off x="15" y="120"/>
+              <a:ext cx="8189" cy="1020"/>
+              <a:chOff x="0" y="76169"/>
+              <a:chExt cx="5200999" cy="647441"/>
             </a:xfrm>
           </p:grpSpPr>
           <p:sp>
@@ -30594,8 +30471,8 @@
             </p:nvSpPr>
             <p:spPr bwMode="auto">
               <a:xfrm>
-                <a:off x="755697" y="0"/>
-                <a:ext cx="4445234" cy="811215"/>
+                <a:off x="755638" y="115933"/>
+                <a:ext cx="4445361" cy="550474"/>
               </a:xfrm>
               <a:prstGeom prst="rect">
                 <a:avLst/>
@@ -30746,15 +30623,8 @@
               </a:lstStyle>
               <a:p>
                 <a:pPr eaLnBrk="1" hangingPunct="1"/>
-                <a:endParaRPr lang="zh-CN" altLang="en-US">
-                  <a:ea typeface="宋体" panose="02010600030101010101" pitchFamily="2" charset="-122"/>
-                  <a:sym typeface="宋体" panose="02010600030101010101" pitchFamily="2" charset="-122"/>
-                </a:endParaRPr>
-              </a:p>
-              <a:p>
-                <a:pPr eaLnBrk="1" hangingPunct="1"/>
                 <a:r>
-                  <a:rPr lang="zh-CN" altLang="en-US" sz="3200">
+                  <a:rPr lang="zh-CN" altLang="en-US" sz="3200" dirty="0">
                     <a:sym typeface="宋体" panose="02010600030101010101" pitchFamily="2" charset="-122"/>
                   </a:rPr>
                   <a:t>表面结晶学及微观结构；</a:t>
@@ -31139,10 +31009,10 @@
           </p:nvGrpSpPr>
           <p:grpSpPr bwMode="auto">
             <a:xfrm>
-              <a:off x="15" y="1628"/>
-              <a:ext cx="11246" cy="1826"/>
-              <a:chOff x="0" y="0"/>
-              <a:chExt cx="7142377" cy="1158879"/>
+              <a:off x="15" y="1748"/>
+              <a:ext cx="11246" cy="1020"/>
+              <a:chOff x="0" y="76169"/>
+              <a:chExt cx="7142503" cy="647441"/>
             </a:xfrm>
           </p:grpSpPr>
           <p:sp>
@@ -31161,8 +31031,8 @@
             </p:nvSpPr>
             <p:spPr bwMode="auto">
               <a:xfrm>
-                <a:off x="755697" y="0"/>
-                <a:ext cx="6386680" cy="1158879"/>
+                <a:off x="755630" y="96426"/>
+                <a:ext cx="6386873" cy="550367"/>
               </a:xfrm>
               <a:prstGeom prst="rect">
                 <a:avLst/>
@@ -31313,26 +31183,12 @@
               </a:lstStyle>
               <a:p>
                 <a:pPr eaLnBrk="1" hangingPunct="1"/>
-                <a:endParaRPr lang="zh-CN" altLang="en-US" dirty="0">
-                  <a:ea typeface="宋体" panose="02010600030101010101" pitchFamily="2" charset="-122"/>
-                  <a:sym typeface="宋体" panose="02010600030101010101" pitchFamily="2" charset="-122"/>
-                </a:endParaRPr>
-              </a:p>
-              <a:p>
-                <a:pPr eaLnBrk="1" hangingPunct="1"/>
                 <a:r>
                   <a:rPr lang="zh-CN" altLang="en-US" sz="3200" dirty="0">
                     <a:sym typeface="宋体" panose="02010600030101010101" pitchFamily="2" charset="-122"/>
                   </a:rPr>
                   <a:t>表面相鉴定吸附、偏析、结构重组；</a:t>
                 </a:r>
-              </a:p>
-              <a:p>
-                <a:pPr eaLnBrk="1" hangingPunct="1"/>
-                <a:endParaRPr lang="zh-CN" altLang="en-US" sz="2400" dirty="0">
-                  <a:ea typeface="宋体" panose="02010600030101010101" pitchFamily="2" charset="-122"/>
-                  <a:sym typeface="宋体" panose="02010600030101010101" pitchFamily="2" charset="-122"/>
-                </a:endParaRPr>
               </a:p>
             </p:txBody>
           </p:sp>
@@ -31713,10 +31569,10 @@
           </p:nvGrpSpPr>
           <p:grpSpPr bwMode="auto">
             <a:xfrm>
-              <a:off x="15" y="3255"/>
-              <a:ext cx="9412" cy="1598"/>
-              <a:chOff x="0" y="0"/>
-              <a:chExt cx="5977509" cy="1014019"/>
+              <a:off x="15" y="3375"/>
+              <a:ext cx="13648" cy="1020"/>
+              <a:chOff x="0" y="76169"/>
+              <a:chExt cx="8667978" cy="647441"/>
             </a:xfrm>
           </p:grpSpPr>
           <p:sp>
@@ -31735,8 +31591,8 @@
             </p:nvSpPr>
             <p:spPr bwMode="auto">
               <a:xfrm>
-                <a:off x="755697" y="0"/>
-                <a:ext cx="5221812" cy="1014019"/>
+                <a:off x="709930" y="108385"/>
+                <a:ext cx="7958048" cy="550302"/>
               </a:xfrm>
               <a:prstGeom prst="rect">
                 <a:avLst/>
@@ -31766,7 +31622,7 @@
               </a:extLst>
             </p:spPr>
             <p:txBody>
-              <a:bodyPr wrap="none">
+              <a:bodyPr wrap="square">
                 <a:spAutoFit/>
               </a:bodyPr>
               <a:lstStyle>
@@ -31888,19 +31744,10 @@
               <a:p>
                 <a:pPr eaLnBrk="1" hangingPunct="1"/>
                 <a:r>
-                  <a:rPr lang="zh-CN" altLang="en-US" sz="3200">
+                  <a:rPr lang="zh-CN" altLang="en-US" sz="3200" dirty="0">
                     <a:sym typeface="宋体" panose="02010600030101010101" pitchFamily="2" charset="-122"/>
                   </a:rPr>
-                  <a:t>表面动态过程的分析长大动力</a:t>
-                </a:r>
-              </a:p>
-              <a:p>
-                <a:pPr eaLnBrk="1" hangingPunct="1"/>
-                <a:r>
-                  <a:rPr lang="zh-CN" altLang="en-US" sz="3200">
-                    <a:sym typeface="宋体" panose="02010600030101010101" pitchFamily="2" charset="-122"/>
-                  </a:rPr>
-                  <a:t>学、热振动；</a:t>
+                  <a:t>表面动态过程的分析长大动力学、热振动；</a:t>
                 </a:r>
               </a:p>
             </p:txBody>
@@ -32282,10 +32129,10 @@
           </p:nvGrpSpPr>
           <p:grpSpPr bwMode="auto">
             <a:xfrm>
-              <a:off x="0" y="4898"/>
-              <a:ext cx="6966" cy="1598"/>
-              <a:chOff x="0" y="0"/>
-              <a:chExt cx="4424352" cy="1016695"/>
+              <a:off x="0" y="5015"/>
+              <a:ext cx="6964" cy="1020"/>
+              <a:chOff x="0" y="74746"/>
+              <a:chExt cx="4423367" cy="648864"/>
             </a:xfrm>
           </p:grpSpPr>
           <p:sp>
@@ -32304,8 +32151,8 @@
             </p:nvSpPr>
             <p:spPr bwMode="auto">
               <a:xfrm>
-                <a:off x="755697" y="0"/>
-                <a:ext cx="3668655" cy="1016695"/>
+                <a:off x="754472" y="106293"/>
+                <a:ext cx="3668895" cy="551754"/>
               </a:xfrm>
               <a:prstGeom prst="rect">
                 <a:avLst/>
@@ -32456,14 +32303,8 @@
               </a:lstStyle>
               <a:p>
                 <a:pPr eaLnBrk="1" hangingPunct="1"/>
-                <a:endParaRPr lang="zh-CN" altLang="en-US" sz="3200">
-                  <a:sym typeface="宋体" panose="02010600030101010101" pitchFamily="2" charset="-122"/>
-                </a:endParaRPr>
-              </a:p>
-              <a:p>
-                <a:pPr eaLnBrk="1" hangingPunct="1"/>
                 <a:r>
-                  <a:rPr lang="zh-CN" altLang="en-US" sz="3200">
+                  <a:rPr lang="zh-CN" altLang="en-US" sz="3200" dirty="0">
                     <a:sym typeface="宋体" panose="02010600030101010101" pitchFamily="2" charset="-122"/>
                   </a:rPr>
                   <a:t>确定表面原子位置。</a:t>
@@ -33509,7 +33350,7 @@
         </p:nvSpPr>
         <p:spPr bwMode="auto">
           <a:xfrm>
-            <a:off x="4327657" y="746919"/>
+            <a:off x="4249869" y="880235"/>
             <a:ext cx="3673475" cy="579438"/>
           </a:xfrm>
           <a:prstGeom prst="rect">
@@ -33694,8 +33535,8 @@
         </p:nvSpPr>
         <p:spPr>
           <a:xfrm>
-            <a:off x="1490806" y="0"/>
-            <a:ext cx="3057656" cy="394525"/>
+            <a:off x="1490805" y="-1"/>
+            <a:ext cx="3861779" cy="1070517"/>
           </a:xfrm>
           <a:prstGeom prst="rect">
             <a:avLst/>
@@ -33704,7 +33545,7 @@
         </p:spPr>
         <p:txBody>
           <a:bodyPr anchor="ctr">
-            <a:normAutofit fontScale="90000" lnSpcReduction="20000"/>
+            <a:normAutofit fontScale="97500"/>
           </a:bodyPr>
           <a:lstStyle>
             <a:lvl1pPr algn="ctr" defTabSz="457200" rtl="0" eaLnBrk="1" latinLnBrk="0" hangingPunct="1">
@@ -33787,11 +33628,11 @@
               <a:defRPr/>
             </a:pPr>
             <a:r>
-              <a:rPr lang="en-US" altLang="zh-CN" sz="2700" b="1" dirty="0"/>
+              <a:rPr lang="en-US" altLang="zh-CN" sz="2800" b="1" dirty="0"/>
               <a:t>4.3.6 LEED</a:t>
             </a:r>
             <a:r>
-              <a:rPr lang="zh-CN" altLang="en-US" sz="2700" b="1" dirty="0"/>
+              <a:rPr lang="zh-CN" altLang="en-US" sz="2800" b="1" dirty="0"/>
               <a:t>实际应用</a:t>
             </a:r>
             <a:endParaRPr lang="zh-CN" altLang="en-US" dirty="0">
@@ -34314,8 +34155,8 @@
         </p:nvSpPr>
         <p:spPr>
           <a:xfrm>
-            <a:off x="1695450" y="0"/>
-            <a:ext cx="3371850" cy="446087"/>
+            <a:off x="1695449" y="0"/>
+            <a:ext cx="3456413" cy="602166"/>
           </a:xfrm>
           <a:prstGeom prst="rect">
             <a:avLst/>
@@ -34324,7 +34165,7 @@
         </p:spPr>
         <p:txBody>
           <a:bodyPr anchor="ctr">
-            <a:normAutofit fontScale="90000" lnSpcReduction="10000"/>
+            <a:normAutofit fontScale="97500"/>
           </a:bodyPr>
           <a:lstStyle>
             <a:lvl1pPr algn="ctr" defTabSz="457200" rtl="0" eaLnBrk="1" latinLnBrk="0" hangingPunct="1">
@@ -34407,11 +34248,11 @@
               <a:defRPr/>
             </a:pPr>
             <a:r>
-              <a:rPr lang="en-US" altLang="zh-CN" sz="2700" b="1" dirty="0"/>
+              <a:rPr lang="en-US" altLang="zh-CN" sz="2800" b="1" dirty="0"/>
               <a:t>4.3.6 LEED</a:t>
             </a:r>
             <a:r>
-              <a:rPr lang="zh-CN" altLang="en-US" sz="2700" b="1" dirty="0"/>
+              <a:rPr lang="zh-CN" altLang="en-US" sz="2800" b="1" dirty="0"/>
               <a:t>实际应用</a:t>
             </a:r>
             <a:endParaRPr lang="zh-CN" altLang="en-US" dirty="0">
@@ -34889,7 +34730,7 @@
         <p:spPr>
           <a:xfrm>
             <a:off x="1531937" y="20638"/>
-            <a:ext cx="3114675" cy="488157"/>
+            <a:ext cx="3474961" cy="646113"/>
           </a:xfrm>
           <a:prstGeom prst="rect">
             <a:avLst/>
@@ -34981,11 +34822,11 @@
               <a:defRPr/>
             </a:pPr>
             <a:r>
-              <a:rPr lang="en-US" altLang="zh-CN" sz="2700" b="1" dirty="0"/>
+              <a:rPr lang="en-US" altLang="zh-CN" sz="2800" b="1" dirty="0"/>
               <a:t>4.3.6 LEED</a:t>
             </a:r>
             <a:r>
-              <a:rPr lang="zh-CN" altLang="en-US" sz="2700" b="1" dirty="0"/>
+              <a:rPr lang="zh-CN" altLang="en-US" sz="2800" b="1" dirty="0"/>
               <a:t>实际应用</a:t>
             </a:r>
             <a:endParaRPr lang="zh-CN" altLang="en-US" dirty="0">
@@ -36085,7 +35926,7 @@
         <p:spPr>
           <a:xfrm>
             <a:off x="1695450" y="0"/>
-            <a:ext cx="1491114" cy="369332"/>
+            <a:ext cx="2212465" cy="523220"/>
           </a:xfrm>
           <a:prstGeom prst="rect">
             <a:avLst/>
@@ -36099,11 +35940,11 @@
           <a:lstStyle/>
           <a:p>
             <a:r>
-              <a:rPr lang="en-US" altLang="zh-CN" dirty="0"/>
+              <a:rPr lang="en-US" altLang="zh-CN" sz="2800" dirty="0"/>
               <a:t>4.4.1 I-V</a:t>
             </a:r>
             <a:r>
-              <a:rPr lang="zh-CN" altLang="en-US" dirty="0"/>
+              <a:rPr lang="zh-CN" altLang="en-US" sz="2800" dirty="0"/>
               <a:t>曲线</a:t>
             </a:r>
           </a:p>
@@ -38800,7 +38641,7 @@
         <p:spPr>
           <a:xfrm>
             <a:off x="2074070" y="5351876"/>
-            <a:ext cx="1798890" cy="369332"/>
+            <a:ext cx="1842171" cy="369332"/>
           </a:xfrm>
           <a:prstGeom prst="rect">
             <a:avLst/>
@@ -38814,7 +38655,7 @@
           <a:lstStyle/>
           <a:p>
             <a:r>
-              <a:rPr lang="en-US" altLang="zh-CN" dirty="0" err="1"/>
+              <a:rPr lang="en-US" altLang="zh-CN" b="1" dirty="0" err="1"/>
               <a:t>Pendry</a:t>
             </a:r>
             <a:r>
@@ -38853,7 +38694,7 @@
           <a:lstStyle/>
           <a:p>
             <a:r>
-              <a:rPr lang="en-US" altLang="zh-CN" dirty="0"/>
+              <a:rPr lang="en-US" altLang="zh-CN" b="1" dirty="0"/>
               <a:t>van Hove</a:t>
             </a:r>
             <a:r>
@@ -39008,8 +38849,8 @@
         </p:nvSpPr>
         <p:spPr>
           <a:xfrm>
-            <a:off x="1551526" y="111012"/>
-            <a:ext cx="1638590" cy="369332"/>
+            <a:off x="1551526" y="86034"/>
+            <a:ext cx="2443298" cy="523220"/>
           </a:xfrm>
           <a:prstGeom prst="rect">
             <a:avLst/>
@@ -39023,11 +38864,11 @@
           <a:lstStyle/>
           <a:p>
             <a:r>
-              <a:rPr lang="en-US" altLang="zh-CN" dirty="0"/>
+              <a:rPr lang="en-US" altLang="zh-CN" sz="2800" dirty="0"/>
               <a:t>4.4.2 </a:t>
             </a:r>
             <a:r>
-              <a:rPr lang="zh-CN" altLang="en-US" dirty="0"/>
+              <a:rPr lang="zh-CN" altLang="en-US" sz="2800" dirty="0"/>
               <a:t>实验技术</a:t>
             </a:r>
           </a:p>
@@ -39144,7 +38985,7 @@
         <p:spPr>
           <a:xfrm>
             <a:off x="1695450" y="0"/>
-            <a:ext cx="1638590" cy="369332"/>
+            <a:ext cx="2767104" cy="584775"/>
           </a:xfrm>
           <a:prstGeom prst="rect">
             <a:avLst/>
@@ -39158,11 +38999,11 @@
           <a:lstStyle/>
           <a:p>
             <a:r>
-              <a:rPr lang="en-US" altLang="zh-CN" dirty="0"/>
+              <a:rPr lang="en-US" altLang="zh-CN" sz="3200" dirty="0"/>
               <a:t>4.4.2 </a:t>
             </a:r>
             <a:r>
-              <a:rPr lang="zh-CN" altLang="en-US" dirty="0"/>
+              <a:rPr lang="zh-CN" altLang="en-US" sz="3200" dirty="0"/>
               <a:t>实验技术</a:t>
             </a:r>
           </a:p>
@@ -39577,7 +39418,7 @@
         <p:spPr>
           <a:xfrm>
             <a:off x="1828923" y="-14166"/>
-            <a:ext cx="1638590" cy="369332"/>
+            <a:ext cx="2767104" cy="584775"/>
           </a:xfrm>
           <a:prstGeom prst="rect">
             <a:avLst/>
@@ -39591,11 +39432,11 @@
           <a:lstStyle/>
           <a:p>
             <a:r>
-              <a:rPr lang="en-US" altLang="zh-CN" dirty="0"/>
+              <a:rPr lang="en-US" altLang="zh-CN" sz="3200" dirty="0"/>
               <a:t>4.4.3 </a:t>
             </a:r>
             <a:r>
-              <a:rPr lang="zh-CN" altLang="en-US" dirty="0"/>
+              <a:rPr lang="zh-CN" altLang="en-US" sz="3200" dirty="0"/>
               <a:t>计算程序</a:t>
             </a:r>
           </a:p>
@@ -39615,7 +39456,7 @@
         </p:nvSpPr>
         <p:spPr>
           <a:xfrm>
-            <a:off x="2189291" y="467053"/>
+            <a:off x="1828923" y="760879"/>
             <a:ext cx="6800260" cy="369332"/>
           </a:xfrm>
           <a:prstGeom prst="rect">
@@ -39913,7 +39754,7 @@
         <p:spPr>
           <a:xfrm>
             <a:off x="2420202" y="4882840"/>
-            <a:ext cx="5880136" cy="369332"/>
+            <a:ext cx="5493812" cy="369332"/>
           </a:xfrm>
           <a:prstGeom prst="rect">
             <a:avLst/>
@@ -39928,7 +39769,7 @@
           <a:p>
             <a:r>
               <a:rPr lang="zh-CN" altLang="en-US" dirty="0"/>
-              <a:t>利用表面上的旋转对对称性和镜面对称性，可减少计算</a:t>
+              <a:t>利用表面上的旋转对称性和镜面对称性，可减少计算</a:t>
             </a:r>
           </a:p>
         </p:txBody>
@@ -40072,8 +39913,8 @@
         </p:nvSpPr>
         <p:spPr>
           <a:xfrm>
-            <a:off x="1579418" y="332508"/>
-            <a:ext cx="3289683" cy="369332"/>
+            <a:off x="1481935" y="0"/>
+            <a:ext cx="5705408" cy="584775"/>
           </a:xfrm>
           <a:prstGeom prst="rect">
             <a:avLst/>
@@ -40087,172 +39928,420 @@
           <a:lstStyle/>
           <a:p>
             <a:r>
-              <a:rPr lang="en-US" altLang="zh-CN" dirty="0"/>
+              <a:rPr lang="en-US" altLang="zh-CN" sz="3200" dirty="0"/>
               <a:t>4.4.4 LEED</a:t>
             </a:r>
             <a:r>
+              <a:rPr lang="zh-CN" altLang="en-US" sz="3200" dirty="0"/>
+              <a:t>定量分析应用及限制</a:t>
+            </a:r>
+          </a:p>
+        </p:txBody>
+      </p:sp>
+      <p:grpSp>
+        <p:nvGrpSpPr>
+          <p:cNvPr id="9" name="组合 8">
+            <a:extLst>
+              <a:ext uri="{FF2B5EF4-FFF2-40B4-BE49-F238E27FC236}">
+                <a16:creationId xmlns:a16="http://schemas.microsoft.com/office/drawing/2014/main" id="{0E162B10-0D7D-4B7E-8C30-3FA7603F771A}"/>
+              </a:ext>
+            </a:extLst>
+          </p:cNvPr>
+          <p:cNvGrpSpPr/>
+          <p:nvPr/>
+        </p:nvGrpSpPr>
+        <p:grpSpPr>
+          <a:xfrm>
+            <a:off x="249376" y="5486985"/>
+            <a:ext cx="4597841" cy="646331"/>
+            <a:chOff x="271260" y="1402281"/>
+            <a:chExt cx="4597841" cy="646331"/>
+          </a:xfrm>
+        </p:grpSpPr>
+        <p:sp>
+          <p:nvSpPr>
+            <p:cNvPr id="4" name="文本框 3">
+              <a:extLst>
+                <a:ext uri="{FF2B5EF4-FFF2-40B4-BE49-F238E27FC236}">
+                  <a16:creationId xmlns:a16="http://schemas.microsoft.com/office/drawing/2014/main" id="{7EE9F9DF-75B4-4E1B-8E9A-495C81EA35EC}"/>
+                </a:ext>
+              </a:extLst>
+            </p:cNvPr>
+            <p:cNvSpPr txBox="1"/>
+            <p:nvPr/>
+          </p:nvSpPr>
+          <p:spPr>
+            <a:xfrm>
+              <a:off x="271260" y="1402281"/>
+              <a:ext cx="877163" cy="369332"/>
+            </a:xfrm>
+            <a:prstGeom prst="rect">
+              <a:avLst/>
+            </a:prstGeom>
+            <a:noFill/>
+          </p:spPr>
+          <p:txBody>
+            <a:bodyPr wrap="none" rtlCol="0">
+              <a:spAutoFit/>
+            </a:bodyPr>
+            <a:lstStyle/>
+            <a:p>
+              <a:r>
+                <a:rPr lang="zh-CN" altLang="en-US" dirty="0"/>
+                <a:t>优点：</a:t>
+              </a:r>
+            </a:p>
+          </p:txBody>
+        </p:sp>
+        <p:sp>
+          <p:nvSpPr>
+            <p:cNvPr id="6" name="文本框 5">
+              <a:extLst>
+                <a:ext uri="{FF2B5EF4-FFF2-40B4-BE49-F238E27FC236}">
+                  <a16:creationId xmlns:a16="http://schemas.microsoft.com/office/drawing/2014/main" id="{0B8C3CA9-F98A-46B7-BBAB-AFF23E5FCB87}"/>
+                </a:ext>
+              </a:extLst>
+            </p:cNvPr>
+            <p:cNvSpPr txBox="1"/>
+            <p:nvPr/>
+          </p:nvSpPr>
+          <p:spPr>
+            <a:xfrm>
+              <a:off x="955420" y="1402281"/>
+              <a:ext cx="3913681" cy="646331"/>
+            </a:xfrm>
+            <a:prstGeom prst="rect">
+              <a:avLst/>
+            </a:prstGeom>
+            <a:noFill/>
+          </p:spPr>
+          <p:txBody>
+            <a:bodyPr wrap="square" rtlCol="0">
+              <a:spAutoFit/>
+            </a:bodyPr>
+            <a:lstStyle/>
+            <a:p>
+              <a:r>
+                <a:rPr lang="zh-CN" altLang="en-US" dirty="0"/>
+                <a:t>对最顶层原子及表面之下的几个单原子层都比较敏感</a:t>
+              </a:r>
+              <a:endParaRPr lang="en-US" altLang="zh-CN" dirty="0"/>
+            </a:p>
+          </p:txBody>
+        </p:sp>
+      </p:grpSp>
+      <p:grpSp>
+        <p:nvGrpSpPr>
+          <p:cNvPr id="8" name="组合 7">
+            <a:extLst>
+              <a:ext uri="{FF2B5EF4-FFF2-40B4-BE49-F238E27FC236}">
+                <a16:creationId xmlns:a16="http://schemas.microsoft.com/office/drawing/2014/main" id="{66587E61-825B-4B5B-8446-31E2E7D102B1}"/>
+              </a:ext>
+            </a:extLst>
+          </p:cNvPr>
+          <p:cNvGrpSpPr/>
+          <p:nvPr/>
+        </p:nvGrpSpPr>
+        <p:grpSpPr>
+          <a:xfrm>
+            <a:off x="6284862" y="5472841"/>
+            <a:ext cx="5260433" cy="1200329"/>
+            <a:chOff x="6420359" y="1388137"/>
+            <a:chExt cx="5260433" cy="1200329"/>
+          </a:xfrm>
+        </p:grpSpPr>
+        <p:sp>
+          <p:nvSpPr>
+            <p:cNvPr id="5" name="文本框 4">
+              <a:extLst>
+                <a:ext uri="{FF2B5EF4-FFF2-40B4-BE49-F238E27FC236}">
+                  <a16:creationId xmlns:a16="http://schemas.microsoft.com/office/drawing/2014/main" id="{EA310D0D-4620-49A8-8940-54EAB8A658BE}"/>
+                </a:ext>
+              </a:extLst>
+            </p:cNvPr>
+            <p:cNvSpPr txBox="1"/>
+            <p:nvPr/>
+          </p:nvSpPr>
+          <p:spPr>
+            <a:xfrm>
+              <a:off x="6420359" y="1402281"/>
+              <a:ext cx="877163" cy="369332"/>
+            </a:xfrm>
+            <a:prstGeom prst="rect">
+              <a:avLst/>
+            </a:prstGeom>
+            <a:noFill/>
+          </p:spPr>
+          <p:txBody>
+            <a:bodyPr wrap="none" rtlCol="0">
+              <a:spAutoFit/>
+            </a:bodyPr>
+            <a:lstStyle/>
+            <a:p>
+              <a:r>
+                <a:rPr lang="zh-CN" altLang="en-US" dirty="0"/>
+                <a:t>缺点：</a:t>
+              </a:r>
+            </a:p>
+          </p:txBody>
+        </p:sp>
+        <p:sp>
+          <p:nvSpPr>
+            <p:cNvPr id="7" name="文本框 6">
+              <a:extLst>
+                <a:ext uri="{FF2B5EF4-FFF2-40B4-BE49-F238E27FC236}">
+                  <a16:creationId xmlns:a16="http://schemas.microsoft.com/office/drawing/2014/main" id="{D8F57FE8-BC90-4623-83F1-88F3B598C900}"/>
+                </a:ext>
+              </a:extLst>
+            </p:cNvPr>
+            <p:cNvSpPr txBox="1"/>
+            <p:nvPr/>
+          </p:nvSpPr>
+          <p:spPr>
+            <a:xfrm>
+              <a:off x="7180761" y="1388137"/>
+              <a:ext cx="4500031" cy="1200329"/>
+            </a:xfrm>
+            <a:prstGeom prst="rect">
+              <a:avLst/>
+            </a:prstGeom>
+            <a:noFill/>
+          </p:spPr>
+          <p:txBody>
+            <a:bodyPr wrap="square" rtlCol="0">
+              <a:spAutoFit/>
+            </a:bodyPr>
+            <a:lstStyle/>
+            <a:p>
+              <a:r>
+                <a:rPr lang="zh-CN" altLang="en-US" dirty="0"/>
+                <a:t>对非导电样品，表面荷电效应将使衍射图扭曲</a:t>
+              </a:r>
+              <a:endParaRPr lang="en-US" altLang="zh-CN" dirty="0"/>
+            </a:p>
+            <a:p>
+              <a:r>
+                <a:rPr lang="zh-CN" altLang="en-US" dirty="0"/>
+                <a:t>做</a:t>
+              </a:r>
+              <a:r>
+                <a:rPr lang="en-US" altLang="zh-CN" dirty="0"/>
+                <a:t>I-V</a:t>
+              </a:r>
+              <a:r>
+                <a:rPr lang="zh-CN" altLang="en-US" dirty="0"/>
+                <a:t>曲线计算时，需先对表面原子假定一些可能的几何结构，计算量大，调参困难</a:t>
+              </a:r>
+            </a:p>
+          </p:txBody>
+        </p:sp>
+      </p:grpSp>
+      <p:sp>
+        <p:nvSpPr>
+          <p:cNvPr id="10" name="矩形 9">
+            <a:extLst>
+              <a:ext uri="{FF2B5EF4-FFF2-40B4-BE49-F238E27FC236}">
+                <a16:creationId xmlns:a16="http://schemas.microsoft.com/office/drawing/2014/main" id="{2803D70C-3EA1-4678-86E6-CF60C9FD288D}"/>
+              </a:ext>
+            </a:extLst>
+          </p:cNvPr>
+          <p:cNvSpPr/>
+          <p:nvPr/>
+        </p:nvSpPr>
+        <p:spPr>
+          <a:xfrm>
+            <a:off x="259709" y="1385159"/>
+            <a:ext cx="10284814" cy="646331"/>
+          </a:xfrm>
+          <a:prstGeom prst="rect">
+            <a:avLst/>
+          </a:prstGeom>
+        </p:spPr>
+        <p:txBody>
+          <a:bodyPr wrap="square">
+            <a:spAutoFit/>
+          </a:bodyPr>
+          <a:lstStyle/>
+          <a:p>
+            <a:r>
               <a:rPr lang="zh-CN" altLang="en-US" dirty="0"/>
-              <a:t>定量分析应用及限制</a:t>
+              <a:t>Braun等确定了苯在过渡金属表面上吸附的几何结构，采用带有摄像机的LEED系统，对处于200K温度下的试样做了LEED动态测量</a:t>
             </a:r>
           </a:p>
         </p:txBody>
       </p:sp>
       <p:sp>
         <p:nvSpPr>
-          <p:cNvPr id="4" name="文本框 3">
+          <p:cNvPr id="12" name="矩形 11">
             <a:extLst>
               <a:ext uri="{FF2B5EF4-FFF2-40B4-BE49-F238E27FC236}">
-                <a16:creationId xmlns:a16="http://schemas.microsoft.com/office/drawing/2014/main" id="{7EE9F9DF-75B4-4E1B-8E9A-495C81EA35EC}"/>
+                <a16:creationId xmlns:a16="http://schemas.microsoft.com/office/drawing/2014/main" id="{6FDCF241-0E6B-440B-9D10-E10D35D50EE4}"/>
               </a:ext>
             </a:extLst>
           </p:cNvPr>
-          <p:cNvSpPr txBox="1"/>
+          <p:cNvSpPr/>
           <p:nvPr/>
         </p:nvSpPr>
         <p:spPr>
           <a:xfrm>
-            <a:off x="271260" y="1402281"/>
-            <a:ext cx="877163" cy="369332"/>
+            <a:off x="249376" y="2370641"/>
+            <a:ext cx="4801314" cy="369332"/>
           </a:xfrm>
           <a:prstGeom prst="rect">
             <a:avLst/>
           </a:prstGeom>
-          <a:noFill/>
         </p:spPr>
         <p:txBody>
-          <a:bodyPr wrap="none" rtlCol="0">
+          <a:bodyPr wrap="none">
             <a:spAutoFit/>
           </a:bodyPr>
           <a:lstStyle/>
           <a:p>
             <a:r>
               <a:rPr lang="zh-CN" altLang="en-US" dirty="0"/>
-              <a:t>优点：</a:t>
+              <a:t>第一步是获得在不同覆盖率下的清晰的衍射图</a:t>
             </a:r>
           </a:p>
         </p:txBody>
       </p:sp>
       <p:sp>
         <p:nvSpPr>
-          <p:cNvPr id="5" name="文本框 4">
+          <p:cNvPr id="13" name="矩形 12">
             <a:extLst>
               <a:ext uri="{FF2B5EF4-FFF2-40B4-BE49-F238E27FC236}">
-                <a16:creationId xmlns:a16="http://schemas.microsoft.com/office/drawing/2014/main" id="{EA310D0D-4620-49A8-8940-54EAB8A658BE}"/>
+                <a16:creationId xmlns:a16="http://schemas.microsoft.com/office/drawing/2014/main" id="{8322B47E-CE70-47C1-A12D-4B81D45D4795}"/>
               </a:ext>
             </a:extLst>
           </p:cNvPr>
-          <p:cNvSpPr txBox="1"/>
+          <p:cNvSpPr/>
           <p:nvPr/>
         </p:nvSpPr>
         <p:spPr>
           <a:xfrm>
-            <a:off x="6420359" y="1402281"/>
-            <a:ext cx="877163" cy="369332"/>
+            <a:off x="6284862" y="2356539"/>
+            <a:ext cx="5554726" cy="369332"/>
           </a:xfrm>
           <a:prstGeom prst="rect">
             <a:avLst/>
           </a:prstGeom>
-          <a:noFill/>
         </p:spPr>
         <p:txBody>
-          <a:bodyPr wrap="none" rtlCol="0">
+          <a:bodyPr wrap="none">
             <a:spAutoFit/>
           </a:bodyPr>
           <a:lstStyle/>
           <a:p>
             <a:r>
               <a:rPr lang="zh-CN" altLang="en-US" dirty="0"/>
-              <a:t>缺点：</a:t>
+              <a:t>由LEED衍射图求苯分子在（0001）面上的吸附层结构</a:t>
             </a:r>
           </a:p>
         </p:txBody>
       </p:sp>
-      <p:sp>
-        <p:nvSpPr>
-          <p:cNvPr id="6" name="文本框 5">
+      <p:pic>
+        <p:nvPicPr>
+          <p:cNvPr id="14" name="图片 13">
             <a:extLst>
               <a:ext uri="{FF2B5EF4-FFF2-40B4-BE49-F238E27FC236}">
-                <a16:creationId xmlns:a16="http://schemas.microsoft.com/office/drawing/2014/main" id="{0B8C3CA9-F98A-46B7-BBAB-AFF23E5FCB87}"/>
+                <a16:creationId xmlns:a16="http://schemas.microsoft.com/office/drawing/2014/main" id="{F6F75D90-1EEC-4671-9E82-66011C978352}"/>
               </a:ext>
             </a:extLst>
           </p:cNvPr>
-          <p:cNvSpPr txBox="1"/>
+          <p:cNvPicPr>
+            <a:picLocks noChangeAspect="1"/>
+          </p:cNvPicPr>
           <p:nvPr/>
-        </p:nvSpPr>
+        </p:nvPicPr>
+        <p:blipFill>
+          <a:blip r:embed="rId3"/>
+          <a:stretch>
+            <a:fillRect/>
+          </a:stretch>
+        </p:blipFill>
         <p:spPr>
           <a:xfrm>
-            <a:off x="955420" y="1932036"/>
-            <a:ext cx="3913681" cy="646331"/>
+            <a:off x="1464170" y="2754830"/>
+            <a:ext cx="2371725" cy="2371725"/>
           </a:xfrm>
           <a:prstGeom prst="rect">
             <a:avLst/>
           </a:prstGeom>
-          <a:noFill/>
         </p:spPr>
-        <p:txBody>
-          <a:bodyPr wrap="square" rtlCol="0">
-            <a:spAutoFit/>
-          </a:bodyPr>
-          <a:lstStyle/>
-          <a:p>
-            <a:r>
-              <a:rPr lang="zh-CN" altLang="en-US" dirty="0"/>
-              <a:t>对最顶层原子及表面之下的几个单原子层都比较敏感</a:t>
-            </a:r>
-            <a:endParaRPr lang="en-US" altLang="zh-CN" dirty="0"/>
-          </a:p>
-        </p:txBody>
-      </p:sp>
-      <p:sp>
-        <p:nvSpPr>
-          <p:cNvPr id="7" name="文本框 6">
+      </p:pic>
+      <p:pic>
+        <p:nvPicPr>
+          <p:cNvPr id="15" name="图片 14">
             <a:extLst>
               <a:ext uri="{FF2B5EF4-FFF2-40B4-BE49-F238E27FC236}">
-                <a16:creationId xmlns:a16="http://schemas.microsoft.com/office/drawing/2014/main" id="{D8F57FE8-BC90-4623-83F1-88F3B598C900}"/>
+                <a16:creationId xmlns:a16="http://schemas.microsoft.com/office/drawing/2014/main" id="{E34FBDDB-0EEC-46F8-AA7D-C3729C6A4875}"/>
               </a:ext>
             </a:extLst>
           </p:cNvPr>
-          <p:cNvSpPr txBox="1"/>
+          <p:cNvPicPr>
+            <a:picLocks noChangeAspect="1"/>
+          </p:cNvPicPr>
           <p:nvPr/>
-        </p:nvSpPr>
+        </p:nvPicPr>
+        <p:blipFill>
+          <a:blip r:embed="rId4"/>
+          <a:stretch>
+            <a:fillRect/>
+          </a:stretch>
+        </p:blipFill>
         <p:spPr>
           <a:xfrm>
-            <a:off x="7136157" y="1771613"/>
-            <a:ext cx="4500031" cy="1200329"/>
+            <a:off x="8248998" y="2864503"/>
+            <a:ext cx="2295525" cy="2162175"/>
           </a:xfrm>
           <a:prstGeom prst="rect">
             <a:avLst/>
           </a:prstGeom>
-          <a:noFill/>
         </p:spPr>
-        <p:txBody>
-          <a:bodyPr wrap="square" rtlCol="0">
-            <a:spAutoFit/>
-          </a:bodyPr>
-          <a:lstStyle/>
-          <a:p>
-            <a:r>
-              <a:rPr lang="zh-CN" altLang="en-US" dirty="0"/>
-              <a:t>对非导电样品，表面荷电效应将使衍射图扭曲</a:t>
-            </a:r>
-            <a:endParaRPr lang="en-US" altLang="zh-CN" dirty="0"/>
-          </a:p>
-          <a:p>
-            <a:r>
-              <a:rPr lang="zh-CN" altLang="en-US" dirty="0"/>
-              <a:t>做</a:t>
-            </a:r>
-            <a:r>
-              <a:rPr lang="en-US" altLang="zh-CN" dirty="0"/>
-              <a:t>I-V</a:t>
-            </a:r>
-            <a:r>
-              <a:rPr lang="zh-CN" altLang="en-US" dirty="0"/>
-              <a:t>曲线计算时，需先对表面原子假定一些可能的几何结构，计算量大，调参困难</a:t>
-            </a:r>
-          </a:p>
-        </p:txBody>
-      </p:sp>
+      </p:pic>
+      <p:cxnSp>
+        <p:nvCxnSpPr>
+          <p:cNvPr id="17" name="直接连接符 16">
+            <a:extLst>
+              <a:ext uri="{FF2B5EF4-FFF2-40B4-BE49-F238E27FC236}">
+                <a16:creationId xmlns:a16="http://schemas.microsoft.com/office/drawing/2014/main" id="{D6619E43-1B7E-449C-84DE-2F006B3E6446}"/>
+              </a:ext>
+            </a:extLst>
+          </p:cNvPr>
+          <p:cNvCxnSpPr>
+            <a:cxnSpLocks/>
+          </p:cNvCxnSpPr>
+          <p:nvPr/>
+        </p:nvCxnSpPr>
+        <p:spPr>
+          <a:xfrm>
+            <a:off x="0" y="5407096"/>
+            <a:ext cx="12192000" cy="0"/>
+          </a:xfrm>
+          <a:prstGeom prst="line">
+            <a:avLst/>
+          </a:prstGeom>
+          <a:ln w="19050">
+            <a:solidFill>
+              <a:schemeClr val="tx1"/>
+            </a:solidFill>
+            <a:prstDash val="sysDash"/>
+          </a:ln>
+        </p:spPr>
+        <p:style>
+          <a:lnRef idx="1">
+            <a:schemeClr val="accent1"/>
+          </a:lnRef>
+          <a:fillRef idx="0">
+            <a:schemeClr val="accent1"/>
+          </a:fillRef>
+          <a:effectRef idx="0">
+            <a:schemeClr val="accent1"/>
+          </a:effectRef>
+          <a:fontRef idx="minor">
+            <a:schemeClr val="tx1"/>
+          </a:fontRef>
+        </p:style>
+      </p:cxnSp>
     </p:spTree>
     <p:extLst>
       <p:ext uri="{BB962C8B-B14F-4D97-AF65-F5344CB8AC3E}">
@@ -40373,8 +40462,8 @@
         </p:nvSpPr>
         <p:spPr>
           <a:xfrm>
-            <a:off x="1695450" y="1"/>
-            <a:ext cx="10496550" cy="1190624"/>
+            <a:off x="1695450" y="51504"/>
+            <a:ext cx="4400550" cy="423745"/>
           </a:xfrm>
           <a:prstGeom prst="rect">
             <a:avLst/>
@@ -40382,7 +40471,7 @@
         </p:spPr>
         <p:txBody>
           <a:bodyPr vert="horz" lIns="91440" tIns="45720" rIns="91440" bIns="45720" rtlCol="0" anchor="ctr">
-            <a:normAutofit/>
+            <a:normAutofit fontScale="92500" lnSpcReduction="10000"/>
           </a:bodyPr>
           <a:lstStyle>
             <a:lvl1pPr algn="l" defTabSz="914400" rtl="0" eaLnBrk="1" latinLnBrk="0" hangingPunct="1">
@@ -40408,7 +40497,7 @@
               <a:rPr lang="en-US" altLang="zh-CN" sz="2800" b="1" dirty="0">
                 <a:latin typeface="+mj-ea"/>
               </a:rPr>
-              <a:t>4.1.2</a:t>
+              <a:t>4.1.2 </a:t>
             </a:r>
             <a:r>
               <a:rPr lang="zh-CN" altLang="en-US" sz="2800" b="1" dirty="0">
@@ -40469,7 +40558,7 @@
         </p:nvSpPr>
         <p:spPr>
           <a:xfrm>
-            <a:off x="618870" y="1374244"/>
+            <a:off x="1102345" y="950498"/>
             <a:ext cx="7896882" cy="4175182"/>
           </a:xfrm>
           <a:prstGeom prst="rect">
@@ -40671,7 +40760,7 @@
             </p:nvSpPr>
             <p:spPr>
               <a:xfrm>
-                <a:off x="3442138" y="5549426"/>
+                <a:off x="3925613" y="5125680"/>
                 <a:ext cx="1811137" cy="276999"/>
               </a:xfrm>
               <a:prstGeom prst="rect">
@@ -40849,7 +40938,7 @@
             </p:nvSpPr>
             <p:spPr>
               <a:xfrm>
-                <a:off x="3442138" y="5549426"/>
+                <a:off x="3925613" y="5125680"/>
                 <a:ext cx="1811137" cy="276999"/>
               </a:xfrm>
               <a:prstGeom prst="rect">
@@ -40858,7 +40947,7 @@
               <a:blipFill>
                 <a:blip r:embed="rId4"/>
                 <a:stretch>
-                  <a:fillRect l="-2357" r="-1010" b="-15217"/>
+                  <a:fillRect l="-2357" r="-1010" b="-17778"/>
                 </a:stretch>
               </a:blipFill>
             </p:spPr>
@@ -40893,7 +40982,7 @@
             </p:nvSpPr>
             <p:spPr>
               <a:xfrm>
-                <a:off x="618870" y="5826425"/>
+                <a:off x="1102345" y="5402679"/>
                 <a:ext cx="7896882" cy="943528"/>
               </a:xfrm>
               <a:prstGeom prst="rect">
@@ -41088,7 +41177,7 @@
             </p:nvSpPr>
             <p:spPr>
               <a:xfrm>
-                <a:off x="618870" y="5826425"/>
+                <a:off x="1102345" y="5402679"/>
                 <a:ext cx="7896882" cy="943528"/>
               </a:xfrm>
               <a:prstGeom prst="rect">
@@ -41163,7 +41252,7 @@
         <p:spPr>
           <a:xfrm>
             <a:off x="1695450" y="1"/>
-            <a:ext cx="10496550" cy="1190624"/>
+            <a:ext cx="4631156" cy="481863"/>
           </a:xfrm>
           <a:prstGeom prst="rect">
             <a:avLst/>
@@ -41197,7 +41286,7 @@
               <a:rPr lang="en-US" altLang="zh-CN" sz="2800" b="1" dirty="0">
                 <a:latin typeface="+mj-ea"/>
               </a:rPr>
-              <a:t>4.1.2</a:t>
+              <a:t>4.1.2 </a:t>
             </a:r>
             <a:r>
               <a:rPr lang="zh-CN" altLang="en-US" sz="2800" b="1" dirty="0">
@@ -41244,8 +41333,8 @@
           </a:prstGeom>
         </p:spPr>
       </p:pic>
-      <mc:AlternateContent xmlns:mc="http://schemas.openxmlformats.org/markup-compatibility/2006" xmlns:a14="http://schemas.microsoft.com/office/drawing/2010/main">
-        <mc:Choice Requires="a14">
+      <mc:AlternateContent xmlns:mc="http://schemas.openxmlformats.org/markup-compatibility/2006">
+        <mc:Choice xmlns:a14="http://schemas.microsoft.com/office/drawing/2010/main" Requires="a14">
           <p:sp>
             <p:nvSpPr>
               <p:cNvPr id="6" name="文本框 5">
@@ -41260,7 +41349,7 @@
             </p:nvSpPr>
             <p:spPr>
               <a:xfrm>
-                <a:off x="461215" y="1190624"/>
+                <a:off x="580277" y="878390"/>
                 <a:ext cx="5876523" cy="5560176"/>
               </a:xfrm>
               <a:prstGeom prst="rect">
@@ -41595,7 +41684,7 @@
                     <a:latin typeface="宋体" panose="02010600030101010101" pitchFamily="2" charset="-122"/>
                     <a:ea typeface="宋体" panose="02010600030101010101" pitchFamily="2" charset="-122"/>
                   </a:rPr>
-                  <a:t>周的镜像线及由相应旋转产生的等同镜像线。第二个</a:t>
+                  <a:t>轴的镜像线及由相应旋转产生的等同镜像线。第二个</a:t>
                 </a:r>
                 <a:r>
                   <a:rPr lang="en-US" altLang="zh-CN" sz="2000" b="1" dirty="0">
@@ -41619,7 +41708,7 @@
             </p:txBody>
           </p:sp>
         </mc:Choice>
-        <mc:Fallback xmlns="">
+        <mc:Fallback>
           <p:sp>
             <p:nvSpPr>
               <p:cNvPr id="6" name="文本框 5">
@@ -41636,7 +41725,7 @@
             </p:nvSpPr>
             <p:spPr>
               <a:xfrm>
-                <a:off x="461215" y="1190624"/>
+                <a:off x="580277" y="878390"/>
                 <a:ext cx="5876523" cy="5560176"/>
               </a:xfrm>
               <a:prstGeom prst="rect">
@@ -41645,7 +41734,7 @@
               <a:blipFill>
                 <a:blip r:embed="rId3"/>
                 <a:stretch>
-                  <a:fillRect l="-1141" r="-5290" b="-987"/>
+                  <a:fillRect l="-1037" r="-5394" b="-987"/>
                 </a:stretch>
               </a:blipFill>
             </p:spPr>
@@ -41770,7 +41859,7 @@
         </p:blipFill>
         <p:spPr>
           <a:xfrm>
-            <a:off x="6712016" y="5187760"/>
+            <a:off x="6586994" y="4479400"/>
             <a:ext cx="1654218" cy="1563040"/>
           </a:xfrm>
           <a:prstGeom prst="rect">
@@ -42284,7 +42373,7 @@
         </p:nvSpPr>
         <p:spPr>
           <a:xfrm>
-            <a:off x="483237" y="1190624"/>
+            <a:off x="1077482" y="1190624"/>
             <a:ext cx="6590225" cy="1405193"/>
           </a:xfrm>
           <a:prstGeom prst="rect">
@@ -42450,7 +42539,7 @@
             </p:nvSpPr>
             <p:spPr>
               <a:xfrm>
-                <a:off x="1347814" y="2634700"/>
+                <a:off x="1942059" y="2634700"/>
                 <a:ext cx="1790427" cy="276999"/>
               </a:xfrm>
               <a:prstGeom prst="rect">
@@ -42568,7 +42657,7 @@
             </p:nvSpPr>
             <p:spPr>
               <a:xfrm>
-                <a:off x="1347814" y="2634700"/>
+                <a:off x="1942059" y="2634700"/>
                 <a:ext cx="1790427" cy="276999"/>
               </a:xfrm>
               <a:prstGeom prst="rect">
@@ -42577,7 +42666,7 @@
               <a:blipFill>
                 <a:blip r:embed="rId5"/>
                 <a:stretch>
-                  <a:fillRect l="-7823" t="-28261" r="-5782" b="-50000"/>
+                  <a:fillRect l="-8191" t="-28261" r="-5802" b="-50000"/>
                 </a:stretch>
               </a:blipFill>
             </p:spPr>
@@ -42612,7 +42701,7 @@
             </p:nvSpPr>
             <p:spPr>
               <a:xfrm>
-                <a:off x="3360482" y="2634700"/>
+                <a:off x="3954727" y="2634700"/>
                 <a:ext cx="1791131" cy="276999"/>
               </a:xfrm>
               <a:prstGeom prst="rect">
@@ -42730,7 +42819,7 @@
             </p:nvSpPr>
             <p:spPr>
               <a:xfrm>
-                <a:off x="3360482" y="2634700"/>
+                <a:off x="3954727" y="2634700"/>
                 <a:ext cx="1791131" cy="276999"/>
               </a:xfrm>
               <a:prstGeom prst="rect">
@@ -42739,7 +42828,7 @@
               <a:blipFill>
                 <a:blip r:embed="rId6"/>
                 <a:stretch>
-                  <a:fillRect l="-7823" t="-28261" r="-5782" b="-50000"/>
+                  <a:fillRect l="-8163" t="-28261" r="-5442" b="-50000"/>
                 </a:stretch>
               </a:blipFill>
             </p:spPr>
@@ -42774,7 +42863,7 @@
             </p:nvSpPr>
             <p:spPr>
               <a:xfrm>
-                <a:off x="483236" y="2950582"/>
+                <a:off x="1077481" y="2950582"/>
                 <a:ext cx="6831964" cy="954813"/>
               </a:xfrm>
               <a:prstGeom prst="rect">
@@ -42945,7 +43034,7 @@
             </p:nvSpPr>
             <p:spPr>
               <a:xfrm>
-                <a:off x="483236" y="2950582"/>
+                <a:off x="1077481" y="2950582"/>
                 <a:ext cx="6831964" cy="954813"/>
               </a:xfrm>
               <a:prstGeom prst="rect">
@@ -42954,7 +43043,7 @@
               <a:blipFill>
                 <a:blip r:embed="rId7"/>
                 <a:stretch>
-                  <a:fillRect l="-892" r="-4639" b="-8917"/>
+                  <a:fillRect l="-982" r="-4643" b="-8917"/>
                 </a:stretch>
               </a:blipFill>
             </p:spPr>
@@ -42989,7 +43078,7 @@
             </p:nvSpPr>
             <p:spPr>
               <a:xfrm>
-                <a:off x="353500" y="3944278"/>
+                <a:off x="947745" y="3944278"/>
                 <a:ext cx="6961700" cy="2292102"/>
               </a:xfrm>
               <a:prstGeom prst="rect">
@@ -43703,7 +43792,7 @@
             </p:nvSpPr>
             <p:spPr>
               <a:xfrm>
-                <a:off x="353500" y="3944278"/>
+                <a:off x="947745" y="3944278"/>
                 <a:ext cx="6961700" cy="2292102"/>
               </a:xfrm>
               <a:prstGeom prst="rect">
@@ -43712,7 +43801,7 @@
               <a:blipFill>
                 <a:blip r:embed="rId8"/>
                 <a:stretch>
-                  <a:fillRect l="-963" r="-876"/>
+                  <a:fillRect l="-876" r="-963"/>
                 </a:stretch>
               </a:blipFill>
             </p:spPr>

--- a/Lessons/材料的表面与界面/group_presentation/slices/第四小组_0529_16.pptx
+++ b/Lessons/材料的表面与界面/group_presentation/slices/第四小组_0529_16.pptx
@@ -5,7 +5,7 @@
     <p:sldMasterId id="2147483648" r:id="rId1"/>
   </p:sldMasterIdLst>
   <p:notesMasterIdLst>
-    <p:notesMasterId r:id="rId47"/>
+    <p:notesMasterId r:id="rId50"/>
   </p:notesMasterIdLst>
   <p:sldIdLst>
     <p:sldId id="703" r:id="rId2"/>
@@ -49,10 +49,13 @@
     <p:sldId id="695" r:id="rId40"/>
     <p:sldId id="704" r:id="rId41"/>
     <p:sldId id="696" r:id="rId42"/>
-    <p:sldId id="699" r:id="rId43"/>
-    <p:sldId id="700" r:id="rId44"/>
-    <p:sldId id="701" r:id="rId45"/>
-    <p:sldId id="702" r:id="rId46"/>
+    <p:sldId id="705" r:id="rId43"/>
+    <p:sldId id="709" r:id="rId44"/>
+    <p:sldId id="706" r:id="rId45"/>
+    <p:sldId id="699" r:id="rId46"/>
+    <p:sldId id="700" r:id="rId47"/>
+    <p:sldId id="701" r:id="rId48"/>
+    <p:sldId id="702" r:id="rId49"/>
   </p:sldIdLst>
   <p:sldSz cx="12192000" cy="6858000"/>
   <p:notesSz cx="6858000" cy="9144000"/>
@@ -278,7 +281,7 @@
           <a:p>
             <a:fld id="{2524E34A-29B5-46B9-A0E9-B9E060C64B5C}" type="datetimeFigureOut">
               <a:rPr lang="zh-CN" altLang="en-US" smtClean="0"/>
-              <a:t>2018/6/1 Friday</a:t>
+              <a:t>2018/6/6 Wednesday</a:t>
             </a:fld>
             <a:endParaRPr lang="zh-CN" altLang="en-US"/>
           </a:p>
@@ -995,7 +998,7 @@
           <a:p>
             <a:fld id="{2E216367-23C3-44EE-94DC-EFDDEFA8621F}" type="datetimeFigureOut">
               <a:rPr lang="zh-CN" altLang="en-US" smtClean="0"/>
-              <a:t>2018/6/1 Friday</a:t>
+              <a:t>2018/6/6 Wednesday</a:t>
             </a:fld>
             <a:endParaRPr lang="zh-CN" altLang="en-US"/>
           </a:p>
@@ -1193,7 +1196,7 @@
           <a:p>
             <a:fld id="{2E216367-23C3-44EE-94DC-EFDDEFA8621F}" type="datetimeFigureOut">
               <a:rPr lang="zh-CN" altLang="en-US" smtClean="0"/>
-              <a:t>2018/6/1 Friday</a:t>
+              <a:t>2018/6/6 Wednesday</a:t>
             </a:fld>
             <a:endParaRPr lang="zh-CN" altLang="en-US"/>
           </a:p>
@@ -1401,7 +1404,7 @@
           <a:p>
             <a:fld id="{2E216367-23C3-44EE-94DC-EFDDEFA8621F}" type="datetimeFigureOut">
               <a:rPr lang="zh-CN" altLang="en-US" smtClean="0"/>
-              <a:t>2018/6/1 Friday</a:t>
+              <a:t>2018/6/6 Wednesday</a:t>
             </a:fld>
             <a:endParaRPr lang="zh-CN" altLang="en-US"/>
           </a:p>
@@ -1599,7 +1602,7 @@
           <a:p>
             <a:fld id="{2E216367-23C3-44EE-94DC-EFDDEFA8621F}" type="datetimeFigureOut">
               <a:rPr lang="zh-CN" altLang="en-US" smtClean="0"/>
-              <a:t>2018/6/1 Friday</a:t>
+              <a:t>2018/6/6 Wednesday</a:t>
             </a:fld>
             <a:endParaRPr lang="zh-CN" altLang="en-US"/>
           </a:p>
@@ -1874,7 +1877,7 @@
           <a:p>
             <a:fld id="{2E216367-23C3-44EE-94DC-EFDDEFA8621F}" type="datetimeFigureOut">
               <a:rPr lang="zh-CN" altLang="en-US" smtClean="0"/>
-              <a:t>2018/6/1 Friday</a:t>
+              <a:t>2018/6/6 Wednesday</a:t>
             </a:fld>
             <a:endParaRPr lang="zh-CN" altLang="en-US"/>
           </a:p>
@@ -2139,7 +2142,7 @@
           <a:p>
             <a:fld id="{2E216367-23C3-44EE-94DC-EFDDEFA8621F}" type="datetimeFigureOut">
               <a:rPr lang="zh-CN" altLang="en-US" smtClean="0"/>
-              <a:t>2018/6/1 Friday</a:t>
+              <a:t>2018/6/6 Wednesday</a:t>
             </a:fld>
             <a:endParaRPr lang="zh-CN" altLang="en-US"/>
           </a:p>
@@ -2551,7 +2554,7 @@
           <a:p>
             <a:fld id="{2E216367-23C3-44EE-94DC-EFDDEFA8621F}" type="datetimeFigureOut">
               <a:rPr lang="zh-CN" altLang="en-US" smtClean="0"/>
-              <a:t>2018/6/1 Friday</a:t>
+              <a:t>2018/6/6 Wednesday</a:t>
             </a:fld>
             <a:endParaRPr lang="zh-CN" altLang="en-US"/>
           </a:p>
@@ -2692,7 +2695,7 @@
           <a:p>
             <a:fld id="{2E216367-23C3-44EE-94DC-EFDDEFA8621F}" type="datetimeFigureOut">
               <a:rPr lang="zh-CN" altLang="en-US" smtClean="0"/>
-              <a:t>2018/6/1 Friday</a:t>
+              <a:t>2018/6/6 Wednesday</a:t>
             </a:fld>
             <a:endParaRPr lang="zh-CN" altLang="en-US"/>
           </a:p>
@@ -2805,7 +2808,7 @@
           <a:p>
             <a:fld id="{2E216367-23C3-44EE-94DC-EFDDEFA8621F}" type="datetimeFigureOut">
               <a:rPr lang="zh-CN" altLang="en-US" smtClean="0"/>
-              <a:t>2018/6/1 Friday</a:t>
+              <a:t>2018/6/6 Wednesday</a:t>
             </a:fld>
             <a:endParaRPr lang="zh-CN" altLang="en-US"/>
           </a:p>
@@ -3116,7 +3119,7 @@
           <a:p>
             <a:fld id="{2E216367-23C3-44EE-94DC-EFDDEFA8621F}" type="datetimeFigureOut">
               <a:rPr lang="zh-CN" altLang="en-US" smtClean="0"/>
-              <a:t>2018/6/1 Friday</a:t>
+              <a:t>2018/6/6 Wednesday</a:t>
             </a:fld>
             <a:endParaRPr lang="zh-CN" altLang="en-US"/>
           </a:p>
@@ -3404,7 +3407,7 @@
           <a:p>
             <a:fld id="{2E216367-23C3-44EE-94DC-EFDDEFA8621F}" type="datetimeFigureOut">
               <a:rPr lang="zh-CN" altLang="en-US" smtClean="0"/>
-              <a:t>2018/6/1 Friday</a:t>
+              <a:t>2018/6/6 Wednesday</a:t>
             </a:fld>
             <a:endParaRPr lang="zh-CN" altLang="en-US"/>
           </a:p>
@@ -3645,7 +3648,7 @@
           <a:p>
             <a:fld id="{2E216367-23C3-44EE-94DC-EFDDEFA8621F}" type="datetimeFigureOut">
               <a:rPr lang="zh-CN" altLang="en-US" smtClean="0"/>
-              <a:t>2018/6/1 Friday</a:t>
+              <a:t>2018/6/6 Wednesday</a:t>
             </a:fld>
             <a:endParaRPr lang="zh-CN" altLang="en-US"/>
           </a:p>
@@ -7439,8 +7442,8 @@
           </a:prstGeom>
         </p:spPr>
       </p:pic>
-      <mc:AlternateContent xmlns:mc="http://schemas.openxmlformats.org/markup-compatibility/2006" xmlns:a14="http://schemas.microsoft.com/office/drawing/2010/main">
-        <mc:Choice Requires="a14">
+      <mc:AlternateContent xmlns:mc="http://schemas.openxmlformats.org/markup-compatibility/2006">
+        <mc:Choice xmlns:a14="http://schemas.microsoft.com/office/drawing/2010/main" Requires="a14">
           <p:sp>
             <p:nvSpPr>
               <p:cNvPr id="2" name="文本框 1">
@@ -7843,7 +7846,7 @@
                     <a:latin typeface="宋体" panose="02010600030101010101" pitchFamily="2" charset="-122"/>
                     <a:ea typeface="宋体" panose="02010600030101010101" pitchFamily="2" charset="-122"/>
                   </a:rPr>
-                  <a:t>为倒格子基矢，就是（</a:t>
+                  <a:t>为倒格子矢量，就是（</a:t>
                 </a:r>
                 <a:r>
                   <a:rPr lang="en-US" altLang="zh-CN" sz="2400" b="1" dirty="0">
@@ -8840,13 +8843,13 @@
             </p:txBody>
           </p:sp>
         </mc:Choice>
-        <mc:Fallback xmlns="">
+        <mc:Fallback>
           <p:sp>
             <p:nvSpPr>
               <p:cNvPr id="2" name="文本框 1">
                 <a:extLst>
                   <a:ext uri="{FF2B5EF4-FFF2-40B4-BE49-F238E27FC236}">
-                    <a16:creationId xmlns:a16="http://schemas.microsoft.com/office/drawing/2014/main" xmlns:a14="http://schemas.microsoft.com/office/drawing/2010/main" xmlns="" id="{46EACB92-B373-4C6B-8861-01824C399C6A}"/>
+                    <a16:creationId xmlns:a16="http://schemas.microsoft.com/office/drawing/2014/main" id="{46EACB92-B373-4C6B-8861-01824C399C6A}"/>
                   </a:ext>
                 </a:extLst>
               </p:cNvPr>
@@ -8863,7 +8866,7 @@
               <a:prstGeom prst="rect">
                 <a:avLst/>
               </a:prstGeom>
-              <a:blipFill rotWithShape="0">
+              <a:blipFill>
                 <a:blip r:embed="rId3"/>
                 <a:stretch>
                   <a:fillRect l="-1015" r="-4465"/>
@@ -28752,7 +28755,7 @@
           <a:graphicData uri="http://schemas.openxmlformats.org/presentationml/2006/ole">
             <mc:AlternateContent xmlns:mc="http://schemas.openxmlformats.org/markup-compatibility/2006">
               <mc:Choice xmlns:v="urn:schemas-microsoft-com:vml" Requires="v">
-                <p:oleObj spid="_x0000_s1410" r:id="rId4" imgW="57302400" imgH="10363200" progId="Equation.DSMT4">
+                <p:oleObj spid="_x0000_s1494" r:id="rId4" imgW="57302400" imgH="10363200" progId="Equation.DSMT4">
                   <p:embed/>
                 </p:oleObj>
               </mc:Choice>
@@ -28857,7 +28860,7 @@
           <a:graphicData uri="http://schemas.openxmlformats.org/presentationml/2006/ole">
             <mc:AlternateContent xmlns:mc="http://schemas.openxmlformats.org/markup-compatibility/2006">
               <mc:Choice xmlns:v="urn:schemas-microsoft-com:vml" Requires="v">
-                <p:oleObj spid="_x0000_s1411" r:id="rId6" imgW="43586400" imgH="10972800" progId="Equation.DSMT4">
+                <p:oleObj spid="_x0000_s1495" r:id="rId6" imgW="43586400" imgH="10972800" progId="Equation.DSMT4">
                   <p:embed/>
                 </p:oleObj>
               </mc:Choice>
@@ -29130,7 +29133,7 @@
           <a:graphicData uri="http://schemas.openxmlformats.org/presentationml/2006/ole">
             <mc:AlternateContent xmlns:mc="http://schemas.openxmlformats.org/markup-compatibility/2006">
               <mc:Choice xmlns:v="urn:schemas-microsoft-com:vml" Requires="v">
-                <p:oleObj spid="_x0000_s1412" r:id="rId8" imgW="15240000" imgH="5181600" progId="Equation.DSMT4">
+                <p:oleObj spid="_x0000_s1496" r:id="rId8" imgW="15240000" imgH="5181600" progId="Equation.DSMT4">
                   <p:embed/>
                 </p:oleObj>
               </mc:Choice>
@@ -29235,7 +29238,7 @@
           <a:graphicData uri="http://schemas.openxmlformats.org/presentationml/2006/ole">
             <mc:AlternateContent xmlns:mc="http://schemas.openxmlformats.org/markup-compatibility/2006">
               <mc:Choice xmlns:v="urn:schemas-microsoft-com:vml" Requires="v">
-                <p:oleObj spid="_x0000_s1413" r:id="rId10" imgW="36880800" imgH="12192000" progId="Equation.DSMT4">
+                <p:oleObj spid="_x0000_s1497" r:id="rId10" imgW="36880800" imgH="12192000" progId="Equation.DSMT4">
                   <p:embed/>
                 </p:oleObj>
               </mc:Choice>
@@ -38835,45 +38838,6 @@
           </a:p>
         </p:txBody>
       </p:sp>
-      <p:sp>
-        <p:nvSpPr>
-          <p:cNvPr id="112" name="文本框 111">
-            <a:extLst>
-              <a:ext uri="{FF2B5EF4-FFF2-40B4-BE49-F238E27FC236}">
-                <a16:creationId xmlns:a16="http://schemas.microsoft.com/office/drawing/2014/main" id="{97016C65-F881-432F-BE8E-EC2C6817197F}"/>
-              </a:ext>
-            </a:extLst>
-          </p:cNvPr>
-          <p:cNvSpPr txBox="1"/>
-          <p:nvPr/>
-        </p:nvSpPr>
-        <p:spPr>
-          <a:xfrm>
-            <a:off x="1551526" y="86034"/>
-            <a:ext cx="2443298" cy="523220"/>
-          </a:xfrm>
-          <a:prstGeom prst="rect">
-            <a:avLst/>
-          </a:prstGeom>
-          <a:noFill/>
-        </p:spPr>
-        <p:txBody>
-          <a:bodyPr wrap="none" rtlCol="0">
-            <a:spAutoFit/>
-          </a:bodyPr>
-          <a:lstStyle/>
-          <a:p>
-            <a:r>
-              <a:rPr lang="en-US" altLang="zh-CN" sz="2800" dirty="0"/>
-              <a:t>4.4.2 </a:t>
-            </a:r>
-            <a:r>
-              <a:rPr lang="zh-CN" altLang="en-US" sz="2800" dirty="0"/>
-              <a:t>实验技术</a:t>
-            </a:r>
-          </a:p>
-        </p:txBody>
-      </p:sp>
       <p:pic>
         <p:nvPicPr>
           <p:cNvPr id="116" name="图片 115">
@@ -38904,6 +38868,45 @@
           </a:prstGeom>
         </p:spPr>
       </p:pic>
+      <p:sp>
+        <p:nvSpPr>
+          <p:cNvPr id="11" name="文本框 10">
+            <a:extLst>
+              <a:ext uri="{FF2B5EF4-FFF2-40B4-BE49-F238E27FC236}">
+                <a16:creationId xmlns:a16="http://schemas.microsoft.com/office/drawing/2014/main" id="{CB7CA891-EB11-4615-9CCA-08EAECEC771D}"/>
+              </a:ext>
+            </a:extLst>
+          </p:cNvPr>
+          <p:cNvSpPr txBox="1"/>
+          <p:nvPr/>
+        </p:nvSpPr>
+        <p:spPr>
+          <a:xfrm>
+            <a:off x="1695450" y="0"/>
+            <a:ext cx="2212465" cy="523220"/>
+          </a:xfrm>
+          <a:prstGeom prst="rect">
+            <a:avLst/>
+          </a:prstGeom>
+          <a:noFill/>
+        </p:spPr>
+        <p:txBody>
+          <a:bodyPr wrap="none" rtlCol="0">
+            <a:spAutoFit/>
+          </a:bodyPr>
+          <a:lstStyle/>
+          <a:p>
+            <a:r>
+              <a:rPr lang="en-US" altLang="zh-CN" sz="2800" dirty="0"/>
+              <a:t>4.4.1 I-V</a:t>
+            </a:r>
+            <a:r>
+              <a:rPr lang="zh-CN" altLang="en-US" sz="2800" dirty="0"/>
+              <a:t>曲线</a:t>
+            </a:r>
+          </a:p>
+        </p:txBody>
+      </p:sp>
     </p:spTree>
     <p:extLst>
       <p:ext uri="{BB962C8B-B14F-4D97-AF65-F5344CB8AC3E}">
@@ -38918,6 +38921,2841 @@
 </file>
 
 <file path=ppt/slides/slide42.xml><?xml version="1.0" encoding="utf-8"?>
+<p:sld xmlns:a="http://schemas.openxmlformats.org/drawingml/2006/main" xmlns:r="http://schemas.openxmlformats.org/officeDocument/2006/relationships" xmlns:p="http://schemas.openxmlformats.org/presentationml/2006/main">
+  <p:cSld>
+    <p:spTree>
+      <p:nvGrpSpPr>
+        <p:cNvPr id="1" name=""/>
+        <p:cNvGrpSpPr/>
+        <p:nvPr/>
+      </p:nvGrpSpPr>
+      <p:grpSpPr>
+        <a:xfrm>
+          <a:off x="0" y="0"/>
+          <a:ext cx="0" cy="0"/>
+          <a:chOff x="0" y="0"/>
+          <a:chExt cx="0" cy="0"/>
+        </a:xfrm>
+      </p:grpSpPr>
+      <p:pic>
+        <p:nvPicPr>
+          <p:cNvPr id="2" name="图片 1">
+            <a:extLst>
+              <a:ext uri="{FF2B5EF4-FFF2-40B4-BE49-F238E27FC236}">
+                <a16:creationId xmlns:a16="http://schemas.microsoft.com/office/drawing/2014/main" id="{EC47FA6D-1209-483E-B25C-B23841D36F36}"/>
+              </a:ext>
+            </a:extLst>
+          </p:cNvPr>
+          <p:cNvPicPr>
+            <a:picLocks noChangeAspect="1"/>
+          </p:cNvPicPr>
+          <p:nvPr/>
+        </p:nvPicPr>
+        <p:blipFill>
+          <a:blip r:embed="rId2">
+            <a:extLst>
+              <a:ext uri="{28A0092B-C50C-407E-A947-70E740481C1C}">
+                <a14:useLocalDpi xmlns:a14="http://schemas.microsoft.com/office/drawing/2010/main" val="0"/>
+              </a:ext>
+            </a:extLst>
+          </a:blip>
+          <a:stretch>
+            <a:fillRect/>
+          </a:stretch>
+        </p:blipFill>
+        <p:spPr>
+          <a:xfrm>
+            <a:off x="0" y="0"/>
+            <a:ext cx="1695450" cy="1190624"/>
+          </a:xfrm>
+          <a:prstGeom prst="rect">
+            <a:avLst/>
+          </a:prstGeom>
+        </p:spPr>
+      </p:pic>
+      <p:sp>
+        <p:nvSpPr>
+          <p:cNvPr id="3" name="文本框 2">
+            <a:extLst>
+              <a:ext uri="{FF2B5EF4-FFF2-40B4-BE49-F238E27FC236}">
+                <a16:creationId xmlns:a16="http://schemas.microsoft.com/office/drawing/2014/main" id="{07E04809-1832-4273-A999-888EDAD809C8}"/>
+              </a:ext>
+            </a:extLst>
+          </p:cNvPr>
+          <p:cNvSpPr txBox="1"/>
+          <p:nvPr/>
+        </p:nvSpPr>
+        <p:spPr>
+          <a:xfrm>
+            <a:off x="-50675" y="6581001"/>
+            <a:ext cx="5647700" cy="276999"/>
+          </a:xfrm>
+          <a:prstGeom prst="rect">
+            <a:avLst/>
+          </a:prstGeom>
+          <a:noFill/>
+        </p:spPr>
+        <p:txBody>
+          <a:bodyPr wrap="none" rtlCol="0">
+            <a:spAutoFit/>
+          </a:bodyPr>
+          <a:lstStyle/>
+          <a:p>
+            <a:r>
+              <a:rPr lang="en-US" altLang="zh-CN" sz="1200" b="1" dirty="0" err="1"/>
+              <a:t>Pendry</a:t>
+            </a:r>
+            <a:r>
+              <a:rPr lang="en-US" altLang="zh-CN" sz="1200" b="1" dirty="0"/>
+              <a:t> J B. Low energy electron diffraction[M]. London: Academic Press, 1974.</a:t>
+            </a:r>
+            <a:endParaRPr lang="zh-CN" altLang="en-US" sz="1200" b="1" dirty="0"/>
+          </a:p>
+        </p:txBody>
+      </p:sp>
+      <p:pic>
+        <p:nvPicPr>
+          <p:cNvPr id="4" name="图片 3">
+            <a:extLst>
+              <a:ext uri="{FF2B5EF4-FFF2-40B4-BE49-F238E27FC236}">
+                <a16:creationId xmlns:a16="http://schemas.microsoft.com/office/drawing/2014/main" id="{31B13D6E-F512-4C10-ABAD-0C1DFB6AA112}"/>
+              </a:ext>
+            </a:extLst>
+          </p:cNvPr>
+          <p:cNvPicPr>
+            <a:picLocks noChangeAspect="1"/>
+          </p:cNvPicPr>
+          <p:nvPr/>
+        </p:nvPicPr>
+        <p:blipFill>
+          <a:blip r:embed="rId3"/>
+          <a:stretch>
+            <a:fillRect/>
+          </a:stretch>
+        </p:blipFill>
+        <p:spPr>
+          <a:xfrm>
+            <a:off x="124701" y="1652289"/>
+            <a:ext cx="4490248" cy="3209579"/>
+          </a:xfrm>
+          <a:prstGeom prst="rect">
+            <a:avLst/>
+          </a:prstGeom>
+        </p:spPr>
+      </p:pic>
+      <p:sp>
+        <p:nvSpPr>
+          <p:cNvPr id="5" name="矩形 4">
+            <a:extLst>
+              <a:ext uri="{FF2B5EF4-FFF2-40B4-BE49-F238E27FC236}">
+                <a16:creationId xmlns:a16="http://schemas.microsoft.com/office/drawing/2014/main" id="{657C09A6-71C6-4E8D-9A87-CD32EE58C29F}"/>
+              </a:ext>
+            </a:extLst>
+          </p:cNvPr>
+          <p:cNvSpPr/>
+          <p:nvPr/>
+        </p:nvSpPr>
+        <p:spPr>
+          <a:xfrm>
+            <a:off x="286129" y="4814920"/>
+            <a:ext cx="5007979" cy="923330"/>
+          </a:xfrm>
+          <a:prstGeom prst="rect">
+            <a:avLst/>
+          </a:prstGeom>
+        </p:spPr>
+        <p:txBody>
+          <a:bodyPr wrap="square">
+            <a:spAutoFit/>
+          </a:bodyPr>
+          <a:lstStyle/>
+          <a:p>
+            <a:r>
+              <a:rPr lang="zh-CN" altLang="en-US" dirty="0"/>
+              <a:t>上图：Cu(001)面的电子束的密度与能量的函数关系。数据是由Anderson采集。垂直的条带标记着我们基于布拉格法则所期待出现峰的位置</a:t>
+            </a:r>
+          </a:p>
+        </p:txBody>
+      </p:sp>
+      <p:sp>
+        <p:nvSpPr>
+          <p:cNvPr id="6" name="矩形 5">
+            <a:extLst>
+              <a:ext uri="{FF2B5EF4-FFF2-40B4-BE49-F238E27FC236}">
+                <a16:creationId xmlns:a16="http://schemas.microsoft.com/office/drawing/2014/main" id="{4CB362D7-BAA7-4105-8C8F-CCD88DCA5BBE}"/>
+              </a:ext>
+            </a:extLst>
+          </p:cNvPr>
+          <p:cNvSpPr/>
+          <p:nvPr/>
+        </p:nvSpPr>
+        <p:spPr>
+          <a:xfrm>
+            <a:off x="5294107" y="1190624"/>
+            <a:ext cx="6897893" cy="923330"/>
+          </a:xfrm>
+          <a:prstGeom prst="rect">
+            <a:avLst/>
+          </a:prstGeom>
+        </p:spPr>
+        <p:txBody>
+          <a:bodyPr wrap="square">
+            <a:spAutoFit/>
+          </a:bodyPr>
+          <a:lstStyle/>
+          <a:p>
+            <a:r>
+              <a:rPr lang="zh-CN" altLang="en-US" dirty="0"/>
+              <a:t>左图显示了一个典型的LEED对Cu表面光束衍射能谱的测量，原理上，衍射强度与入射角度以及其他变量是函数关系，但是鲜有相关的证明工作</a:t>
+            </a:r>
+          </a:p>
+        </p:txBody>
+      </p:sp>
+      <p:sp>
+        <p:nvSpPr>
+          <p:cNvPr id="7" name="矩形 6">
+            <a:extLst>
+              <a:ext uri="{FF2B5EF4-FFF2-40B4-BE49-F238E27FC236}">
+                <a16:creationId xmlns:a16="http://schemas.microsoft.com/office/drawing/2014/main" id="{AD261BDC-33A4-4BF2-BB8B-503ED989A1BF}"/>
+              </a:ext>
+            </a:extLst>
+          </p:cNvPr>
+          <p:cNvSpPr/>
+          <p:nvPr/>
+        </p:nvSpPr>
+        <p:spPr>
+          <a:xfrm>
+            <a:off x="5294107" y="2436801"/>
+            <a:ext cx="6897892" cy="1754326"/>
+          </a:xfrm>
+          <a:prstGeom prst="rect">
+            <a:avLst/>
+          </a:prstGeom>
+        </p:spPr>
+        <p:txBody>
+          <a:bodyPr wrap="square">
+            <a:spAutoFit/>
+          </a:bodyPr>
+          <a:lstStyle/>
+          <a:p>
+            <a:r>
+              <a:rPr lang="zh-CN" altLang="en-US" dirty="0"/>
+              <a:t>有几点是值得注意的，首先强度数据是高度结构化的。从</a:t>
+            </a:r>
+            <a:r>
+              <a:rPr lang="zh-CN" altLang="en-US" b="1" dirty="0"/>
+              <a:t>信息论</a:t>
+            </a:r>
+            <a:r>
+              <a:rPr lang="zh-CN" altLang="en-US" dirty="0"/>
+              <a:t>的观点来思考这些曲线，为了描述这些曲线，我们需要引入多少不同的数字。可直接观察到数据中有11个峰。对于每个峰，需要确定峰的强度和能量，一共需要22个数字，这是很大的一笔信息内容。而且通过观测不同的电子束、调整入射角，我们能产生更多的曲线。这就是LEED的特殊能力：它具备极高的信息内容。</a:t>
+            </a:r>
+          </a:p>
+        </p:txBody>
+      </p:sp>
+      <p:sp>
+        <p:nvSpPr>
+          <p:cNvPr id="8" name="矩形 7">
+            <a:extLst>
+              <a:ext uri="{FF2B5EF4-FFF2-40B4-BE49-F238E27FC236}">
+                <a16:creationId xmlns:a16="http://schemas.microsoft.com/office/drawing/2014/main" id="{AA2F9708-F691-45AC-946A-BE7C4455E979}"/>
+              </a:ext>
+            </a:extLst>
+          </p:cNvPr>
+          <p:cNvSpPr/>
+          <p:nvPr/>
+        </p:nvSpPr>
+        <p:spPr>
+          <a:xfrm>
+            <a:off x="5294107" y="4676420"/>
+            <a:ext cx="6960244" cy="923330"/>
+          </a:xfrm>
+          <a:prstGeom prst="rect">
+            <a:avLst/>
+          </a:prstGeom>
+        </p:spPr>
+        <p:txBody>
+          <a:bodyPr wrap="square">
+            <a:spAutoFit/>
+          </a:bodyPr>
+          <a:lstStyle/>
+          <a:p>
+            <a:r>
+              <a:rPr lang="zh-CN" altLang="en-US" dirty="0"/>
+              <a:t>对Cu(001)面的原子位置的研究涉及确定第二层原子相对第一层原子的位置，第三层原子相对第二层原子的位置，对第四层原子的敏感性不是很明显。11个峰仅能确定简单、清洁Cu表面的结构。</a:t>
+            </a:r>
+          </a:p>
+        </p:txBody>
+      </p:sp>
+      <p:sp>
+        <p:nvSpPr>
+          <p:cNvPr id="10" name="文本框 9">
+            <a:extLst>
+              <a:ext uri="{FF2B5EF4-FFF2-40B4-BE49-F238E27FC236}">
+                <a16:creationId xmlns:a16="http://schemas.microsoft.com/office/drawing/2014/main" id="{CC97F0CD-AB47-4767-8439-91C13F488387}"/>
+              </a:ext>
+            </a:extLst>
+          </p:cNvPr>
+          <p:cNvSpPr txBox="1"/>
+          <p:nvPr/>
+        </p:nvSpPr>
+        <p:spPr>
+          <a:xfrm>
+            <a:off x="1695450" y="0"/>
+            <a:ext cx="2212465" cy="523220"/>
+          </a:xfrm>
+          <a:prstGeom prst="rect">
+            <a:avLst/>
+          </a:prstGeom>
+          <a:noFill/>
+        </p:spPr>
+        <p:txBody>
+          <a:bodyPr wrap="none" rtlCol="0">
+            <a:spAutoFit/>
+          </a:bodyPr>
+          <a:lstStyle/>
+          <a:p>
+            <a:r>
+              <a:rPr lang="en-US" altLang="zh-CN" sz="2800" dirty="0"/>
+              <a:t>4.4.1 I-V</a:t>
+            </a:r>
+            <a:r>
+              <a:rPr lang="zh-CN" altLang="en-US" sz="2800" dirty="0"/>
+              <a:t>曲线</a:t>
+            </a:r>
+          </a:p>
+        </p:txBody>
+      </p:sp>
+    </p:spTree>
+    <p:extLst>
+      <p:ext uri="{BB962C8B-B14F-4D97-AF65-F5344CB8AC3E}">
+        <p14:creationId xmlns:p14="http://schemas.microsoft.com/office/powerpoint/2010/main" val="2086482957"/>
+      </p:ext>
+    </p:extLst>
+  </p:cSld>
+  <p:clrMapOvr>
+    <a:masterClrMapping/>
+  </p:clrMapOvr>
+</p:sld>
+</file>
+
+<file path=ppt/slides/slide43.xml><?xml version="1.0" encoding="utf-8"?>
+<p:sld xmlns:a="http://schemas.openxmlformats.org/drawingml/2006/main" xmlns:r="http://schemas.openxmlformats.org/officeDocument/2006/relationships" xmlns:p="http://schemas.openxmlformats.org/presentationml/2006/main">
+  <p:cSld>
+    <p:spTree>
+      <p:nvGrpSpPr>
+        <p:cNvPr id="1" name=""/>
+        <p:cNvGrpSpPr/>
+        <p:nvPr/>
+      </p:nvGrpSpPr>
+      <p:grpSpPr>
+        <a:xfrm>
+          <a:off x="0" y="0"/>
+          <a:ext cx="0" cy="0"/>
+          <a:chOff x="0" y="0"/>
+          <a:chExt cx="0" cy="0"/>
+        </a:xfrm>
+      </p:grpSpPr>
+      <p:pic>
+        <p:nvPicPr>
+          <p:cNvPr id="2" name="图片 1">
+            <a:extLst>
+              <a:ext uri="{FF2B5EF4-FFF2-40B4-BE49-F238E27FC236}">
+                <a16:creationId xmlns:a16="http://schemas.microsoft.com/office/drawing/2014/main" id="{EC47FA6D-1209-483E-B25C-B23841D36F36}"/>
+              </a:ext>
+            </a:extLst>
+          </p:cNvPr>
+          <p:cNvPicPr>
+            <a:picLocks noChangeAspect="1"/>
+          </p:cNvPicPr>
+          <p:nvPr/>
+        </p:nvPicPr>
+        <p:blipFill>
+          <a:blip r:embed="rId2">
+            <a:extLst>
+              <a:ext uri="{28A0092B-C50C-407E-A947-70E740481C1C}">
+                <a14:useLocalDpi xmlns:a14="http://schemas.microsoft.com/office/drawing/2010/main" val="0"/>
+              </a:ext>
+            </a:extLst>
+          </a:blip>
+          <a:stretch>
+            <a:fillRect/>
+          </a:stretch>
+        </p:blipFill>
+        <p:spPr>
+          <a:xfrm>
+            <a:off x="0" y="0"/>
+            <a:ext cx="1695450" cy="1190624"/>
+          </a:xfrm>
+          <a:prstGeom prst="rect">
+            <a:avLst/>
+          </a:prstGeom>
+        </p:spPr>
+      </p:pic>
+      <p:sp>
+        <p:nvSpPr>
+          <p:cNvPr id="3" name="矩形 2">
+            <a:extLst>
+              <a:ext uri="{FF2B5EF4-FFF2-40B4-BE49-F238E27FC236}">
+                <a16:creationId xmlns:a16="http://schemas.microsoft.com/office/drawing/2014/main" id="{A31C63A4-D802-407D-9FA6-B9BE6A929C38}"/>
+              </a:ext>
+            </a:extLst>
+          </p:cNvPr>
+          <p:cNvSpPr/>
+          <p:nvPr/>
+        </p:nvSpPr>
+        <p:spPr>
+          <a:xfrm>
+            <a:off x="-104275" y="6618077"/>
+            <a:ext cx="8581301" cy="276999"/>
+          </a:xfrm>
+          <a:prstGeom prst="rect">
+            <a:avLst/>
+          </a:prstGeom>
+        </p:spPr>
+        <p:txBody>
+          <a:bodyPr wrap="square">
+            <a:spAutoFit/>
+          </a:bodyPr>
+          <a:lstStyle/>
+          <a:p>
+            <a:r>
+              <a:rPr lang="en-US" altLang="zh-CN" sz="1200" b="1" dirty="0" err="1">
+                <a:solidFill>
+                  <a:srgbClr val="222222"/>
+                </a:solidFill>
+                <a:latin typeface="Arial" panose="020B0604020202020204" pitchFamily="34" charset="0"/>
+              </a:rPr>
+              <a:t>Pendry</a:t>
+            </a:r>
+            <a:r>
+              <a:rPr lang="en-US" altLang="zh-CN" sz="1200" b="1" dirty="0">
+                <a:solidFill>
+                  <a:srgbClr val="222222"/>
+                </a:solidFill>
+                <a:latin typeface="Arial" panose="020B0604020202020204" pitchFamily="34" charset="0"/>
+              </a:rPr>
+              <a:t> J B. Reliability factors for LEED calculations[J]. Journal of Physics C: Solid State Physics, 1980, 13(5): 937.</a:t>
+            </a:r>
+            <a:endParaRPr lang="zh-CN" altLang="en-US" sz="1200" b="1" dirty="0"/>
+          </a:p>
+        </p:txBody>
+      </p:sp>
+      <mc:AlternateContent xmlns:mc="http://schemas.openxmlformats.org/markup-compatibility/2006" xmlns:a14="http://schemas.microsoft.com/office/drawing/2010/main">
+        <mc:Choice Requires="a14">
+          <p:sp>
+            <p:nvSpPr>
+              <p:cNvPr id="4" name="文本框 3">
+                <a:extLst>
+                  <a:ext uri="{FF2B5EF4-FFF2-40B4-BE49-F238E27FC236}">
+                    <a16:creationId xmlns:a16="http://schemas.microsoft.com/office/drawing/2014/main" id="{5A12C6FA-03B2-4D09-8612-DDAAF9892A5F}"/>
+                  </a:ext>
+                </a:extLst>
+              </p:cNvPr>
+              <p:cNvSpPr txBox="1"/>
+              <p:nvPr/>
+            </p:nvSpPr>
+            <p:spPr>
+              <a:xfrm>
+                <a:off x="3775934" y="1382357"/>
+                <a:ext cx="3348994" cy="726546"/>
+              </a:xfrm>
+              <a:prstGeom prst="rect">
+                <a:avLst/>
+              </a:prstGeom>
+              <a:noFill/>
+            </p:spPr>
+            <p:txBody>
+              <a:bodyPr wrap="none" lIns="0" tIns="0" rIns="0" bIns="0" rtlCol="0">
+                <a:spAutoFit/>
+              </a:bodyPr>
+              <a:lstStyle/>
+              <a:p>
+                <a:pPr/>
+                <a14:m>
+                  <m:oMathPara xmlns:m="http://schemas.openxmlformats.org/officeDocument/2006/math">
+                    <m:oMathParaPr>
+                      <m:jc m:val="centerGroup"/>
+                    </m:oMathParaPr>
+                    <m:oMath xmlns:m="http://schemas.openxmlformats.org/officeDocument/2006/math">
+                      <m:sSub>
+                        <m:sSubPr>
+                          <m:ctrlPr>
+                            <a:rPr lang="en-US" altLang="zh-CN" i="1" smtClean="0">
+                              <a:latin typeface="Cambria Math" panose="02040503050406030204" pitchFamily="18" charset="0"/>
+                            </a:rPr>
+                          </m:ctrlPr>
+                        </m:sSubPr>
+                        <m:e>
+                          <m:r>
+                            <a:rPr lang="en-US" altLang="zh-CN" b="0" i="1" smtClean="0">
+                              <a:latin typeface="Cambria Math" panose="02040503050406030204" pitchFamily="18" charset="0"/>
+                            </a:rPr>
+                            <m:t>𝑅</m:t>
+                          </m:r>
+                        </m:e>
+                        <m:sub>
+                          <m:r>
+                            <a:rPr lang="en-US" altLang="zh-CN" b="0" i="1" smtClean="0">
+                              <a:latin typeface="Cambria Math" panose="02040503050406030204" pitchFamily="18" charset="0"/>
+                            </a:rPr>
+                            <m:t>𝑍𝐽</m:t>
+                          </m:r>
+                        </m:sub>
+                      </m:sSub>
+                      <m:r>
+                        <a:rPr lang="en-US" altLang="zh-CN" b="0" i="1" smtClean="0">
+                          <a:latin typeface="Cambria Math" panose="02040503050406030204" pitchFamily="18" charset="0"/>
+                        </a:rPr>
+                        <m:t>=</m:t>
+                      </m:r>
+                      <m:f>
+                        <m:fPr>
+                          <m:ctrlPr>
+                            <a:rPr lang="en-US" altLang="zh-CN" b="0" i="1" smtClean="0">
+                              <a:latin typeface="Cambria Math" panose="02040503050406030204" pitchFamily="18" charset="0"/>
+                            </a:rPr>
+                          </m:ctrlPr>
+                        </m:fPr>
+                        <m:num>
+                          <m:r>
+                            <a:rPr lang="en-US" altLang="zh-CN" b="0" i="1" smtClean="0">
+                              <a:latin typeface="Cambria Math" panose="02040503050406030204" pitchFamily="18" charset="0"/>
+                            </a:rPr>
+                            <m:t>𝐴</m:t>
+                          </m:r>
+                        </m:num>
+                        <m:den>
+                          <m:r>
+                            <a:rPr lang="zh-CN" altLang="en-US" b="0" i="1" smtClean="0">
+                              <a:latin typeface="Cambria Math" panose="02040503050406030204" pitchFamily="18" charset="0"/>
+                            </a:rPr>
+                            <m:t>𝛿</m:t>
+                          </m:r>
+                          <m:r>
+                            <a:rPr lang="en-US" altLang="zh-CN" b="0" i="1" smtClean="0">
+                              <a:latin typeface="Cambria Math" panose="02040503050406030204" pitchFamily="18" charset="0"/>
+                            </a:rPr>
+                            <m:t>𝐸</m:t>
+                          </m:r>
+                        </m:den>
+                      </m:f>
+                      <m:nary>
+                        <m:naryPr>
+                          <m:limLoc m:val="undOvr"/>
+                          <m:subHide m:val="on"/>
+                          <m:supHide m:val="on"/>
+                          <m:ctrlPr>
+                            <a:rPr lang="en-US" altLang="zh-CN" b="0" i="1" smtClean="0">
+                              <a:latin typeface="Cambria Math" panose="02040503050406030204" pitchFamily="18" charset="0"/>
+                            </a:rPr>
+                          </m:ctrlPr>
+                        </m:naryPr>
+                        <m:sub/>
+                        <m:sup/>
+                        <m:e>
+                          <m:r>
+                            <a:rPr lang="zh-CN" altLang="en-US" b="0" i="1" smtClean="0">
+                              <a:latin typeface="Cambria Math" panose="02040503050406030204" pitchFamily="18" charset="0"/>
+                            </a:rPr>
+                            <m:t>𝜔</m:t>
+                          </m:r>
+                          <m:d>
+                            <m:dPr>
+                              <m:ctrlPr>
+                                <a:rPr lang="en-US" altLang="zh-CN" b="0" i="1" smtClean="0">
+                                  <a:latin typeface="Cambria Math" panose="02040503050406030204" pitchFamily="18" charset="0"/>
+                                </a:rPr>
+                              </m:ctrlPr>
+                            </m:dPr>
+                            <m:e>
+                              <m:r>
+                                <a:rPr lang="en-US" altLang="zh-CN" b="0" i="1" smtClean="0">
+                                  <a:latin typeface="Cambria Math" panose="02040503050406030204" pitchFamily="18" charset="0"/>
+                                </a:rPr>
+                                <m:t>𝐸</m:t>
+                              </m:r>
+                            </m:e>
+                          </m:d>
+                          <m:d>
+                            <m:dPr>
+                              <m:begChr m:val="|"/>
+                              <m:endChr m:val="|"/>
+                              <m:ctrlPr>
+                                <a:rPr lang="en-US" altLang="zh-CN" b="0" i="1" smtClean="0">
+                                  <a:latin typeface="Cambria Math" panose="02040503050406030204" pitchFamily="18" charset="0"/>
+                                </a:rPr>
+                              </m:ctrlPr>
+                            </m:dPr>
+                            <m:e>
+                              <m:r>
+                                <a:rPr lang="en-US" altLang="zh-CN" b="0" i="1" smtClean="0">
+                                  <a:latin typeface="Cambria Math" panose="02040503050406030204" pitchFamily="18" charset="0"/>
+                                </a:rPr>
+                                <m:t>𝑐</m:t>
+                              </m:r>
+                              <m:sSubSup>
+                                <m:sSubSupPr>
+                                  <m:ctrlPr>
+                                    <a:rPr lang="en-US" altLang="zh-CN" b="0" i="1" smtClean="0">
+                                      <a:latin typeface="Cambria Math" panose="02040503050406030204" pitchFamily="18" charset="0"/>
+                                    </a:rPr>
+                                  </m:ctrlPr>
+                                </m:sSubSupPr>
+                                <m:e>
+                                  <m:r>
+                                    <a:rPr lang="en-US" altLang="zh-CN" b="0" i="1" smtClean="0">
+                                      <a:latin typeface="Cambria Math" panose="02040503050406030204" pitchFamily="18" charset="0"/>
+                                    </a:rPr>
+                                    <m:t>𝐼</m:t>
+                                  </m:r>
+                                </m:e>
+                                <m:sub>
+                                  <m:r>
+                                    <a:rPr lang="en-US" altLang="zh-CN" b="0" i="1" smtClean="0">
+                                      <a:latin typeface="Cambria Math" panose="02040503050406030204" pitchFamily="18" charset="0"/>
+                                    </a:rPr>
+                                    <m:t>𝑡h</m:t>
+                                  </m:r>
+                                </m:sub>
+                                <m:sup>
+                                  <m:r>
+                                    <a:rPr lang="en-US" altLang="zh-CN" b="0" i="1" smtClean="0">
+                                      <a:latin typeface="Cambria Math" panose="02040503050406030204" pitchFamily="18" charset="0"/>
+                                    </a:rPr>
+                                    <m:t>′</m:t>
+                                  </m:r>
+                                </m:sup>
+                              </m:sSubSup>
+                              <m:r>
+                                <a:rPr lang="en-US" altLang="zh-CN" b="0" i="1" smtClean="0">
+                                  <a:latin typeface="Cambria Math" panose="02040503050406030204" pitchFamily="18" charset="0"/>
+                                </a:rPr>
+                                <m:t>−</m:t>
+                              </m:r>
+                              <m:sSubSup>
+                                <m:sSubSupPr>
+                                  <m:ctrlPr>
+                                    <a:rPr lang="en-US" altLang="zh-CN" b="0" i="1" smtClean="0">
+                                      <a:latin typeface="Cambria Math" panose="02040503050406030204" pitchFamily="18" charset="0"/>
+                                    </a:rPr>
+                                  </m:ctrlPr>
+                                </m:sSubSupPr>
+                                <m:e>
+                                  <m:r>
+                                    <m:rPr>
+                                      <m:sty m:val="p"/>
+                                    </m:rPr>
+                                    <a:rPr lang="en-US" altLang="zh-CN" i="1">
+                                      <a:latin typeface="Cambria Math" panose="02040503050406030204" pitchFamily="18" charset="0"/>
+                                    </a:rPr>
+                                    <m:t>I</m:t>
+                                  </m:r>
+                                </m:e>
+                                <m:sub>
+                                  <m:r>
+                                    <a:rPr lang="en-US" altLang="zh-CN" b="0" i="1" smtClean="0">
+                                      <a:latin typeface="Cambria Math" panose="02040503050406030204" pitchFamily="18" charset="0"/>
+                                    </a:rPr>
+                                    <m:t>𝑒𝑥𝑝𝑡</m:t>
+                                  </m:r>
+                                </m:sub>
+                                <m:sup>
+                                  <m:r>
+                                    <a:rPr lang="en-US" altLang="zh-CN" b="0" i="1" smtClean="0">
+                                      <a:latin typeface="Cambria Math" panose="02040503050406030204" pitchFamily="18" charset="0"/>
+                                    </a:rPr>
+                                    <m:t>′</m:t>
+                                  </m:r>
+                                </m:sup>
+                              </m:sSubSup>
+                            </m:e>
+                          </m:d>
+                        </m:e>
+                      </m:nary>
+                      <m:r>
+                        <a:rPr lang="en-US" altLang="zh-CN" b="0" i="1" smtClean="0">
+                          <a:latin typeface="Cambria Math" panose="02040503050406030204" pitchFamily="18" charset="0"/>
+                        </a:rPr>
+                        <m:t>𝑑𝐸</m:t>
+                      </m:r>
+                    </m:oMath>
+                  </m:oMathPara>
+                </a14:m>
+                <a:endParaRPr lang="zh-CN" altLang="en-US" dirty="0"/>
+              </a:p>
+            </p:txBody>
+          </p:sp>
+        </mc:Choice>
+        <mc:Fallback xmlns="">
+          <p:sp>
+            <p:nvSpPr>
+              <p:cNvPr id="4" name="文本框 3">
+                <a:extLst>
+                  <a:ext uri="{FF2B5EF4-FFF2-40B4-BE49-F238E27FC236}">
+                    <a16:creationId xmlns:a16="http://schemas.microsoft.com/office/drawing/2014/main" id="{5A12C6FA-03B2-4D09-8612-DDAAF9892A5F}"/>
+                  </a:ext>
+                </a:extLst>
+              </p:cNvPr>
+              <p:cNvSpPr txBox="1">
+                <a:spLocks noRot="1" noChangeAspect="1" noMove="1" noResize="1" noEditPoints="1" noAdjustHandles="1" noChangeArrowheads="1" noChangeShapeType="1" noTextEdit="1"/>
+              </p:cNvSpPr>
+              <p:nvPr/>
+            </p:nvSpPr>
+            <p:spPr>
+              <a:xfrm>
+                <a:off x="3775934" y="1382357"/>
+                <a:ext cx="3348994" cy="726546"/>
+              </a:xfrm>
+              <a:prstGeom prst="rect">
+                <a:avLst/>
+              </a:prstGeom>
+              <a:blipFill>
+                <a:blip r:embed="rId3"/>
+                <a:stretch>
+                  <a:fillRect/>
+                </a:stretch>
+              </a:blipFill>
+            </p:spPr>
+            <p:txBody>
+              <a:bodyPr/>
+              <a:lstStyle/>
+              <a:p>
+                <a:r>
+                  <a:rPr lang="zh-CN" altLang="en-US">
+                    <a:noFill/>
+                  </a:rPr>
+                  <a:t> </a:t>
+                </a:r>
+              </a:p>
+            </p:txBody>
+          </p:sp>
+        </mc:Fallback>
+      </mc:AlternateContent>
+      <mc:AlternateContent xmlns:mc="http://schemas.openxmlformats.org/markup-compatibility/2006" xmlns:a14="http://schemas.microsoft.com/office/drawing/2010/main">
+        <mc:Choice Requires="a14">
+          <p:sp>
+            <p:nvSpPr>
+              <p:cNvPr id="5" name="文本框 4">
+                <a:extLst>
+                  <a:ext uri="{FF2B5EF4-FFF2-40B4-BE49-F238E27FC236}">
+                    <a16:creationId xmlns:a16="http://schemas.microsoft.com/office/drawing/2014/main" id="{96E01101-721D-4094-AAC2-4F1361304F22}"/>
+                  </a:ext>
+                </a:extLst>
+              </p:cNvPr>
+              <p:cNvSpPr txBox="1"/>
+              <p:nvPr/>
+            </p:nvSpPr>
+            <p:spPr>
+              <a:xfrm>
+                <a:off x="4544229" y="2376449"/>
+                <a:ext cx="1109791" cy="679481"/>
+              </a:xfrm>
+              <a:prstGeom prst="rect">
+                <a:avLst/>
+              </a:prstGeom>
+              <a:noFill/>
+            </p:spPr>
+            <p:txBody>
+              <a:bodyPr wrap="none" lIns="0" tIns="0" rIns="0" bIns="0" rtlCol="0">
+                <a:spAutoFit/>
+              </a:bodyPr>
+              <a:lstStyle/>
+              <a:p>
+                <a:pPr/>
+                <a14:m>
+                  <m:oMathPara xmlns:m="http://schemas.openxmlformats.org/officeDocument/2006/math">
+                    <m:oMathParaPr>
+                      <m:jc m:val="centerGroup"/>
+                    </m:oMathParaPr>
+                    <m:oMath xmlns:m="http://schemas.openxmlformats.org/officeDocument/2006/math">
+                      <m:r>
+                        <a:rPr lang="en-US" altLang="zh-CN" b="0" i="1" smtClean="0">
+                          <a:latin typeface="Cambria Math" panose="02040503050406030204" pitchFamily="18" charset="0"/>
+                        </a:rPr>
+                        <m:t>𝑐</m:t>
+                      </m:r>
+                      <m:r>
+                        <a:rPr lang="en-US" altLang="zh-CN" b="0" i="1" smtClean="0">
+                          <a:latin typeface="Cambria Math" panose="02040503050406030204" pitchFamily="18" charset="0"/>
+                        </a:rPr>
+                        <m:t>=</m:t>
+                      </m:r>
+                      <m:f>
+                        <m:fPr>
+                          <m:ctrlPr>
+                            <a:rPr lang="en-US" altLang="zh-CN" b="0" i="1" smtClean="0">
+                              <a:latin typeface="Cambria Math" panose="02040503050406030204" pitchFamily="18" charset="0"/>
+                            </a:rPr>
+                          </m:ctrlPr>
+                        </m:fPr>
+                        <m:num>
+                          <m:nary>
+                            <m:naryPr>
+                              <m:limLoc m:val="undOvr"/>
+                              <m:subHide m:val="on"/>
+                              <m:supHide m:val="on"/>
+                              <m:ctrlPr>
+                                <a:rPr lang="en-US" altLang="zh-CN" i="1">
+                                  <a:latin typeface="Cambria Math" panose="02040503050406030204" pitchFamily="18" charset="0"/>
+                                </a:rPr>
+                              </m:ctrlPr>
+                            </m:naryPr>
+                            <m:sub/>
+                            <m:sup/>
+                            <m:e>
+                              <m:sSub>
+                                <m:sSubPr>
+                                  <m:ctrlPr>
+                                    <a:rPr lang="en-US" altLang="zh-CN" i="1">
+                                      <a:latin typeface="Cambria Math" panose="02040503050406030204" pitchFamily="18" charset="0"/>
+                                    </a:rPr>
+                                  </m:ctrlPr>
+                                </m:sSubPr>
+                                <m:e>
+                                  <m:r>
+                                    <a:rPr lang="en-US" altLang="zh-CN" i="1">
+                                      <a:latin typeface="Cambria Math" panose="02040503050406030204" pitchFamily="18" charset="0"/>
+                                    </a:rPr>
+                                    <m:t>𝐼</m:t>
+                                  </m:r>
+                                </m:e>
+                                <m:sub>
+                                  <m:r>
+                                    <a:rPr lang="en-US" altLang="zh-CN" i="1">
+                                      <a:latin typeface="Cambria Math" panose="02040503050406030204" pitchFamily="18" charset="0"/>
+                                    </a:rPr>
+                                    <m:t>𝑒𝑥𝑝𝑡</m:t>
+                                  </m:r>
+                                </m:sub>
+                              </m:sSub>
+                            </m:e>
+                          </m:nary>
+                        </m:num>
+                        <m:den>
+                          <m:nary>
+                            <m:naryPr>
+                              <m:limLoc m:val="undOvr"/>
+                              <m:subHide m:val="on"/>
+                              <m:supHide m:val="on"/>
+                              <m:ctrlPr>
+                                <a:rPr lang="en-US" altLang="zh-CN" i="1">
+                                  <a:latin typeface="Cambria Math" panose="02040503050406030204" pitchFamily="18" charset="0"/>
+                                </a:rPr>
+                              </m:ctrlPr>
+                            </m:naryPr>
+                            <m:sub/>
+                            <m:sup/>
+                            <m:e>
+                              <m:sSub>
+                                <m:sSubPr>
+                                  <m:ctrlPr>
+                                    <a:rPr lang="en-US" altLang="zh-CN" i="1">
+                                      <a:latin typeface="Cambria Math" panose="02040503050406030204" pitchFamily="18" charset="0"/>
+                                    </a:rPr>
+                                  </m:ctrlPr>
+                                </m:sSubPr>
+                                <m:e>
+                                  <m:r>
+                                    <a:rPr lang="en-US" altLang="zh-CN" i="1">
+                                      <a:latin typeface="Cambria Math" panose="02040503050406030204" pitchFamily="18" charset="0"/>
+                                    </a:rPr>
+                                    <m:t>𝐼</m:t>
+                                  </m:r>
+                                </m:e>
+                                <m:sub>
+                                  <m:r>
+                                    <a:rPr lang="en-US" altLang="zh-CN" i="1">
+                                      <a:latin typeface="Cambria Math" panose="02040503050406030204" pitchFamily="18" charset="0"/>
+                                    </a:rPr>
+                                    <m:t>𝑡</m:t>
+                                  </m:r>
+                                  <m:r>
+                                    <a:rPr lang="en-US" altLang="zh-CN" b="0" i="1" smtClean="0">
+                                      <a:latin typeface="Cambria Math" panose="02040503050406030204" pitchFamily="18" charset="0"/>
+                                    </a:rPr>
+                                    <m:t>h</m:t>
+                                  </m:r>
+                                </m:sub>
+                              </m:sSub>
+                            </m:e>
+                          </m:nary>
+                        </m:den>
+                      </m:f>
+                    </m:oMath>
+                  </m:oMathPara>
+                </a14:m>
+                <a:endParaRPr lang="zh-CN" altLang="en-US" dirty="0"/>
+              </a:p>
+            </p:txBody>
+          </p:sp>
+        </mc:Choice>
+        <mc:Fallback xmlns="">
+          <p:sp>
+            <p:nvSpPr>
+              <p:cNvPr id="5" name="文本框 4">
+                <a:extLst>
+                  <a:ext uri="{FF2B5EF4-FFF2-40B4-BE49-F238E27FC236}">
+                    <a16:creationId xmlns:a16="http://schemas.microsoft.com/office/drawing/2014/main" id="{96E01101-721D-4094-AAC2-4F1361304F22}"/>
+                  </a:ext>
+                </a:extLst>
+              </p:cNvPr>
+              <p:cNvSpPr txBox="1">
+                <a:spLocks noRot="1" noChangeAspect="1" noMove="1" noResize="1" noEditPoints="1" noAdjustHandles="1" noChangeArrowheads="1" noChangeShapeType="1" noTextEdit="1"/>
+              </p:cNvSpPr>
+              <p:nvPr/>
+            </p:nvSpPr>
+            <p:spPr>
+              <a:xfrm>
+                <a:off x="4544229" y="2376449"/>
+                <a:ext cx="1109791" cy="679481"/>
+              </a:xfrm>
+              <a:prstGeom prst="rect">
+                <a:avLst/>
+              </a:prstGeom>
+              <a:blipFill>
+                <a:blip r:embed="rId4"/>
+                <a:stretch>
+                  <a:fillRect/>
+                </a:stretch>
+              </a:blipFill>
+            </p:spPr>
+            <p:txBody>
+              <a:bodyPr/>
+              <a:lstStyle/>
+              <a:p>
+                <a:r>
+                  <a:rPr lang="zh-CN" altLang="en-US">
+                    <a:noFill/>
+                  </a:rPr>
+                  <a:t> </a:t>
+                </a:r>
+              </a:p>
+            </p:txBody>
+          </p:sp>
+        </mc:Fallback>
+      </mc:AlternateContent>
+      <mc:AlternateContent xmlns:mc="http://schemas.openxmlformats.org/markup-compatibility/2006" xmlns:a14="http://schemas.microsoft.com/office/drawing/2010/main">
+        <mc:Choice Requires="a14">
+          <p:sp>
+            <p:nvSpPr>
+              <p:cNvPr id="6" name="文本框 5">
+                <a:extLst>
+                  <a:ext uri="{FF2B5EF4-FFF2-40B4-BE49-F238E27FC236}">
+                    <a16:creationId xmlns:a16="http://schemas.microsoft.com/office/drawing/2014/main" id="{87F5DBE6-67CB-46E5-B0BB-DC0603D4980E}"/>
+                  </a:ext>
+                </a:extLst>
+              </p:cNvPr>
+              <p:cNvSpPr txBox="1"/>
+              <p:nvPr/>
+            </p:nvSpPr>
+            <p:spPr>
+              <a:xfrm>
+                <a:off x="6347689" y="2397872"/>
+                <a:ext cx="1795941" cy="689099"/>
+              </a:xfrm>
+              <a:prstGeom prst="rect">
+                <a:avLst/>
+              </a:prstGeom>
+              <a:noFill/>
+            </p:spPr>
+            <p:txBody>
+              <a:bodyPr wrap="none" lIns="0" tIns="0" rIns="0" bIns="0" rtlCol="0">
+                <a:spAutoFit/>
+              </a:bodyPr>
+              <a:lstStyle/>
+              <a:p>
+                <a:pPr/>
+                <a14:m>
+                  <m:oMathPara xmlns:m="http://schemas.openxmlformats.org/officeDocument/2006/math">
+                    <m:oMathParaPr>
+                      <m:jc m:val="centerGroup"/>
+                    </m:oMathParaPr>
+                    <m:oMath xmlns:m="http://schemas.openxmlformats.org/officeDocument/2006/math">
+                      <m:r>
+                        <a:rPr lang="zh-CN" altLang="en-US" i="1" smtClean="0">
+                          <a:latin typeface="Cambria Math" panose="02040503050406030204" pitchFamily="18" charset="0"/>
+                        </a:rPr>
+                        <m:t>𝜔</m:t>
+                      </m:r>
+                      <m:r>
+                        <a:rPr lang="en-US" altLang="zh-CN" b="0" i="1" smtClean="0">
+                          <a:latin typeface="Cambria Math" panose="02040503050406030204" pitchFamily="18" charset="0"/>
+                        </a:rPr>
+                        <m:t>=</m:t>
+                      </m:r>
+                      <m:f>
+                        <m:fPr>
+                          <m:ctrlPr>
+                            <a:rPr lang="en-US" altLang="zh-CN" b="0" i="1" smtClean="0">
+                              <a:latin typeface="Cambria Math" panose="02040503050406030204" pitchFamily="18" charset="0"/>
+                            </a:rPr>
+                          </m:ctrlPr>
+                        </m:fPr>
+                        <m:num>
+                          <m:d>
+                            <m:dPr>
+                              <m:begChr m:val="|"/>
+                              <m:endChr m:val="|"/>
+                              <m:ctrlPr>
+                                <a:rPr lang="en-US" altLang="zh-CN" b="0" i="1" smtClean="0">
+                                  <a:latin typeface="Cambria Math" panose="02040503050406030204" pitchFamily="18" charset="0"/>
+                                </a:rPr>
+                              </m:ctrlPr>
+                            </m:dPr>
+                            <m:e>
+                              <m:r>
+                                <a:rPr lang="en-US" altLang="zh-CN" b="0" i="1" smtClean="0">
+                                  <a:latin typeface="Cambria Math" panose="02040503050406030204" pitchFamily="18" charset="0"/>
+                                </a:rPr>
+                                <m:t>𝑐</m:t>
+                              </m:r>
+                              <m:sSubSup>
+                                <m:sSubSupPr>
+                                  <m:ctrlPr>
+                                    <a:rPr lang="en-US" altLang="zh-CN" b="0" i="1" smtClean="0">
+                                      <a:latin typeface="Cambria Math" panose="02040503050406030204" pitchFamily="18" charset="0"/>
+                                    </a:rPr>
+                                  </m:ctrlPr>
+                                </m:sSubSupPr>
+                                <m:e>
+                                  <m:r>
+                                    <a:rPr lang="en-US" altLang="zh-CN" b="0" i="1" smtClean="0">
+                                      <a:latin typeface="Cambria Math" panose="02040503050406030204" pitchFamily="18" charset="0"/>
+                                    </a:rPr>
+                                    <m:t>𝐼</m:t>
+                                  </m:r>
+                                </m:e>
+                                <m:sub>
+                                  <m:r>
+                                    <a:rPr lang="en-US" altLang="zh-CN" b="0" i="1" smtClean="0">
+                                      <a:latin typeface="Cambria Math" panose="02040503050406030204" pitchFamily="18" charset="0"/>
+                                    </a:rPr>
+                                    <m:t>𝑡h</m:t>
+                                  </m:r>
+                                </m:sub>
+                                <m:sup>
+                                  <m:r>
+                                    <a:rPr lang="en-US" altLang="zh-CN" b="0" i="1" smtClean="0">
+                                      <a:latin typeface="Cambria Math" panose="02040503050406030204" pitchFamily="18" charset="0"/>
+                                    </a:rPr>
+                                    <m:t>′′</m:t>
+                                  </m:r>
+                                </m:sup>
+                              </m:sSubSup>
+                              <m:r>
+                                <a:rPr lang="en-US" altLang="zh-CN" b="0" i="1" smtClean="0">
+                                  <a:latin typeface="Cambria Math" panose="02040503050406030204" pitchFamily="18" charset="0"/>
+                                </a:rPr>
+                                <m:t>−</m:t>
+                              </m:r>
+                              <m:sSubSup>
+                                <m:sSubSupPr>
+                                  <m:ctrlPr>
+                                    <a:rPr lang="en-US" altLang="zh-CN" b="0" i="1" smtClean="0">
+                                      <a:latin typeface="Cambria Math" panose="02040503050406030204" pitchFamily="18" charset="0"/>
+                                    </a:rPr>
+                                  </m:ctrlPr>
+                                </m:sSubSupPr>
+                                <m:e>
+                                  <m:r>
+                                    <a:rPr lang="en-US" altLang="zh-CN" b="0" i="1" smtClean="0">
+                                      <a:latin typeface="Cambria Math" panose="02040503050406030204" pitchFamily="18" charset="0"/>
+                                    </a:rPr>
+                                    <m:t>𝐼</m:t>
+                                  </m:r>
+                                </m:e>
+                                <m:sub>
+                                  <m:r>
+                                    <a:rPr lang="en-US" altLang="zh-CN" b="0" i="1" smtClean="0">
+                                      <a:latin typeface="Cambria Math" panose="02040503050406030204" pitchFamily="18" charset="0"/>
+                                    </a:rPr>
+                                    <m:t>𝑒𝑥𝑝𝑡</m:t>
+                                  </m:r>
+                                </m:sub>
+                                <m:sup>
+                                  <m:r>
+                                    <a:rPr lang="en-US" altLang="zh-CN" b="0" i="1" smtClean="0">
+                                      <a:latin typeface="Cambria Math" panose="02040503050406030204" pitchFamily="18" charset="0"/>
+                                    </a:rPr>
+                                    <m:t>′′</m:t>
+                                  </m:r>
+                                </m:sup>
+                              </m:sSubSup>
+                            </m:e>
+                          </m:d>
+                        </m:num>
+                        <m:den>
+                          <m:d>
+                            <m:dPr>
+                              <m:begChr m:val="|"/>
+                              <m:endChr m:val="|"/>
+                              <m:ctrlPr>
+                                <a:rPr lang="en-US" altLang="zh-CN" b="0" i="1" smtClean="0">
+                                  <a:latin typeface="Cambria Math" panose="02040503050406030204" pitchFamily="18" charset="0"/>
+                                </a:rPr>
+                              </m:ctrlPr>
+                            </m:dPr>
+                            <m:e>
+                              <m:sSubSup>
+                                <m:sSubSupPr>
+                                  <m:ctrlPr>
+                                    <a:rPr lang="en-US" altLang="zh-CN" b="0" i="1" smtClean="0">
+                                      <a:latin typeface="Cambria Math" panose="02040503050406030204" pitchFamily="18" charset="0"/>
+                                    </a:rPr>
+                                  </m:ctrlPr>
+                                </m:sSubSupPr>
+                                <m:e>
+                                  <m:r>
+                                    <a:rPr lang="en-US" altLang="zh-CN" b="0" i="1" smtClean="0">
+                                      <a:latin typeface="Cambria Math" panose="02040503050406030204" pitchFamily="18" charset="0"/>
+                                    </a:rPr>
+                                    <m:t>𝐼</m:t>
+                                  </m:r>
+                                </m:e>
+                                <m:sub>
+                                  <m:r>
+                                    <a:rPr lang="en-US" altLang="zh-CN" b="0" i="1" smtClean="0">
+                                      <a:latin typeface="Cambria Math" panose="02040503050406030204" pitchFamily="18" charset="0"/>
+                                    </a:rPr>
+                                    <m:t>𝑒𝑥𝑝𝑡</m:t>
+                                  </m:r>
+                                </m:sub>
+                                <m:sup>
+                                  <m:r>
+                                    <a:rPr lang="en-US" altLang="zh-CN" b="0" i="1" smtClean="0">
+                                      <a:latin typeface="Cambria Math" panose="02040503050406030204" pitchFamily="18" charset="0"/>
+                                    </a:rPr>
+                                    <m:t>′</m:t>
+                                  </m:r>
+                                </m:sup>
+                              </m:sSubSup>
+                            </m:e>
+                          </m:d>
+                          <m:r>
+                            <a:rPr lang="en-US" altLang="zh-CN" b="0" i="1" smtClean="0">
+                              <a:latin typeface="Cambria Math" panose="02040503050406030204" pitchFamily="18" charset="0"/>
+                            </a:rPr>
+                            <m:t>+</m:t>
+                          </m:r>
+                          <m:r>
+                            <a:rPr lang="zh-CN" altLang="en-US" b="0" i="1" smtClean="0">
+                              <a:latin typeface="Cambria Math" panose="02040503050406030204" pitchFamily="18" charset="0"/>
+                            </a:rPr>
+                            <m:t>𝜖</m:t>
+                          </m:r>
+                        </m:den>
+                      </m:f>
+                    </m:oMath>
+                  </m:oMathPara>
+                </a14:m>
+                <a:endParaRPr lang="zh-CN" altLang="en-US" dirty="0"/>
+              </a:p>
+            </p:txBody>
+          </p:sp>
+        </mc:Choice>
+        <mc:Fallback xmlns="">
+          <p:sp>
+            <p:nvSpPr>
+              <p:cNvPr id="6" name="文本框 5">
+                <a:extLst>
+                  <a:ext uri="{FF2B5EF4-FFF2-40B4-BE49-F238E27FC236}">
+                    <a16:creationId xmlns:a16="http://schemas.microsoft.com/office/drawing/2014/main" id="{87F5DBE6-67CB-46E5-B0BB-DC0603D4980E}"/>
+                  </a:ext>
+                </a:extLst>
+              </p:cNvPr>
+              <p:cNvSpPr txBox="1">
+                <a:spLocks noRot="1" noChangeAspect="1" noMove="1" noResize="1" noEditPoints="1" noAdjustHandles="1" noChangeArrowheads="1" noChangeShapeType="1" noTextEdit="1"/>
+              </p:cNvSpPr>
+              <p:nvPr/>
+            </p:nvSpPr>
+            <p:spPr>
+              <a:xfrm>
+                <a:off x="6347689" y="2397872"/>
+                <a:ext cx="1795941" cy="689099"/>
+              </a:xfrm>
+              <a:prstGeom prst="rect">
+                <a:avLst/>
+              </a:prstGeom>
+              <a:blipFill>
+                <a:blip r:embed="rId5"/>
+                <a:stretch>
+                  <a:fillRect/>
+                </a:stretch>
+              </a:blipFill>
+            </p:spPr>
+            <p:txBody>
+              <a:bodyPr/>
+              <a:lstStyle/>
+              <a:p>
+                <a:r>
+                  <a:rPr lang="zh-CN" altLang="en-US">
+                    <a:noFill/>
+                  </a:rPr>
+                  <a:t> </a:t>
+                </a:r>
+              </a:p>
+            </p:txBody>
+          </p:sp>
+        </mc:Fallback>
+      </mc:AlternateContent>
+      <mc:AlternateContent xmlns:mc="http://schemas.openxmlformats.org/markup-compatibility/2006" xmlns:a14="http://schemas.microsoft.com/office/drawing/2010/main">
+        <mc:Choice Requires="a14">
+          <p:sp>
+            <p:nvSpPr>
+              <p:cNvPr id="7" name="文本框 6">
+                <a:extLst>
+                  <a:ext uri="{FF2B5EF4-FFF2-40B4-BE49-F238E27FC236}">
+                    <a16:creationId xmlns:a16="http://schemas.microsoft.com/office/drawing/2014/main" id="{5B9015E6-2069-4CE9-9F33-052826B672C8}"/>
+                  </a:ext>
+                </a:extLst>
+              </p:cNvPr>
+              <p:cNvSpPr txBox="1"/>
+              <p:nvPr/>
+            </p:nvSpPr>
+            <p:spPr>
+              <a:xfrm>
+                <a:off x="9154758" y="2536973"/>
+                <a:ext cx="1459951" cy="358431"/>
+              </a:xfrm>
+              <a:prstGeom prst="rect">
+                <a:avLst/>
+              </a:prstGeom>
+              <a:noFill/>
+            </p:spPr>
+            <p:txBody>
+              <a:bodyPr wrap="none" lIns="0" tIns="0" rIns="0" bIns="0" rtlCol="0">
+                <a:spAutoFit/>
+              </a:bodyPr>
+              <a:lstStyle/>
+              <a:p>
+                <a:pPr/>
+                <a14:m>
+                  <m:oMathPara xmlns:m="http://schemas.openxmlformats.org/officeDocument/2006/math">
+                    <m:oMathParaPr>
+                      <m:jc m:val="centerGroup"/>
+                    </m:oMathParaPr>
+                    <m:oMath xmlns:m="http://schemas.openxmlformats.org/officeDocument/2006/math">
+                      <m:r>
+                        <a:rPr lang="zh-CN" altLang="en-US" i="1" smtClean="0">
+                          <a:latin typeface="Cambria Math" panose="02040503050406030204" pitchFamily="18" charset="0"/>
+                        </a:rPr>
+                        <m:t>𝜖</m:t>
+                      </m:r>
+                      <m:r>
+                        <a:rPr lang="en-US" altLang="zh-CN" b="0" i="1" smtClean="0">
+                          <a:latin typeface="Cambria Math" panose="02040503050406030204" pitchFamily="18" charset="0"/>
+                        </a:rPr>
+                        <m:t>=</m:t>
+                      </m:r>
+                      <m:sSub>
+                        <m:sSubPr>
+                          <m:ctrlPr>
+                            <a:rPr lang="en-US" altLang="zh-CN" b="0" i="1" smtClean="0">
+                              <a:latin typeface="Cambria Math" panose="02040503050406030204" pitchFamily="18" charset="0"/>
+                            </a:rPr>
+                          </m:ctrlPr>
+                        </m:sSubPr>
+                        <m:e>
+                          <m:d>
+                            <m:dPr>
+                              <m:begChr m:val="|"/>
+                              <m:endChr m:val="|"/>
+                              <m:ctrlPr>
+                                <a:rPr lang="en-US" altLang="zh-CN" i="1">
+                                  <a:latin typeface="Cambria Math" panose="02040503050406030204" pitchFamily="18" charset="0"/>
+                                </a:rPr>
+                              </m:ctrlPr>
+                            </m:dPr>
+                            <m:e>
+                              <m:sSubSup>
+                                <m:sSubSupPr>
+                                  <m:ctrlPr>
+                                    <a:rPr lang="en-US" altLang="zh-CN" i="1">
+                                      <a:latin typeface="Cambria Math" panose="02040503050406030204" pitchFamily="18" charset="0"/>
+                                    </a:rPr>
+                                  </m:ctrlPr>
+                                </m:sSubSupPr>
+                                <m:e>
+                                  <m:r>
+                                    <a:rPr lang="en-US" altLang="zh-CN" i="1">
+                                      <a:latin typeface="Cambria Math" panose="02040503050406030204" pitchFamily="18" charset="0"/>
+                                    </a:rPr>
+                                    <m:t>𝐼</m:t>
+                                  </m:r>
+                                </m:e>
+                                <m:sub>
+                                  <m:r>
+                                    <a:rPr lang="en-US" altLang="zh-CN" i="1">
+                                      <a:latin typeface="Cambria Math" panose="02040503050406030204" pitchFamily="18" charset="0"/>
+                                    </a:rPr>
+                                    <m:t>𝑒𝑥𝑝𝑡</m:t>
+                                  </m:r>
+                                </m:sub>
+                                <m:sup>
+                                  <m:r>
+                                    <a:rPr lang="en-US" altLang="zh-CN" i="1">
+                                      <a:latin typeface="Cambria Math" panose="02040503050406030204" pitchFamily="18" charset="0"/>
+                                    </a:rPr>
+                                    <m:t>′</m:t>
+                                  </m:r>
+                                </m:sup>
+                              </m:sSubSup>
+                            </m:e>
+                          </m:d>
+                        </m:e>
+                        <m:sub>
+                          <m:r>
+                            <a:rPr lang="en-US" altLang="zh-CN" b="0" i="1" smtClean="0">
+                              <a:latin typeface="Cambria Math" panose="02040503050406030204" pitchFamily="18" charset="0"/>
+                            </a:rPr>
+                            <m:t>𝑚𝑎𝑥</m:t>
+                          </m:r>
+                        </m:sub>
+                      </m:sSub>
+                    </m:oMath>
+                  </m:oMathPara>
+                </a14:m>
+                <a:endParaRPr lang="zh-CN" altLang="en-US" dirty="0"/>
+              </a:p>
+            </p:txBody>
+          </p:sp>
+        </mc:Choice>
+        <mc:Fallback xmlns="">
+          <p:sp>
+            <p:nvSpPr>
+              <p:cNvPr id="7" name="文本框 6">
+                <a:extLst>
+                  <a:ext uri="{FF2B5EF4-FFF2-40B4-BE49-F238E27FC236}">
+                    <a16:creationId xmlns:a16="http://schemas.microsoft.com/office/drawing/2014/main" id="{5B9015E6-2069-4CE9-9F33-052826B672C8}"/>
+                  </a:ext>
+                </a:extLst>
+              </p:cNvPr>
+              <p:cNvSpPr txBox="1">
+                <a:spLocks noRot="1" noChangeAspect="1" noMove="1" noResize="1" noEditPoints="1" noAdjustHandles="1" noChangeArrowheads="1" noChangeShapeType="1" noTextEdit="1"/>
+              </p:cNvSpPr>
+              <p:nvPr/>
+            </p:nvSpPr>
+            <p:spPr>
+              <a:xfrm>
+                <a:off x="9154758" y="2536973"/>
+                <a:ext cx="1459951" cy="358431"/>
+              </a:xfrm>
+              <a:prstGeom prst="rect">
+                <a:avLst/>
+              </a:prstGeom>
+              <a:blipFill>
+                <a:blip r:embed="rId6"/>
+                <a:stretch>
+                  <a:fillRect l="-1674" b="-13559"/>
+                </a:stretch>
+              </a:blipFill>
+            </p:spPr>
+            <p:txBody>
+              <a:bodyPr/>
+              <a:lstStyle/>
+              <a:p>
+                <a:r>
+                  <a:rPr lang="zh-CN" altLang="en-US">
+                    <a:noFill/>
+                  </a:rPr>
+                  <a:t> </a:t>
+                </a:r>
+              </a:p>
+            </p:txBody>
+          </p:sp>
+        </mc:Fallback>
+      </mc:AlternateContent>
+      <p:sp>
+        <p:nvSpPr>
+          <p:cNvPr id="8" name="矩形 7">
+            <a:extLst>
+              <a:ext uri="{FF2B5EF4-FFF2-40B4-BE49-F238E27FC236}">
+                <a16:creationId xmlns:a16="http://schemas.microsoft.com/office/drawing/2014/main" id="{2B1BFBA7-D861-4EF4-AF48-87D96222D5EB}"/>
+              </a:ext>
+            </a:extLst>
+          </p:cNvPr>
+          <p:cNvSpPr/>
+          <p:nvPr/>
+        </p:nvSpPr>
+        <p:spPr>
+          <a:xfrm>
+            <a:off x="1551525" y="644870"/>
+            <a:ext cx="6473679" cy="369332"/>
+          </a:xfrm>
+          <a:prstGeom prst="rect">
+            <a:avLst/>
+          </a:prstGeom>
+        </p:spPr>
+        <p:txBody>
+          <a:bodyPr wrap="square">
+            <a:spAutoFit/>
+          </a:bodyPr>
+          <a:lstStyle/>
+          <a:p>
+            <a:r>
+              <a:rPr lang="zh-CN" altLang="en-US" dirty="0"/>
+              <a:t>Legg et al 1977, Van Hove et al 1977,  </a:t>
+            </a:r>
+            <a:r>
+              <a:rPr lang="zh-CN" altLang="en-US" b="1" dirty="0"/>
+              <a:t>Zanazzi</a:t>
+            </a:r>
+            <a:r>
+              <a:rPr lang="zh-CN" altLang="en-US" dirty="0"/>
+              <a:t> and </a:t>
+            </a:r>
+            <a:r>
+              <a:rPr lang="zh-CN" altLang="en-US" b="1" dirty="0"/>
+              <a:t>Jona</a:t>
+            </a:r>
+            <a:r>
+              <a:rPr lang="zh-CN" altLang="en-US" dirty="0"/>
+              <a:t> 1977</a:t>
+            </a:r>
+          </a:p>
+        </p:txBody>
+      </p:sp>
+      <mc:AlternateContent xmlns:mc="http://schemas.openxmlformats.org/markup-compatibility/2006" xmlns:a14="http://schemas.microsoft.com/office/drawing/2010/main">
+        <mc:Choice Requires="a14">
+          <p:sp>
+            <p:nvSpPr>
+              <p:cNvPr id="9" name="文本框 8">
+                <a:extLst>
+                  <a:ext uri="{FF2B5EF4-FFF2-40B4-BE49-F238E27FC236}">
+                    <a16:creationId xmlns:a16="http://schemas.microsoft.com/office/drawing/2014/main" id="{01678ACD-8C86-42D4-889C-83E7E7661072}"/>
+                  </a:ext>
+                </a:extLst>
+              </p:cNvPr>
+              <p:cNvSpPr txBox="1"/>
+              <p:nvPr/>
+            </p:nvSpPr>
+            <p:spPr>
+              <a:xfrm>
+                <a:off x="1898872" y="2397872"/>
+                <a:ext cx="1951688" cy="641779"/>
+              </a:xfrm>
+              <a:prstGeom prst="rect">
+                <a:avLst/>
+              </a:prstGeom>
+              <a:noFill/>
+            </p:spPr>
+            <p:txBody>
+              <a:bodyPr wrap="none" lIns="0" tIns="0" rIns="0" bIns="0" rtlCol="0">
+                <a:spAutoFit/>
+              </a:bodyPr>
+              <a:lstStyle/>
+              <a:p>
+                <a:pPr/>
+                <a14:m>
+                  <m:oMathPara xmlns:m="http://schemas.openxmlformats.org/officeDocument/2006/math">
+                    <m:oMathParaPr>
+                      <m:jc m:val="centerGroup"/>
+                    </m:oMathParaPr>
+                    <m:oMath xmlns:m="http://schemas.openxmlformats.org/officeDocument/2006/math">
+                      <m:r>
+                        <a:rPr lang="en-US" altLang="zh-CN" b="0" i="1" smtClean="0">
+                          <a:latin typeface="Cambria Math" panose="02040503050406030204" pitchFamily="18" charset="0"/>
+                        </a:rPr>
+                        <m:t>𝐴</m:t>
+                      </m:r>
+                      <m:r>
+                        <a:rPr lang="en-US" altLang="zh-CN" b="0" i="1" smtClean="0">
+                          <a:latin typeface="Cambria Math" panose="02040503050406030204" pitchFamily="18" charset="0"/>
+                        </a:rPr>
+                        <m:t>=</m:t>
+                      </m:r>
+                      <m:f>
+                        <m:fPr>
+                          <m:ctrlPr>
+                            <a:rPr lang="en-US" altLang="zh-CN" b="0" i="1" smtClean="0">
+                              <a:latin typeface="Cambria Math" panose="02040503050406030204" pitchFamily="18" charset="0"/>
+                            </a:rPr>
+                          </m:ctrlPr>
+                        </m:fPr>
+                        <m:num>
+                          <m:r>
+                            <a:rPr lang="zh-CN" altLang="en-US" i="1">
+                              <a:latin typeface="Cambria Math" panose="02040503050406030204" pitchFamily="18" charset="0"/>
+                            </a:rPr>
+                            <m:t>𝛿</m:t>
+                          </m:r>
+                          <m:r>
+                            <a:rPr lang="en-US" altLang="zh-CN" i="1">
+                              <a:latin typeface="Cambria Math" panose="02040503050406030204" pitchFamily="18" charset="0"/>
+                            </a:rPr>
+                            <m:t>𝐸</m:t>
+                          </m:r>
+                        </m:num>
+                        <m:den>
+                          <m:d>
+                            <m:dPr>
+                              <m:ctrlPr>
+                                <a:rPr lang="en-US" altLang="zh-CN" b="0" i="1" smtClean="0">
+                                  <a:latin typeface="Cambria Math" panose="02040503050406030204" pitchFamily="18" charset="0"/>
+                                </a:rPr>
+                              </m:ctrlPr>
+                            </m:dPr>
+                            <m:e>
+                              <m:r>
+                                <a:rPr lang="en-US" altLang="zh-CN" b="0" i="1" smtClean="0">
+                                  <a:latin typeface="Cambria Math" panose="02040503050406030204" pitchFamily="18" charset="0"/>
+                                </a:rPr>
+                                <m:t>0.027</m:t>
+                              </m:r>
+                              <m:nary>
+                                <m:naryPr>
+                                  <m:limLoc m:val="undOvr"/>
+                                  <m:subHide m:val="on"/>
+                                  <m:supHide m:val="on"/>
+                                  <m:ctrlPr>
+                                    <a:rPr lang="en-US" altLang="zh-CN" b="0" i="1" smtClean="0">
+                                      <a:latin typeface="Cambria Math" panose="02040503050406030204" pitchFamily="18" charset="0"/>
+                                    </a:rPr>
+                                  </m:ctrlPr>
+                                </m:naryPr>
+                                <m:sub/>
+                                <m:sup/>
+                                <m:e>
+                                  <m:sSub>
+                                    <m:sSubPr>
+                                      <m:ctrlPr>
+                                        <a:rPr lang="en-US" altLang="zh-CN" b="0" i="1" smtClean="0">
+                                          <a:latin typeface="Cambria Math" panose="02040503050406030204" pitchFamily="18" charset="0"/>
+                                        </a:rPr>
+                                      </m:ctrlPr>
+                                    </m:sSubPr>
+                                    <m:e>
+                                      <m:r>
+                                        <a:rPr lang="en-US" altLang="zh-CN" b="0" i="1" smtClean="0">
+                                          <a:latin typeface="Cambria Math" panose="02040503050406030204" pitchFamily="18" charset="0"/>
+                                        </a:rPr>
+                                        <m:t>𝐼</m:t>
+                                      </m:r>
+                                    </m:e>
+                                    <m:sub>
+                                      <m:r>
+                                        <a:rPr lang="en-US" altLang="zh-CN" b="0" i="1" smtClean="0">
+                                          <a:latin typeface="Cambria Math" panose="02040503050406030204" pitchFamily="18" charset="0"/>
+                                        </a:rPr>
+                                        <m:t>𝑒𝑥𝑝𝑡</m:t>
+                                      </m:r>
+                                    </m:sub>
+                                  </m:sSub>
+                                </m:e>
+                              </m:nary>
+                            </m:e>
+                          </m:d>
+                        </m:den>
+                      </m:f>
+                    </m:oMath>
+                  </m:oMathPara>
+                </a14:m>
+                <a:endParaRPr lang="zh-CN" altLang="en-US" dirty="0"/>
+              </a:p>
+            </p:txBody>
+          </p:sp>
+        </mc:Choice>
+        <mc:Fallback xmlns="">
+          <p:sp>
+            <p:nvSpPr>
+              <p:cNvPr id="9" name="文本框 8">
+                <a:extLst>
+                  <a:ext uri="{FF2B5EF4-FFF2-40B4-BE49-F238E27FC236}">
+                    <a16:creationId xmlns:a16="http://schemas.microsoft.com/office/drawing/2014/main" id="{01678ACD-8C86-42D4-889C-83E7E7661072}"/>
+                  </a:ext>
+                </a:extLst>
+              </p:cNvPr>
+              <p:cNvSpPr txBox="1">
+                <a:spLocks noRot="1" noChangeAspect="1" noMove="1" noResize="1" noEditPoints="1" noAdjustHandles="1" noChangeArrowheads="1" noChangeShapeType="1" noTextEdit="1"/>
+              </p:cNvSpPr>
+              <p:nvPr/>
+            </p:nvSpPr>
+            <p:spPr>
+              <a:xfrm>
+                <a:off x="1898872" y="2397872"/>
+                <a:ext cx="1951688" cy="641779"/>
+              </a:xfrm>
+              <a:prstGeom prst="rect">
+                <a:avLst/>
+              </a:prstGeom>
+              <a:blipFill>
+                <a:blip r:embed="rId7"/>
+                <a:stretch>
+                  <a:fillRect/>
+                </a:stretch>
+              </a:blipFill>
+            </p:spPr>
+            <p:txBody>
+              <a:bodyPr/>
+              <a:lstStyle/>
+              <a:p>
+                <a:r>
+                  <a:rPr lang="zh-CN" altLang="en-US">
+                    <a:noFill/>
+                  </a:rPr>
+                  <a:t> </a:t>
+                </a:r>
+              </a:p>
+            </p:txBody>
+          </p:sp>
+        </mc:Fallback>
+      </mc:AlternateContent>
+      <p:sp>
+        <p:nvSpPr>
+          <p:cNvPr id="10" name="矩形 9">
+            <a:extLst>
+              <a:ext uri="{FF2B5EF4-FFF2-40B4-BE49-F238E27FC236}">
+                <a16:creationId xmlns:a16="http://schemas.microsoft.com/office/drawing/2014/main" id="{F8A8EB29-788A-4100-BF5B-1CD6440F59BE}"/>
+              </a:ext>
+            </a:extLst>
+          </p:cNvPr>
+          <p:cNvSpPr/>
+          <p:nvPr/>
+        </p:nvSpPr>
+        <p:spPr>
+          <a:xfrm>
+            <a:off x="76339" y="3617405"/>
+            <a:ext cx="4628190" cy="369332"/>
+          </a:xfrm>
+          <a:prstGeom prst="rect">
+            <a:avLst/>
+          </a:prstGeom>
+        </p:spPr>
+        <p:txBody>
+          <a:bodyPr wrap="none">
+            <a:spAutoFit/>
+          </a:bodyPr>
+          <a:lstStyle/>
+          <a:p>
+            <a:r>
+              <a:rPr lang="zh-CN" altLang="en-US" dirty="0"/>
+              <a:t>According to </a:t>
+            </a:r>
+            <a:r>
+              <a:rPr lang="zh-CN" altLang="en-US" b="1" dirty="0"/>
+              <a:t>Zanazzi</a:t>
+            </a:r>
+            <a:r>
+              <a:rPr lang="zh-CN" altLang="en-US" dirty="0"/>
+              <a:t> and </a:t>
+            </a:r>
+            <a:r>
+              <a:rPr lang="zh-CN" altLang="en-US" b="1" dirty="0"/>
+              <a:t>Jona</a:t>
+            </a:r>
+            <a:r>
+              <a:rPr lang="en-US" altLang="zh-CN" dirty="0"/>
+              <a:t>’s experience:</a:t>
+            </a:r>
+            <a:endParaRPr lang="zh-CN" altLang="en-US" dirty="0"/>
+          </a:p>
+        </p:txBody>
+      </p:sp>
+      <mc:AlternateContent xmlns:mc="http://schemas.openxmlformats.org/markup-compatibility/2006" xmlns:a14="http://schemas.microsoft.com/office/drawing/2010/main">
+        <mc:Choice Requires="a14">
+          <p:sp>
+            <p:nvSpPr>
+              <p:cNvPr id="11" name="文本框 10">
+                <a:extLst>
+                  <a:ext uri="{FF2B5EF4-FFF2-40B4-BE49-F238E27FC236}">
+                    <a16:creationId xmlns:a16="http://schemas.microsoft.com/office/drawing/2014/main" id="{1E023FCB-4CD3-4207-B0FB-F5D552136035}"/>
+                  </a:ext>
+                </a:extLst>
+              </p:cNvPr>
+              <p:cNvSpPr txBox="1"/>
+              <p:nvPr/>
+            </p:nvSpPr>
+            <p:spPr>
+              <a:xfrm>
+                <a:off x="4332113" y="4413710"/>
+                <a:ext cx="822661" cy="276999"/>
+              </a:xfrm>
+              <a:prstGeom prst="rect">
+                <a:avLst/>
+              </a:prstGeom>
+              <a:noFill/>
+            </p:spPr>
+            <p:txBody>
+              <a:bodyPr wrap="none" lIns="0" tIns="0" rIns="0" bIns="0" rtlCol="0">
+                <a:spAutoFit/>
+              </a:bodyPr>
+              <a:lstStyle/>
+              <a:p>
+                <a:pPr/>
+                <a14:m>
+                  <m:oMathPara xmlns:m="http://schemas.openxmlformats.org/officeDocument/2006/math">
+                    <m:oMathParaPr>
+                      <m:jc m:val="centerGroup"/>
+                    </m:oMathParaPr>
+                    <m:oMath xmlns:m="http://schemas.openxmlformats.org/officeDocument/2006/math">
+                      <m:r>
+                        <a:rPr lang="en-US" altLang="zh-CN" b="0" i="1" smtClean="0">
+                          <a:latin typeface="Cambria Math" panose="02040503050406030204" pitchFamily="18" charset="0"/>
+                        </a:rPr>
+                        <m:t>𝑅</m:t>
+                      </m:r>
+                      <m:r>
+                        <a:rPr lang="en-US" altLang="zh-CN" b="0" i="1" smtClean="0">
+                          <a:latin typeface="Cambria Math" panose="02040503050406030204" pitchFamily="18" charset="0"/>
+                        </a:rPr>
+                        <m:t>=0.2</m:t>
+                      </m:r>
+                    </m:oMath>
+                  </m:oMathPara>
+                </a14:m>
+                <a:endParaRPr lang="zh-CN" altLang="en-US" dirty="0"/>
+              </a:p>
+            </p:txBody>
+          </p:sp>
+        </mc:Choice>
+        <mc:Fallback xmlns="">
+          <p:sp>
+            <p:nvSpPr>
+              <p:cNvPr id="11" name="文本框 10">
+                <a:extLst>
+                  <a:ext uri="{FF2B5EF4-FFF2-40B4-BE49-F238E27FC236}">
+                    <a16:creationId xmlns:a16="http://schemas.microsoft.com/office/drawing/2014/main" id="{1E023FCB-4CD3-4207-B0FB-F5D552136035}"/>
+                  </a:ext>
+                </a:extLst>
+              </p:cNvPr>
+              <p:cNvSpPr txBox="1">
+                <a:spLocks noRot="1" noChangeAspect="1" noMove="1" noResize="1" noEditPoints="1" noAdjustHandles="1" noChangeArrowheads="1" noChangeShapeType="1" noTextEdit="1"/>
+              </p:cNvSpPr>
+              <p:nvPr/>
+            </p:nvSpPr>
+            <p:spPr>
+              <a:xfrm>
+                <a:off x="4332113" y="4413710"/>
+                <a:ext cx="822661" cy="276999"/>
+              </a:xfrm>
+              <a:prstGeom prst="rect">
+                <a:avLst/>
+              </a:prstGeom>
+              <a:blipFill>
+                <a:blip r:embed="rId8"/>
+                <a:stretch>
+                  <a:fillRect l="-5926" r="-5926" b="-8889"/>
+                </a:stretch>
+              </a:blipFill>
+            </p:spPr>
+            <p:txBody>
+              <a:bodyPr/>
+              <a:lstStyle/>
+              <a:p>
+                <a:r>
+                  <a:rPr lang="zh-CN" altLang="en-US">
+                    <a:noFill/>
+                  </a:rPr>
+                  <a:t> </a:t>
+                </a:r>
+              </a:p>
+            </p:txBody>
+          </p:sp>
+        </mc:Fallback>
+      </mc:AlternateContent>
+      <mc:AlternateContent xmlns:mc="http://schemas.openxmlformats.org/markup-compatibility/2006" xmlns:a14="http://schemas.microsoft.com/office/drawing/2010/main">
+        <mc:Choice Requires="a14">
+          <p:sp>
+            <p:nvSpPr>
+              <p:cNvPr id="13" name="文本框 12">
+                <a:extLst>
+                  <a:ext uri="{FF2B5EF4-FFF2-40B4-BE49-F238E27FC236}">
+                    <a16:creationId xmlns:a16="http://schemas.microsoft.com/office/drawing/2014/main" id="{2C79C998-1D4A-4A3B-A64E-879D50AB7F9F}"/>
+                  </a:ext>
+                </a:extLst>
+              </p:cNvPr>
+              <p:cNvSpPr txBox="1"/>
+              <p:nvPr/>
+            </p:nvSpPr>
+            <p:spPr>
+              <a:xfrm>
+                <a:off x="4267993" y="5004777"/>
+                <a:ext cx="950901" cy="276999"/>
+              </a:xfrm>
+              <a:prstGeom prst="rect">
+                <a:avLst/>
+              </a:prstGeom>
+              <a:noFill/>
+            </p:spPr>
+            <p:txBody>
+              <a:bodyPr wrap="none" lIns="0" tIns="0" rIns="0" bIns="0" rtlCol="0">
+                <a:spAutoFit/>
+              </a:bodyPr>
+              <a:lstStyle/>
+              <a:p>
+                <a:pPr/>
+                <a14:m>
+                  <m:oMathPara xmlns:m="http://schemas.openxmlformats.org/officeDocument/2006/math">
+                    <m:oMathParaPr>
+                      <m:jc m:val="centerGroup"/>
+                    </m:oMathParaPr>
+                    <m:oMath xmlns:m="http://schemas.openxmlformats.org/officeDocument/2006/math">
+                      <m:r>
+                        <a:rPr lang="en-US" altLang="zh-CN" b="0" i="1" smtClean="0">
+                          <a:latin typeface="Cambria Math" panose="02040503050406030204" pitchFamily="18" charset="0"/>
+                        </a:rPr>
+                        <m:t>𝑅</m:t>
+                      </m:r>
+                      <m:r>
+                        <a:rPr lang="en-US" altLang="zh-CN" b="0" i="1" smtClean="0">
+                          <a:latin typeface="Cambria Math" panose="02040503050406030204" pitchFamily="18" charset="0"/>
+                        </a:rPr>
+                        <m:t>=0.35</m:t>
+                      </m:r>
+                    </m:oMath>
+                  </m:oMathPara>
+                </a14:m>
+                <a:endParaRPr lang="zh-CN" altLang="en-US" dirty="0"/>
+              </a:p>
+            </p:txBody>
+          </p:sp>
+        </mc:Choice>
+        <mc:Fallback xmlns="">
+          <p:sp>
+            <p:nvSpPr>
+              <p:cNvPr id="13" name="文本框 12">
+                <a:extLst>
+                  <a:ext uri="{FF2B5EF4-FFF2-40B4-BE49-F238E27FC236}">
+                    <a16:creationId xmlns:a16="http://schemas.microsoft.com/office/drawing/2014/main" id="{2C79C998-1D4A-4A3B-A64E-879D50AB7F9F}"/>
+                  </a:ext>
+                </a:extLst>
+              </p:cNvPr>
+              <p:cNvSpPr txBox="1">
+                <a:spLocks noRot="1" noChangeAspect="1" noMove="1" noResize="1" noEditPoints="1" noAdjustHandles="1" noChangeArrowheads="1" noChangeShapeType="1" noTextEdit="1"/>
+              </p:cNvSpPr>
+              <p:nvPr/>
+            </p:nvSpPr>
+            <p:spPr>
+              <a:xfrm>
+                <a:off x="4267993" y="5004777"/>
+                <a:ext cx="950901" cy="276999"/>
+              </a:xfrm>
+              <a:prstGeom prst="rect">
+                <a:avLst/>
+              </a:prstGeom>
+              <a:blipFill>
+                <a:blip r:embed="rId9"/>
+                <a:stretch>
+                  <a:fillRect l="-4487" r="-5769" b="-8889"/>
+                </a:stretch>
+              </a:blipFill>
+            </p:spPr>
+            <p:txBody>
+              <a:bodyPr/>
+              <a:lstStyle/>
+              <a:p>
+                <a:r>
+                  <a:rPr lang="zh-CN" altLang="en-US">
+                    <a:noFill/>
+                  </a:rPr>
+                  <a:t> </a:t>
+                </a:r>
+              </a:p>
+            </p:txBody>
+          </p:sp>
+        </mc:Fallback>
+      </mc:AlternateContent>
+      <mc:AlternateContent xmlns:mc="http://schemas.openxmlformats.org/markup-compatibility/2006" xmlns:a14="http://schemas.microsoft.com/office/drawing/2010/main">
+        <mc:Choice Requires="a14">
+          <p:sp>
+            <p:nvSpPr>
+              <p:cNvPr id="14" name="文本框 13">
+                <a:extLst>
+                  <a:ext uri="{FF2B5EF4-FFF2-40B4-BE49-F238E27FC236}">
+                    <a16:creationId xmlns:a16="http://schemas.microsoft.com/office/drawing/2014/main" id="{2F961019-B06C-471D-82C7-FB5CAD105A58}"/>
+                  </a:ext>
+                </a:extLst>
+              </p:cNvPr>
+              <p:cNvSpPr txBox="1"/>
+              <p:nvPr/>
+            </p:nvSpPr>
+            <p:spPr>
+              <a:xfrm>
+                <a:off x="4332113" y="5595844"/>
+                <a:ext cx="822661" cy="276999"/>
+              </a:xfrm>
+              <a:prstGeom prst="rect">
+                <a:avLst/>
+              </a:prstGeom>
+              <a:noFill/>
+            </p:spPr>
+            <p:txBody>
+              <a:bodyPr wrap="none" lIns="0" tIns="0" rIns="0" bIns="0" rtlCol="0">
+                <a:spAutoFit/>
+              </a:bodyPr>
+              <a:lstStyle/>
+              <a:p>
+                <a:pPr/>
+                <a14:m>
+                  <m:oMathPara xmlns:m="http://schemas.openxmlformats.org/officeDocument/2006/math">
+                    <m:oMathParaPr>
+                      <m:jc m:val="centerGroup"/>
+                    </m:oMathParaPr>
+                    <m:oMath xmlns:m="http://schemas.openxmlformats.org/officeDocument/2006/math">
+                      <m:r>
+                        <a:rPr lang="en-US" altLang="zh-CN" b="0" i="1" smtClean="0">
+                          <a:latin typeface="Cambria Math" panose="02040503050406030204" pitchFamily="18" charset="0"/>
+                        </a:rPr>
+                        <m:t>𝑅</m:t>
+                      </m:r>
+                      <m:r>
+                        <a:rPr lang="en-US" altLang="zh-CN" b="0" i="1" smtClean="0">
+                          <a:latin typeface="Cambria Math" panose="02040503050406030204" pitchFamily="18" charset="0"/>
+                        </a:rPr>
+                        <m:t>=0.5</m:t>
+                      </m:r>
+                    </m:oMath>
+                  </m:oMathPara>
+                </a14:m>
+                <a:endParaRPr lang="zh-CN" altLang="en-US" dirty="0"/>
+              </a:p>
+            </p:txBody>
+          </p:sp>
+        </mc:Choice>
+        <mc:Fallback xmlns="">
+          <p:sp>
+            <p:nvSpPr>
+              <p:cNvPr id="14" name="文本框 13">
+                <a:extLst>
+                  <a:ext uri="{FF2B5EF4-FFF2-40B4-BE49-F238E27FC236}">
+                    <a16:creationId xmlns:a16="http://schemas.microsoft.com/office/drawing/2014/main" id="{2F961019-B06C-471D-82C7-FB5CAD105A58}"/>
+                  </a:ext>
+                </a:extLst>
+              </p:cNvPr>
+              <p:cNvSpPr txBox="1">
+                <a:spLocks noRot="1" noChangeAspect="1" noMove="1" noResize="1" noEditPoints="1" noAdjustHandles="1" noChangeArrowheads="1" noChangeShapeType="1" noTextEdit="1"/>
+              </p:cNvSpPr>
+              <p:nvPr/>
+            </p:nvSpPr>
+            <p:spPr>
+              <a:xfrm>
+                <a:off x="4332113" y="5595844"/>
+                <a:ext cx="822661" cy="276999"/>
+              </a:xfrm>
+              <a:prstGeom prst="rect">
+                <a:avLst/>
+              </a:prstGeom>
+              <a:blipFill>
+                <a:blip r:embed="rId10"/>
+                <a:stretch>
+                  <a:fillRect l="-5926" r="-6667" b="-8889"/>
+                </a:stretch>
+              </a:blipFill>
+            </p:spPr>
+            <p:txBody>
+              <a:bodyPr/>
+              <a:lstStyle/>
+              <a:p>
+                <a:r>
+                  <a:rPr lang="zh-CN" altLang="en-US">
+                    <a:noFill/>
+                  </a:rPr>
+                  <a:t> </a:t>
+                </a:r>
+              </a:p>
+            </p:txBody>
+          </p:sp>
+        </mc:Fallback>
+      </mc:AlternateContent>
+      <p:sp>
+        <p:nvSpPr>
+          <p:cNvPr id="12" name="矩形 11">
+            <a:extLst>
+              <a:ext uri="{FF2B5EF4-FFF2-40B4-BE49-F238E27FC236}">
+                <a16:creationId xmlns:a16="http://schemas.microsoft.com/office/drawing/2014/main" id="{AEDC286A-6107-494B-854F-085B8593B5B1}"/>
+              </a:ext>
+            </a:extLst>
+          </p:cNvPr>
+          <p:cNvSpPr/>
+          <p:nvPr/>
+        </p:nvSpPr>
+        <p:spPr>
+          <a:xfrm>
+            <a:off x="5992008" y="4367543"/>
+            <a:ext cx="1879041" cy="369332"/>
+          </a:xfrm>
+          <a:prstGeom prst="rect">
+            <a:avLst/>
+          </a:prstGeom>
+        </p:spPr>
+        <p:txBody>
+          <a:bodyPr wrap="none">
+            <a:spAutoFit/>
+          </a:bodyPr>
+          <a:lstStyle/>
+          <a:p>
+            <a:r>
+              <a:rPr lang="zh-CN" altLang="en-US" dirty="0"/>
+              <a:t>Good agreement</a:t>
+            </a:r>
+          </a:p>
+        </p:txBody>
+      </p:sp>
+      <p:sp>
+        <p:nvSpPr>
+          <p:cNvPr id="15" name="矩形 14">
+            <a:extLst>
+              <a:ext uri="{FF2B5EF4-FFF2-40B4-BE49-F238E27FC236}">
+                <a16:creationId xmlns:a16="http://schemas.microsoft.com/office/drawing/2014/main" id="{4B7D5987-6819-40E7-8187-FB7A85910479}"/>
+              </a:ext>
+            </a:extLst>
+          </p:cNvPr>
+          <p:cNvSpPr/>
+          <p:nvPr/>
+        </p:nvSpPr>
+        <p:spPr>
+          <a:xfrm>
+            <a:off x="6343315" y="4958610"/>
+            <a:ext cx="1122423" cy="369332"/>
+          </a:xfrm>
+          <a:prstGeom prst="rect">
+            <a:avLst/>
+          </a:prstGeom>
+        </p:spPr>
+        <p:txBody>
+          <a:bodyPr wrap="none">
+            <a:spAutoFit/>
+          </a:bodyPr>
+          <a:lstStyle/>
+          <a:p>
+            <a:r>
+              <a:rPr lang="zh-CN" altLang="en-US" dirty="0"/>
+              <a:t>Mediocre</a:t>
+            </a:r>
+          </a:p>
+        </p:txBody>
+      </p:sp>
+      <p:sp>
+        <p:nvSpPr>
+          <p:cNvPr id="16" name="矩形 15">
+            <a:extLst>
+              <a:ext uri="{FF2B5EF4-FFF2-40B4-BE49-F238E27FC236}">
+                <a16:creationId xmlns:a16="http://schemas.microsoft.com/office/drawing/2014/main" id="{CA1615A3-FE81-4102-B6FE-1351C6FAD985}"/>
+              </a:ext>
+            </a:extLst>
+          </p:cNvPr>
+          <p:cNvSpPr/>
+          <p:nvPr/>
+        </p:nvSpPr>
+        <p:spPr>
+          <a:xfrm>
+            <a:off x="6138330" y="5549677"/>
+            <a:ext cx="1701107" cy="369332"/>
+          </a:xfrm>
+          <a:prstGeom prst="rect">
+            <a:avLst/>
+          </a:prstGeom>
+        </p:spPr>
+        <p:txBody>
+          <a:bodyPr wrap="none">
+            <a:spAutoFit/>
+          </a:bodyPr>
+          <a:lstStyle/>
+          <a:p>
+            <a:r>
+              <a:rPr lang="zh-CN" altLang="en-US" dirty="0"/>
+              <a:t>Bad agreement</a:t>
+            </a:r>
+          </a:p>
+        </p:txBody>
+      </p:sp>
+      <p:sp>
+        <p:nvSpPr>
+          <p:cNvPr id="18" name="文本框 17">
+            <a:extLst>
+              <a:ext uri="{FF2B5EF4-FFF2-40B4-BE49-F238E27FC236}">
+                <a16:creationId xmlns:a16="http://schemas.microsoft.com/office/drawing/2014/main" id="{5966EFC3-CBA1-47C7-806F-19C8B477E708}"/>
+              </a:ext>
+            </a:extLst>
+          </p:cNvPr>
+          <p:cNvSpPr txBox="1"/>
+          <p:nvPr/>
+        </p:nvSpPr>
+        <p:spPr>
+          <a:xfrm>
+            <a:off x="1695450" y="0"/>
+            <a:ext cx="2212465" cy="523220"/>
+          </a:xfrm>
+          <a:prstGeom prst="rect">
+            <a:avLst/>
+          </a:prstGeom>
+          <a:noFill/>
+        </p:spPr>
+        <p:txBody>
+          <a:bodyPr wrap="none" rtlCol="0">
+            <a:spAutoFit/>
+          </a:bodyPr>
+          <a:lstStyle/>
+          <a:p>
+            <a:r>
+              <a:rPr lang="en-US" altLang="zh-CN" sz="2800" dirty="0"/>
+              <a:t>4.4.1 I-V</a:t>
+            </a:r>
+            <a:r>
+              <a:rPr lang="zh-CN" altLang="en-US" sz="2800" dirty="0"/>
+              <a:t>曲线</a:t>
+            </a:r>
+          </a:p>
+        </p:txBody>
+      </p:sp>
+    </p:spTree>
+    <p:extLst>
+      <p:ext uri="{BB962C8B-B14F-4D97-AF65-F5344CB8AC3E}">
+        <p14:creationId xmlns:p14="http://schemas.microsoft.com/office/powerpoint/2010/main" val="3805322198"/>
+      </p:ext>
+    </p:extLst>
+  </p:cSld>
+  <p:clrMapOvr>
+    <a:masterClrMapping/>
+  </p:clrMapOvr>
+</p:sld>
+</file>
+
+<file path=ppt/slides/slide44.xml><?xml version="1.0" encoding="utf-8"?>
+<p:sld xmlns:a="http://schemas.openxmlformats.org/drawingml/2006/main" xmlns:r="http://schemas.openxmlformats.org/officeDocument/2006/relationships" xmlns:p="http://schemas.openxmlformats.org/presentationml/2006/main">
+  <p:cSld>
+    <p:spTree>
+      <p:nvGrpSpPr>
+        <p:cNvPr id="1" name=""/>
+        <p:cNvGrpSpPr/>
+        <p:nvPr/>
+      </p:nvGrpSpPr>
+      <p:grpSpPr>
+        <a:xfrm>
+          <a:off x="0" y="0"/>
+          <a:ext cx="0" cy="0"/>
+          <a:chOff x="0" y="0"/>
+          <a:chExt cx="0" cy="0"/>
+        </a:xfrm>
+      </p:grpSpPr>
+      <p:pic>
+        <p:nvPicPr>
+          <p:cNvPr id="2" name="图片 1">
+            <a:extLst>
+              <a:ext uri="{FF2B5EF4-FFF2-40B4-BE49-F238E27FC236}">
+                <a16:creationId xmlns:a16="http://schemas.microsoft.com/office/drawing/2014/main" id="{EC47FA6D-1209-483E-B25C-B23841D36F36}"/>
+              </a:ext>
+            </a:extLst>
+          </p:cNvPr>
+          <p:cNvPicPr>
+            <a:picLocks noChangeAspect="1"/>
+          </p:cNvPicPr>
+          <p:nvPr/>
+        </p:nvPicPr>
+        <p:blipFill>
+          <a:blip r:embed="rId2">
+            <a:extLst>
+              <a:ext uri="{28A0092B-C50C-407E-A947-70E740481C1C}">
+                <a14:useLocalDpi xmlns:a14="http://schemas.microsoft.com/office/drawing/2010/main" val="0"/>
+              </a:ext>
+            </a:extLst>
+          </a:blip>
+          <a:stretch>
+            <a:fillRect/>
+          </a:stretch>
+        </p:blipFill>
+        <p:spPr>
+          <a:xfrm>
+            <a:off x="0" y="0"/>
+            <a:ext cx="1695450" cy="1190624"/>
+          </a:xfrm>
+          <a:prstGeom prst="rect">
+            <a:avLst/>
+          </a:prstGeom>
+        </p:spPr>
+      </p:pic>
+      <mc:AlternateContent xmlns:mc="http://schemas.openxmlformats.org/markup-compatibility/2006">
+        <mc:Choice xmlns:a14="http://schemas.microsoft.com/office/drawing/2010/main" Requires="a14">
+          <p:sp>
+            <p:nvSpPr>
+              <p:cNvPr id="3" name="矩形 2">
+                <a:extLst>
+                  <a:ext uri="{FF2B5EF4-FFF2-40B4-BE49-F238E27FC236}">
+                    <a16:creationId xmlns:a16="http://schemas.microsoft.com/office/drawing/2014/main" id="{7ECEDBC2-6E13-43F9-915E-D60FC6401962}"/>
+                  </a:ext>
+                </a:extLst>
+              </p:cNvPr>
+              <p:cNvSpPr/>
+              <p:nvPr/>
+            </p:nvSpPr>
+            <p:spPr>
+              <a:xfrm>
+                <a:off x="1551525" y="695288"/>
+                <a:ext cx="10479365" cy="369332"/>
+              </a:xfrm>
+              <a:prstGeom prst="rect">
+                <a:avLst/>
+              </a:prstGeom>
+            </p:spPr>
+            <p:txBody>
+              <a:bodyPr wrap="square">
+                <a:spAutoFit/>
+              </a:bodyPr>
+              <a:lstStyle/>
+              <a:p>
+                <a:r>
+                  <a:rPr lang="zh-CN" altLang="en-US" dirty="0"/>
+                  <a:t>理论主要包括三个阶段，最简单的阶段是处理最小的置换。第j个原子的置换是通过改变表面电势</a:t>
+                </a:r>
+                <a14:m>
+                  <m:oMath xmlns:m="http://schemas.openxmlformats.org/officeDocument/2006/math">
+                    <m:r>
+                      <a:rPr lang="zh-CN" altLang="en-US" i="1" smtClean="0">
+                        <a:latin typeface="Cambria Math" panose="02040503050406030204" pitchFamily="18" charset="0"/>
+                      </a:rPr>
+                      <m:t>𝛿</m:t>
+                    </m:r>
+                    <m:r>
+                      <a:rPr lang="en-US" altLang="zh-CN" b="0" i="1" smtClean="0">
+                        <a:latin typeface="Cambria Math" panose="02040503050406030204" pitchFamily="18" charset="0"/>
+                      </a:rPr>
+                      <m:t>𝑟</m:t>
+                    </m:r>
+                  </m:oMath>
+                </a14:m>
+                <a:endParaRPr lang="zh-CN" altLang="en-US" dirty="0"/>
+              </a:p>
+            </p:txBody>
+          </p:sp>
+        </mc:Choice>
+        <mc:Fallback>
+          <p:sp>
+            <p:nvSpPr>
+              <p:cNvPr id="3" name="矩形 2">
+                <a:extLst>
+                  <a:ext uri="{FF2B5EF4-FFF2-40B4-BE49-F238E27FC236}">
+                    <a16:creationId xmlns:a16="http://schemas.microsoft.com/office/drawing/2014/main" id="{7ECEDBC2-6E13-43F9-915E-D60FC6401962}"/>
+                  </a:ext>
+                </a:extLst>
+              </p:cNvPr>
+              <p:cNvSpPr>
+                <a:spLocks noRot="1" noChangeAspect="1" noMove="1" noResize="1" noEditPoints="1" noAdjustHandles="1" noChangeArrowheads="1" noChangeShapeType="1" noTextEdit="1"/>
+              </p:cNvSpPr>
+              <p:nvPr/>
+            </p:nvSpPr>
+            <p:spPr>
+              <a:xfrm>
+                <a:off x="1551525" y="695288"/>
+                <a:ext cx="10479365" cy="369332"/>
+              </a:xfrm>
+              <a:prstGeom prst="rect">
+                <a:avLst/>
+              </a:prstGeom>
+              <a:blipFill>
+                <a:blip r:embed="rId3"/>
+                <a:stretch>
+                  <a:fillRect l="-524" t="-8197" b="-24590"/>
+                </a:stretch>
+              </a:blipFill>
+            </p:spPr>
+            <p:txBody>
+              <a:bodyPr/>
+              <a:lstStyle/>
+              <a:p>
+                <a:r>
+                  <a:rPr lang="zh-CN" altLang="en-US">
+                    <a:noFill/>
+                  </a:rPr>
+                  <a:t> </a:t>
+                </a:r>
+              </a:p>
+            </p:txBody>
+          </p:sp>
+        </mc:Fallback>
+      </mc:AlternateContent>
+      <p:pic>
+        <p:nvPicPr>
+          <p:cNvPr id="4" name="图片 3">
+            <a:extLst>
+              <a:ext uri="{FF2B5EF4-FFF2-40B4-BE49-F238E27FC236}">
+                <a16:creationId xmlns:a16="http://schemas.microsoft.com/office/drawing/2014/main" id="{C55676DD-F069-4623-B9E5-2A8D723B9897}"/>
+              </a:ext>
+            </a:extLst>
+          </p:cNvPr>
+          <p:cNvPicPr>
+            <a:picLocks noChangeAspect="1"/>
+          </p:cNvPicPr>
+          <p:nvPr/>
+        </p:nvPicPr>
+        <p:blipFill>
+          <a:blip r:embed="rId4"/>
+          <a:stretch>
+            <a:fillRect/>
+          </a:stretch>
+        </p:blipFill>
+        <p:spPr>
+          <a:xfrm>
+            <a:off x="4629150" y="1150654"/>
+            <a:ext cx="2933700" cy="447675"/>
+          </a:xfrm>
+          <a:prstGeom prst="rect">
+            <a:avLst/>
+          </a:prstGeom>
+        </p:spPr>
+      </p:pic>
+      <p:grpSp>
+        <p:nvGrpSpPr>
+          <p:cNvPr id="8" name="组合 7">
+            <a:extLst>
+              <a:ext uri="{FF2B5EF4-FFF2-40B4-BE49-F238E27FC236}">
+                <a16:creationId xmlns:a16="http://schemas.microsoft.com/office/drawing/2014/main" id="{D4A5C47B-69A0-44C7-B842-8D72DE5A6704}"/>
+              </a:ext>
+            </a:extLst>
+          </p:cNvPr>
+          <p:cNvGrpSpPr/>
+          <p:nvPr/>
+        </p:nvGrpSpPr>
+        <p:grpSpPr>
+          <a:xfrm>
+            <a:off x="1551525" y="1606612"/>
+            <a:ext cx="10152937" cy="373992"/>
+            <a:chOff x="271223" y="1597257"/>
+            <a:chExt cx="10832439" cy="373992"/>
+          </a:xfrm>
+        </p:grpSpPr>
+        <p:sp>
+          <p:nvSpPr>
+            <p:cNvPr id="5" name="矩形 4">
+              <a:extLst>
+                <a:ext uri="{FF2B5EF4-FFF2-40B4-BE49-F238E27FC236}">
+                  <a16:creationId xmlns:a16="http://schemas.microsoft.com/office/drawing/2014/main" id="{3F4E5AC1-7F3B-45FD-9ED5-89A8294F8508}"/>
+                </a:ext>
+              </a:extLst>
+            </p:cNvPr>
+            <p:cNvSpPr/>
+            <p:nvPr/>
+          </p:nvSpPr>
+          <p:spPr>
+            <a:xfrm>
+              <a:off x="1695450" y="1601917"/>
+              <a:ext cx="9408212" cy="369332"/>
+            </a:xfrm>
+            <a:prstGeom prst="rect">
+              <a:avLst/>
+            </a:prstGeom>
+          </p:spPr>
+          <p:txBody>
+            <a:bodyPr wrap="square">
+              <a:spAutoFit/>
+            </a:bodyPr>
+            <a:lstStyle/>
+            <a:p>
+              <a:r>
+                <a:rPr lang="zh-CN" altLang="en-US" dirty="0"/>
+                <a:t>成为由平行于表面的入射电子束的能量E和动量K</a:t>
+              </a:r>
+              <a:r>
+                <a:rPr lang="en-US" altLang="zh-CN" baseline="-25000" dirty="0"/>
+                <a:t>||</a:t>
+              </a:r>
+              <a:r>
+                <a:rPr lang="zh-CN" altLang="en-US" dirty="0"/>
+                <a:t>所产生的未失真系统的LEED的状态值</a:t>
+              </a:r>
+            </a:p>
+          </p:txBody>
+        </p:sp>
+        <p:pic>
+          <p:nvPicPr>
+            <p:cNvPr id="6" name="图片 5">
+              <a:extLst>
+                <a:ext uri="{FF2B5EF4-FFF2-40B4-BE49-F238E27FC236}">
+                  <a16:creationId xmlns:a16="http://schemas.microsoft.com/office/drawing/2014/main" id="{AF6D9395-9533-430F-8838-043D1002E108}"/>
+                </a:ext>
+              </a:extLst>
+            </p:cNvPr>
+            <p:cNvPicPr>
+              <a:picLocks noChangeAspect="1"/>
+            </p:cNvPicPr>
+            <p:nvPr/>
+          </p:nvPicPr>
+          <p:blipFill>
+            <a:blip r:embed="rId5"/>
+            <a:stretch>
+              <a:fillRect/>
+            </a:stretch>
+          </p:blipFill>
+          <p:spPr>
+            <a:xfrm>
+              <a:off x="627802" y="1597257"/>
+              <a:ext cx="1171575" cy="371475"/>
+            </a:xfrm>
+            <a:prstGeom prst="rect">
+              <a:avLst/>
+            </a:prstGeom>
+          </p:spPr>
+        </p:pic>
+        <p:sp>
+          <p:nvSpPr>
+            <p:cNvPr id="7" name="矩形 6">
+              <a:extLst>
+                <a:ext uri="{FF2B5EF4-FFF2-40B4-BE49-F238E27FC236}">
+                  <a16:creationId xmlns:a16="http://schemas.microsoft.com/office/drawing/2014/main" id="{1D0DC300-142A-4E9A-8F58-692737B9D247}"/>
+                </a:ext>
+              </a:extLst>
+            </p:cNvPr>
+            <p:cNvSpPr/>
+            <p:nvPr/>
+          </p:nvSpPr>
+          <p:spPr>
+            <a:xfrm>
+              <a:off x="271223" y="1598329"/>
+              <a:ext cx="415498" cy="369332"/>
+            </a:xfrm>
+            <a:prstGeom prst="rect">
+              <a:avLst/>
+            </a:prstGeom>
+          </p:spPr>
+          <p:txBody>
+            <a:bodyPr wrap="none">
+              <a:spAutoFit/>
+            </a:bodyPr>
+            <a:lstStyle/>
+            <a:p>
+              <a:r>
+                <a:rPr lang="zh-CN" altLang="en-US" dirty="0"/>
+                <a:t>让</a:t>
+              </a:r>
+            </a:p>
+          </p:txBody>
+        </p:sp>
+      </p:grpSp>
+      <p:sp>
+        <p:nvSpPr>
+          <p:cNvPr id="9" name="矩形 8">
+            <a:extLst>
+              <a:ext uri="{FF2B5EF4-FFF2-40B4-BE49-F238E27FC236}">
+                <a16:creationId xmlns:a16="http://schemas.microsoft.com/office/drawing/2014/main" id="{4935807C-58D3-4E96-BBD7-F0C3DFFCD0DC}"/>
+              </a:ext>
+            </a:extLst>
+          </p:cNvPr>
+          <p:cNvSpPr/>
+          <p:nvPr/>
+        </p:nvSpPr>
+        <p:spPr>
+          <a:xfrm>
+            <a:off x="1551525" y="2024744"/>
+            <a:ext cx="6945086" cy="369332"/>
+          </a:xfrm>
+          <a:prstGeom prst="rect">
+            <a:avLst/>
+          </a:prstGeom>
+        </p:spPr>
+        <p:txBody>
+          <a:bodyPr wrap="square">
+            <a:spAutoFit/>
+          </a:bodyPr>
+          <a:lstStyle/>
+          <a:p>
+            <a:r>
+              <a:rPr lang="zh-CN" altLang="en-US" dirty="0"/>
+              <a:t>失真会改变电子束能量E和动量</a:t>
+            </a:r>
+            <a:r>
+              <a:rPr lang="en-US" altLang="zh-CN" dirty="0"/>
+              <a:t>K’</a:t>
+            </a:r>
+            <a:r>
+              <a:rPr lang="en-US" altLang="zh-CN" baseline="-25000" dirty="0"/>
+              <a:t>||</a:t>
+            </a:r>
+            <a:r>
+              <a:rPr lang="zh-CN" altLang="en-US" dirty="0"/>
+              <a:t>散射波的幅值，幅值的变化量为：</a:t>
+            </a:r>
+          </a:p>
+        </p:txBody>
+      </p:sp>
+      <p:pic>
+        <p:nvPicPr>
+          <p:cNvPr id="10" name="图片 9">
+            <a:extLst>
+              <a:ext uri="{FF2B5EF4-FFF2-40B4-BE49-F238E27FC236}">
+                <a16:creationId xmlns:a16="http://schemas.microsoft.com/office/drawing/2014/main" id="{3B4D7A72-3C43-48B6-85BE-B9BEBAAF44DD}"/>
+              </a:ext>
+            </a:extLst>
+          </p:cNvPr>
+          <p:cNvPicPr>
+            <a:picLocks noChangeAspect="1"/>
+          </p:cNvPicPr>
+          <p:nvPr/>
+        </p:nvPicPr>
+        <p:blipFill>
+          <a:blip r:embed="rId6"/>
+          <a:stretch>
+            <a:fillRect/>
+          </a:stretch>
+        </p:blipFill>
+        <p:spPr>
+          <a:xfrm>
+            <a:off x="4071937" y="2676525"/>
+            <a:ext cx="4048125" cy="1504950"/>
+          </a:xfrm>
+          <a:prstGeom prst="rect">
+            <a:avLst/>
+          </a:prstGeom>
+        </p:spPr>
+      </p:pic>
+      <p:sp>
+        <p:nvSpPr>
+          <p:cNvPr id="11" name="矩形 10">
+            <a:extLst>
+              <a:ext uri="{FF2B5EF4-FFF2-40B4-BE49-F238E27FC236}">
+                <a16:creationId xmlns:a16="http://schemas.microsoft.com/office/drawing/2014/main" id="{0C753C4F-132C-4150-BDC5-788F7253B395}"/>
+              </a:ext>
+            </a:extLst>
+          </p:cNvPr>
+          <p:cNvSpPr/>
+          <p:nvPr/>
+        </p:nvSpPr>
+        <p:spPr>
+          <a:xfrm>
+            <a:off x="-27098" y="6618077"/>
+            <a:ext cx="8043844" cy="307777"/>
+          </a:xfrm>
+          <a:prstGeom prst="rect">
+            <a:avLst/>
+          </a:prstGeom>
+        </p:spPr>
+        <p:txBody>
+          <a:bodyPr wrap="square">
+            <a:spAutoFit/>
+          </a:bodyPr>
+          <a:lstStyle/>
+          <a:p>
+            <a:r>
+              <a:rPr lang="en-US" altLang="zh-CN" sz="1400" b="1" dirty="0">
+                <a:solidFill>
+                  <a:srgbClr val="222222"/>
+                </a:solidFill>
+                <a:latin typeface="Arial" panose="020B0604020202020204" pitchFamily="34" charset="0"/>
+              </a:rPr>
+              <a:t>Rous P J, </a:t>
+            </a:r>
+            <a:r>
+              <a:rPr lang="en-US" altLang="zh-CN" sz="1400" b="1" dirty="0" err="1">
+                <a:solidFill>
+                  <a:srgbClr val="222222"/>
+                </a:solidFill>
+                <a:latin typeface="Arial" panose="020B0604020202020204" pitchFamily="34" charset="0"/>
+              </a:rPr>
+              <a:t>Pendry</a:t>
+            </a:r>
+            <a:r>
+              <a:rPr lang="en-US" altLang="zh-CN" sz="1400" b="1" dirty="0">
+                <a:solidFill>
+                  <a:srgbClr val="222222"/>
+                </a:solidFill>
+                <a:latin typeface="Arial" panose="020B0604020202020204" pitchFamily="34" charset="0"/>
+              </a:rPr>
+              <a:t> J B. The theory of tensor LEED[J]. Surface Science, 1989, 219(3): 355-372.</a:t>
+            </a:r>
+            <a:endParaRPr lang="zh-CN" altLang="en-US" sz="1400" b="1" dirty="0"/>
+          </a:p>
+        </p:txBody>
+      </p:sp>
+      <p:sp>
+        <p:nvSpPr>
+          <p:cNvPr id="12" name="矩形 11">
+            <a:extLst>
+              <a:ext uri="{FF2B5EF4-FFF2-40B4-BE49-F238E27FC236}">
+                <a16:creationId xmlns:a16="http://schemas.microsoft.com/office/drawing/2014/main" id="{7E94EB52-0888-4AAD-B509-194FE56434C8}"/>
+              </a:ext>
+            </a:extLst>
+          </p:cNvPr>
+          <p:cNvSpPr/>
+          <p:nvPr/>
+        </p:nvSpPr>
+        <p:spPr>
+          <a:xfrm>
+            <a:off x="1695450" y="4321410"/>
+            <a:ext cx="5285421" cy="369332"/>
+          </a:xfrm>
+          <a:prstGeom prst="rect">
+            <a:avLst/>
+          </a:prstGeom>
+        </p:spPr>
+        <p:txBody>
+          <a:bodyPr wrap="none">
+            <a:spAutoFit/>
+          </a:bodyPr>
+          <a:lstStyle/>
+          <a:p>
+            <a:r>
+              <a:rPr lang="zh-CN" altLang="en-US" dirty="0"/>
+              <a:t>笛卡尔张量T，与X射线衍射的规格相似，定义为：</a:t>
+            </a:r>
+          </a:p>
+        </p:txBody>
+      </p:sp>
+      <p:pic>
+        <p:nvPicPr>
+          <p:cNvPr id="13" name="图片 12">
+            <a:extLst>
+              <a:ext uri="{FF2B5EF4-FFF2-40B4-BE49-F238E27FC236}">
+                <a16:creationId xmlns:a16="http://schemas.microsoft.com/office/drawing/2014/main" id="{5828DFFD-72B1-4AAC-96AD-DD4E81003AFD}"/>
+              </a:ext>
+            </a:extLst>
+          </p:cNvPr>
+          <p:cNvPicPr>
+            <a:picLocks noChangeAspect="1"/>
+          </p:cNvPicPr>
+          <p:nvPr/>
+        </p:nvPicPr>
+        <p:blipFill>
+          <a:blip r:embed="rId7"/>
+          <a:stretch>
+            <a:fillRect/>
+          </a:stretch>
+        </p:blipFill>
+        <p:spPr>
+          <a:xfrm>
+            <a:off x="4071937" y="4860965"/>
+            <a:ext cx="4248150" cy="771525"/>
+          </a:xfrm>
+          <a:prstGeom prst="rect">
+            <a:avLst/>
+          </a:prstGeom>
+        </p:spPr>
+      </p:pic>
+      <p:sp>
+        <p:nvSpPr>
+          <p:cNvPr id="14" name="文本框 13">
+            <a:extLst>
+              <a:ext uri="{FF2B5EF4-FFF2-40B4-BE49-F238E27FC236}">
+                <a16:creationId xmlns:a16="http://schemas.microsoft.com/office/drawing/2014/main" id="{D43D40D4-1A2D-45D1-A4F9-5CFC4D4134C2}"/>
+              </a:ext>
+            </a:extLst>
+          </p:cNvPr>
+          <p:cNvSpPr txBox="1"/>
+          <p:nvPr/>
+        </p:nvSpPr>
+        <p:spPr>
+          <a:xfrm>
+            <a:off x="11038114" y="1189825"/>
+            <a:ext cx="441146" cy="369332"/>
+          </a:xfrm>
+          <a:prstGeom prst="rect">
+            <a:avLst/>
+          </a:prstGeom>
+          <a:noFill/>
+        </p:spPr>
+        <p:txBody>
+          <a:bodyPr wrap="none" rtlCol="0">
+            <a:spAutoFit/>
+          </a:bodyPr>
+          <a:lstStyle/>
+          <a:p>
+            <a:r>
+              <a:rPr lang="en-US" altLang="zh-CN" dirty="0"/>
+              <a:t>(1)</a:t>
+            </a:r>
+            <a:endParaRPr lang="zh-CN" altLang="en-US" dirty="0"/>
+          </a:p>
+        </p:txBody>
+      </p:sp>
+      <p:sp>
+        <p:nvSpPr>
+          <p:cNvPr id="16" name="文本框 15">
+            <a:extLst>
+              <a:ext uri="{FF2B5EF4-FFF2-40B4-BE49-F238E27FC236}">
+                <a16:creationId xmlns:a16="http://schemas.microsoft.com/office/drawing/2014/main" id="{C1F1CE96-5CF2-4AFE-9AC2-82AED37D1AC9}"/>
+              </a:ext>
+            </a:extLst>
+          </p:cNvPr>
+          <p:cNvSpPr txBox="1"/>
+          <p:nvPr/>
+        </p:nvSpPr>
+        <p:spPr>
+          <a:xfrm>
+            <a:off x="11038114" y="2676525"/>
+            <a:ext cx="441146" cy="369332"/>
+          </a:xfrm>
+          <a:prstGeom prst="rect">
+            <a:avLst/>
+          </a:prstGeom>
+          <a:noFill/>
+        </p:spPr>
+        <p:txBody>
+          <a:bodyPr wrap="none" rtlCol="0">
+            <a:spAutoFit/>
+          </a:bodyPr>
+          <a:lstStyle/>
+          <a:p>
+            <a:r>
+              <a:rPr lang="en-US" altLang="zh-CN" dirty="0"/>
+              <a:t>(2)</a:t>
+            </a:r>
+            <a:endParaRPr lang="zh-CN" altLang="en-US" dirty="0"/>
+          </a:p>
+        </p:txBody>
+      </p:sp>
+      <p:sp>
+        <p:nvSpPr>
+          <p:cNvPr id="17" name="文本框 16">
+            <a:extLst>
+              <a:ext uri="{FF2B5EF4-FFF2-40B4-BE49-F238E27FC236}">
+                <a16:creationId xmlns:a16="http://schemas.microsoft.com/office/drawing/2014/main" id="{46233910-FDA8-4C31-97BC-420B32CE8D0F}"/>
+              </a:ext>
+            </a:extLst>
+          </p:cNvPr>
+          <p:cNvSpPr txBox="1"/>
+          <p:nvPr/>
+        </p:nvSpPr>
+        <p:spPr>
+          <a:xfrm>
+            <a:off x="11038114" y="4860965"/>
+            <a:ext cx="441146" cy="369332"/>
+          </a:xfrm>
+          <a:prstGeom prst="rect">
+            <a:avLst/>
+          </a:prstGeom>
+          <a:noFill/>
+        </p:spPr>
+        <p:txBody>
+          <a:bodyPr wrap="none" rtlCol="0">
+            <a:spAutoFit/>
+          </a:bodyPr>
+          <a:lstStyle/>
+          <a:p>
+            <a:r>
+              <a:rPr lang="en-US" altLang="zh-CN" dirty="0"/>
+              <a:t>(3)</a:t>
+            </a:r>
+            <a:endParaRPr lang="zh-CN" altLang="en-US" dirty="0"/>
+          </a:p>
+        </p:txBody>
+      </p:sp>
+      <p:sp>
+        <p:nvSpPr>
+          <p:cNvPr id="15" name="矩形 14">
+            <a:extLst>
+              <a:ext uri="{FF2B5EF4-FFF2-40B4-BE49-F238E27FC236}">
+                <a16:creationId xmlns:a16="http://schemas.microsoft.com/office/drawing/2014/main" id="{28AEFF57-B24A-4535-9002-2CD1C7479D7B}"/>
+              </a:ext>
+            </a:extLst>
+          </p:cNvPr>
+          <p:cNvSpPr/>
+          <p:nvPr/>
+        </p:nvSpPr>
+        <p:spPr>
+          <a:xfrm>
+            <a:off x="1695450" y="5478952"/>
+            <a:ext cx="7696744" cy="369332"/>
+          </a:xfrm>
+          <a:prstGeom prst="rect">
+            <a:avLst/>
+          </a:prstGeom>
+        </p:spPr>
+        <p:txBody>
+          <a:bodyPr wrap="square">
+            <a:spAutoFit/>
+          </a:bodyPr>
+          <a:lstStyle/>
+          <a:p>
+            <a:r>
+              <a:rPr lang="zh-CN" altLang="en-US" dirty="0"/>
+              <a:t>等式</a:t>
+            </a:r>
+            <a:r>
+              <a:rPr lang="en-US" altLang="zh-CN" dirty="0"/>
+              <a:t>2</a:t>
+            </a:r>
+            <a:r>
+              <a:rPr lang="zh-CN" altLang="en-US" dirty="0"/>
+              <a:t>的和等于N个置换的原子中每个原子的原子的三个笛卡尔坐标的加和</a:t>
+            </a:r>
+          </a:p>
+        </p:txBody>
+      </p:sp>
+      <p:sp>
+        <p:nvSpPr>
+          <p:cNvPr id="18" name="矩形 17">
+            <a:extLst>
+              <a:ext uri="{FF2B5EF4-FFF2-40B4-BE49-F238E27FC236}">
+                <a16:creationId xmlns:a16="http://schemas.microsoft.com/office/drawing/2014/main" id="{771DDA64-D88E-495C-A399-923A2F1B31C8}"/>
+              </a:ext>
+            </a:extLst>
+          </p:cNvPr>
+          <p:cNvSpPr/>
+          <p:nvPr/>
+        </p:nvSpPr>
+        <p:spPr>
+          <a:xfrm>
+            <a:off x="1746242" y="5892424"/>
+            <a:ext cx="9958220" cy="646331"/>
+          </a:xfrm>
+          <a:prstGeom prst="rect">
+            <a:avLst/>
+          </a:prstGeom>
+        </p:spPr>
+        <p:txBody>
+          <a:bodyPr wrap="square">
+            <a:spAutoFit/>
+          </a:bodyPr>
+          <a:lstStyle/>
+          <a:p>
+            <a:r>
+              <a:rPr lang="zh-CN" altLang="en-US" dirty="0"/>
+              <a:t>通过运用等式2，一旦确定笛卡尔张量T，就可以轻松的利用常见的方法计算出I-V曲线，节省大量计算</a:t>
+            </a:r>
+          </a:p>
+        </p:txBody>
+      </p:sp>
+      <p:sp>
+        <p:nvSpPr>
+          <p:cNvPr id="20" name="文本框 19">
+            <a:extLst>
+              <a:ext uri="{FF2B5EF4-FFF2-40B4-BE49-F238E27FC236}">
+                <a16:creationId xmlns:a16="http://schemas.microsoft.com/office/drawing/2014/main" id="{9FC012EF-4340-4AB7-A54A-6D233B271ACC}"/>
+              </a:ext>
+            </a:extLst>
+          </p:cNvPr>
+          <p:cNvSpPr txBox="1"/>
+          <p:nvPr/>
+        </p:nvSpPr>
+        <p:spPr>
+          <a:xfrm>
+            <a:off x="1695450" y="0"/>
+            <a:ext cx="2212465" cy="523220"/>
+          </a:xfrm>
+          <a:prstGeom prst="rect">
+            <a:avLst/>
+          </a:prstGeom>
+          <a:noFill/>
+        </p:spPr>
+        <p:txBody>
+          <a:bodyPr wrap="none" rtlCol="0">
+            <a:spAutoFit/>
+          </a:bodyPr>
+          <a:lstStyle/>
+          <a:p>
+            <a:r>
+              <a:rPr lang="en-US" altLang="zh-CN" sz="2800" dirty="0"/>
+              <a:t>4.4.1 I-V</a:t>
+            </a:r>
+            <a:r>
+              <a:rPr lang="zh-CN" altLang="en-US" sz="2800" dirty="0"/>
+              <a:t>曲线</a:t>
+            </a:r>
+          </a:p>
+        </p:txBody>
+      </p:sp>
+    </p:spTree>
+    <p:extLst>
+      <p:ext uri="{BB962C8B-B14F-4D97-AF65-F5344CB8AC3E}">
+        <p14:creationId xmlns:p14="http://schemas.microsoft.com/office/powerpoint/2010/main" val="1951733620"/>
+      </p:ext>
+    </p:extLst>
+  </p:cSld>
+  <p:clrMapOvr>
+    <a:masterClrMapping/>
+  </p:clrMapOvr>
+</p:sld>
+</file>
+
+<file path=ppt/slides/slide45.xml><?xml version="1.0" encoding="utf-8"?>
 <p:sld xmlns:a="http://schemas.openxmlformats.org/drawingml/2006/main" xmlns:r="http://schemas.openxmlformats.org/officeDocument/2006/relationships" xmlns:p="http://schemas.openxmlformats.org/presentationml/2006/main">
   <p:cSld>
     <p:spTree>
@@ -39350,7 +42188,7 @@
 </p:sld>
 </file>
 
-<file path=ppt/slides/slide43.xml><?xml version="1.0" encoding="utf-8"?>
+<file path=ppt/slides/slide46.xml><?xml version="1.0" encoding="utf-8"?>
 <p:sld xmlns:a="http://schemas.openxmlformats.org/drawingml/2006/main" xmlns:r="http://schemas.openxmlformats.org/officeDocument/2006/relationships" xmlns:p="http://schemas.openxmlformats.org/presentationml/2006/main">
   <p:cSld>
     <p:spTree>
@@ -39846,7 +42684,7 @@
 </p:sld>
 </file>
 
-<file path=ppt/slides/slide44.xml><?xml version="1.0" encoding="utf-8"?>
+<file path=ppt/slides/slide47.xml><?xml version="1.0" encoding="utf-8"?>
 <p:sld xmlns:a="http://schemas.openxmlformats.org/drawingml/2006/main" xmlns:r="http://schemas.openxmlformats.org/officeDocument/2006/relationships" xmlns:p="http://schemas.openxmlformats.org/presentationml/2006/main">
   <p:cSld>
     <p:spTree>
@@ -40355,7 +43193,7 @@
 </p:sld>
 </file>
 
-<file path=ppt/slides/slide45.xml><?xml version="1.0" encoding="utf-8"?>
+<file path=ppt/slides/slide48.xml><?xml version="1.0" encoding="utf-8"?>
 <p:sld xmlns:a="http://schemas.openxmlformats.org/drawingml/2006/main" xmlns:r="http://schemas.openxmlformats.org/officeDocument/2006/relationships" xmlns:p="http://schemas.openxmlformats.org/presentationml/2006/main">
   <p:cSld>
     <p:spTree>
@@ -41333,8 +44171,8 @@
           </a:prstGeom>
         </p:spPr>
       </p:pic>
-      <mc:AlternateContent xmlns:mc="http://schemas.openxmlformats.org/markup-compatibility/2006">
-        <mc:Choice xmlns:a14="http://schemas.microsoft.com/office/drawing/2010/main" Requires="a14">
+      <mc:AlternateContent xmlns:mc="http://schemas.openxmlformats.org/markup-compatibility/2006" xmlns:a14="http://schemas.microsoft.com/office/drawing/2010/main">
+        <mc:Choice Requires="a14">
           <p:sp>
             <p:nvSpPr>
               <p:cNvPr id="6" name="文本框 5">
@@ -41708,7 +44546,7 @@
             </p:txBody>
           </p:sp>
         </mc:Choice>
-        <mc:Fallback>
+        <mc:Fallback xmlns="">
           <p:sp>
             <p:nvSpPr>
               <p:cNvPr id="6" name="文本框 5">
